--- a/web_application_programming.pptx
+++ b/web_application_programming.pptx
@@ -5,34 +5,47 @@
     <p:sldMasterId id="2147483648" r:id="rId1"/>
   </p:sldMasterIdLst>
   <p:notesMasterIdLst>
-    <p:notesMasterId r:id="rId27"/>
+    <p:notesMasterId r:id="rId40"/>
   </p:notesMasterIdLst>
   <p:sldIdLst>
     <p:sldId id="256" r:id="rId2"/>
     <p:sldId id="258" r:id="rId3"/>
     <p:sldId id="257" r:id="rId4"/>
     <p:sldId id="259" r:id="rId5"/>
-    <p:sldId id="260" r:id="rId6"/>
-    <p:sldId id="261" r:id="rId7"/>
-    <p:sldId id="262" r:id="rId8"/>
-    <p:sldId id="263" r:id="rId9"/>
-    <p:sldId id="264" r:id="rId10"/>
-    <p:sldId id="265" r:id="rId11"/>
-    <p:sldId id="266" r:id="rId12"/>
-    <p:sldId id="267" r:id="rId13"/>
-    <p:sldId id="268" r:id="rId14"/>
-    <p:sldId id="269" r:id="rId15"/>
-    <p:sldId id="270" r:id="rId16"/>
-    <p:sldId id="271" r:id="rId17"/>
-    <p:sldId id="272" r:id="rId18"/>
-    <p:sldId id="273" r:id="rId19"/>
-    <p:sldId id="274" r:id="rId20"/>
-    <p:sldId id="275" r:id="rId21"/>
-    <p:sldId id="276" r:id="rId22"/>
-    <p:sldId id="277" r:id="rId23"/>
-    <p:sldId id="278" r:id="rId24"/>
-    <p:sldId id="279" r:id="rId25"/>
-    <p:sldId id="280" r:id="rId26"/>
+    <p:sldId id="281" r:id="rId6"/>
+    <p:sldId id="260" r:id="rId7"/>
+    <p:sldId id="282" r:id="rId8"/>
+    <p:sldId id="261" r:id="rId9"/>
+    <p:sldId id="283" r:id="rId10"/>
+    <p:sldId id="284" r:id="rId11"/>
+    <p:sldId id="285" r:id="rId12"/>
+    <p:sldId id="286" r:id="rId13"/>
+    <p:sldId id="287" r:id="rId14"/>
+    <p:sldId id="288" r:id="rId15"/>
+    <p:sldId id="289" r:id="rId16"/>
+    <p:sldId id="290" r:id="rId17"/>
+    <p:sldId id="291" r:id="rId18"/>
+    <p:sldId id="292" r:id="rId19"/>
+    <p:sldId id="293" r:id="rId20"/>
+    <p:sldId id="262" r:id="rId21"/>
+    <p:sldId id="263" r:id="rId22"/>
+    <p:sldId id="264" r:id="rId23"/>
+    <p:sldId id="265" r:id="rId24"/>
+    <p:sldId id="266" r:id="rId25"/>
+    <p:sldId id="267" r:id="rId26"/>
+    <p:sldId id="268" r:id="rId27"/>
+    <p:sldId id="269" r:id="rId28"/>
+    <p:sldId id="270" r:id="rId29"/>
+    <p:sldId id="271" r:id="rId30"/>
+    <p:sldId id="272" r:id="rId31"/>
+    <p:sldId id="273" r:id="rId32"/>
+    <p:sldId id="274" r:id="rId33"/>
+    <p:sldId id="275" r:id="rId34"/>
+    <p:sldId id="276" r:id="rId35"/>
+    <p:sldId id="277" r:id="rId36"/>
+    <p:sldId id="278" r:id="rId37"/>
+    <p:sldId id="279" r:id="rId38"/>
+    <p:sldId id="280" r:id="rId39"/>
   </p:sldIdLst>
   <p:sldSz cx="12192000" cy="6858000"/>
   <p:notesSz cx="6858000" cy="9144000"/>
@@ -131,6 +144,11 @@
       </a:defRPr>
     </a:lvl9pPr>
   </p:defaultTextStyle>
+  <p:extLst>
+    <p:ext uri="{EFAFB233-063F-42B5-8137-9DF3F51BA10A}">
+      <p15:sldGuideLst xmlns:p15="http://schemas.microsoft.com/office/powerpoint/2012/main"/>
+    </p:ext>
+  </p:extLst>
 </p:presentation>
 </file>
 
@@ -2678,7 +2696,7 @@
           <a:p>
             <a:fld id="{C4D37A8C-27B3-B94C-ABCD-F85CE449723F}" type="datetimeFigureOut">
               <a:rPr lang="en-US" smtClean="0"/>
-              <a:t>11/1/19</a:t>
+              <a:t>11/25/19</a:t>
             </a:fld>
             <a:endParaRPr lang="en-US"/>
           </a:p>
@@ -3011,7 +3029,7 @@
           <a:p>
             <a:fld id="{64A8CD81-D2FC-7842-90F5-67CD59509DF4}" type="slidenum">
               <a:rPr lang="en-US" smtClean="0"/>
-              <a:t>7</a:t>
+              <a:t>20</a:t>
             </a:fld>
             <a:endParaRPr lang="en-US"/>
           </a:p>
@@ -3244,7 +3262,7 @@
             <a:fld id="{B61BEF0D-F0BB-DE4B-95CE-6DB70DBA9567}" type="datetimeFigureOut">
               <a:rPr lang="en-US" dirty="0"/>
               <a:pPr/>
-              <a:t>11/1/19</a:t>
+              <a:t>11/25/19</a:t>
             </a:fld>
             <a:endParaRPr lang="en-US" dirty="0"/>
           </a:p>
@@ -3532,7 +3550,7 @@
             <a:fld id="{B61BEF0D-F0BB-DE4B-95CE-6DB70DBA9567}" type="datetimeFigureOut">
               <a:rPr lang="en-US" dirty="0"/>
               <a:pPr/>
-              <a:t>11/1/19</a:t>
+              <a:t>11/25/19</a:t>
             </a:fld>
             <a:endParaRPr lang="en-US" dirty="0"/>
           </a:p>
@@ -3788,7 +3806,7 @@
             <a:fld id="{B61BEF0D-F0BB-DE4B-95CE-6DB70DBA9567}" type="datetimeFigureOut">
               <a:rPr lang="en-US" dirty="0"/>
               <a:pPr/>
-              <a:t>11/1/19</a:t>
+              <a:t>11/25/19</a:t>
             </a:fld>
             <a:endParaRPr lang="en-US" dirty="0"/>
           </a:p>
@@ -4254,7 +4272,7 @@
             <a:fld id="{B61BEF0D-F0BB-DE4B-95CE-6DB70DBA9567}" type="datetimeFigureOut">
               <a:rPr lang="en-US" dirty="0"/>
               <a:pPr/>
-              <a:t>11/1/19</a:t>
+              <a:t>11/25/19</a:t>
             </a:fld>
             <a:endParaRPr lang="en-US" dirty="0"/>
           </a:p>
@@ -4431,7 +4449,7 @@
             <a:fld id="{B61BEF0D-F0BB-DE4B-95CE-6DB70DBA9567}" type="datetimeFigureOut">
               <a:rPr lang="en-US" dirty="0"/>
               <a:pPr/>
-              <a:t>11/1/19</a:t>
+              <a:t>11/25/19</a:t>
             </a:fld>
             <a:endParaRPr lang="en-US" dirty="0"/>
           </a:p>
@@ -5004,7 +5022,7 @@
             <a:fld id="{B61BEF0D-F0BB-DE4B-95CE-6DB70DBA9567}" type="datetimeFigureOut">
               <a:rPr lang="en-US" dirty="0"/>
               <a:pPr/>
-              <a:t>11/1/19</a:t>
+              <a:t>11/25/19</a:t>
             </a:fld>
             <a:endParaRPr lang="en-US" dirty="0"/>
           </a:p>
@@ -5333,7 +5351,7 @@
             <a:fld id="{B61BEF0D-F0BB-DE4B-95CE-6DB70DBA9567}" type="datetimeFigureOut">
               <a:rPr lang="en-US" dirty="0"/>
               <a:pPr/>
-              <a:t>11/1/19</a:t>
+              <a:t>11/25/19</a:t>
             </a:fld>
             <a:endParaRPr lang="en-US" dirty="0"/>
           </a:p>
@@ -5505,7 +5523,7 @@
             <a:fld id="{B61BEF0D-F0BB-DE4B-95CE-6DB70DBA9567}" type="datetimeFigureOut">
               <a:rPr lang="en-US" dirty="0"/>
               <a:pPr/>
-              <a:t>11/1/19</a:t>
+              <a:t>11/25/19</a:t>
             </a:fld>
             <a:endParaRPr lang="en-US" dirty="0"/>
           </a:p>
@@ -5682,7 +5700,7 @@
             <a:fld id="{B61BEF0D-F0BB-DE4B-95CE-6DB70DBA9567}" type="datetimeFigureOut">
               <a:rPr lang="en-US" dirty="0"/>
               <a:pPr/>
-              <a:t>11/1/19</a:t>
+              <a:t>11/25/19</a:t>
             </a:fld>
             <a:endParaRPr lang="en-US" dirty="0"/>
           </a:p>
@@ -5849,7 +5867,7 @@
             <a:fld id="{B61BEF0D-F0BB-DE4B-95CE-6DB70DBA9567}" type="datetimeFigureOut">
               <a:rPr lang="en-US" dirty="0"/>
               <a:pPr/>
-              <a:t>11/1/19</a:t>
+              <a:t>11/25/19</a:t>
             </a:fld>
             <a:endParaRPr lang="en-US" dirty="0"/>
           </a:p>
@@ -6103,7 +6121,7 @@
             <a:fld id="{B61BEF0D-F0BB-DE4B-95CE-6DB70DBA9567}" type="datetimeFigureOut">
               <a:rPr lang="en-US" dirty="0"/>
               <a:pPr/>
-              <a:t>11/1/19</a:t>
+              <a:t>11/25/19</a:t>
             </a:fld>
             <a:endParaRPr lang="en-US" dirty="0"/>
           </a:p>
@@ -6392,7 +6410,7 @@
             <a:fld id="{B61BEF0D-F0BB-DE4B-95CE-6DB70DBA9567}" type="datetimeFigureOut">
               <a:rPr lang="en-US" dirty="0"/>
               <a:pPr/>
-              <a:t>11/1/19</a:t>
+              <a:t>11/25/19</a:t>
             </a:fld>
             <a:endParaRPr lang="en-US" dirty="0"/>
           </a:p>
@@ -6819,7 +6837,7 @@
             <a:fld id="{B61BEF0D-F0BB-DE4B-95CE-6DB70DBA9567}" type="datetimeFigureOut">
               <a:rPr lang="en-US" dirty="0"/>
               <a:pPr/>
-              <a:t>11/1/19</a:t>
+              <a:t>11/25/19</a:t>
             </a:fld>
             <a:endParaRPr lang="en-US" dirty="0"/>
           </a:p>
@@ -6934,7 +6952,7 @@
             <a:fld id="{B61BEF0D-F0BB-DE4B-95CE-6DB70DBA9567}" type="datetimeFigureOut">
               <a:rPr lang="en-US" dirty="0"/>
               <a:pPr/>
-              <a:t>11/1/19</a:t>
+              <a:t>11/25/19</a:t>
             </a:fld>
             <a:endParaRPr lang="en-US" dirty="0"/>
           </a:p>
@@ -7026,7 +7044,7 @@
             <a:fld id="{B61BEF0D-F0BB-DE4B-95CE-6DB70DBA9567}" type="datetimeFigureOut">
               <a:rPr lang="en-US" dirty="0"/>
               <a:pPr/>
-              <a:t>11/1/19</a:t>
+              <a:t>11/25/19</a:t>
             </a:fld>
             <a:endParaRPr lang="en-US" dirty="0"/>
           </a:p>
@@ -7306,7 +7324,7 @@
             <a:fld id="{B61BEF0D-F0BB-DE4B-95CE-6DB70DBA9567}" type="datetimeFigureOut">
               <a:rPr lang="en-US" dirty="0"/>
               <a:pPr/>
-              <a:t>11/1/19</a:t>
+              <a:t>11/25/19</a:t>
             </a:fld>
             <a:endParaRPr lang="en-US" dirty="0"/>
           </a:p>
@@ -7594,7 +7612,7 @@
             <a:fld id="{B61BEF0D-F0BB-DE4B-95CE-6DB70DBA9567}" type="datetimeFigureOut">
               <a:rPr lang="en-US" dirty="0"/>
               <a:pPr/>
-              <a:t>11/1/19</a:t>
+              <a:t>11/25/19</a:t>
             </a:fld>
             <a:endParaRPr lang="en-US" dirty="0"/>
           </a:p>
@@ -7822,7 +7840,7 @@
             <a:fld id="{B61BEF0D-F0BB-DE4B-95CE-6DB70DBA9567}" type="datetimeFigureOut">
               <a:rPr lang="en-US" dirty="0"/>
               <a:pPr/>
-              <a:t>11/1/19</a:t>
+              <a:t>11/25/19</a:t>
             </a:fld>
             <a:endParaRPr lang="en-US" dirty="0"/>
           </a:p>
@@ -8603,40 +8621,30 @@
             <p:ph type="ctrTitle"/>
           </p:nvPr>
         </p:nvSpPr>
-        <p:spPr/>
+        <p:spPr>
+          <a:xfrm>
+            <a:off x="1392566" y="1648360"/>
+            <a:ext cx="8676222" cy="3200400"/>
+          </a:xfrm>
+        </p:spPr>
         <p:txBody>
           <a:bodyPr/>
           <a:lstStyle/>
           <a:p>
             <a:r>
               <a:rPr lang="en-US" dirty="0"/>
-              <a:t>WEB APPLICATION PROGRAMMING </a:t>
-            </a:r>
-          </a:p>
-        </p:txBody>
-      </p:sp>
-      <p:sp>
-        <p:nvSpPr>
-          <p:cNvPr id="3" name="Subtitle 2">
-            <a:extLst>
-              <a:ext uri="{FF2B5EF4-FFF2-40B4-BE49-F238E27FC236}">
-                <a16:creationId xmlns:a16="http://schemas.microsoft.com/office/drawing/2014/main" id="{73277E42-B113-DD40-B628-09348339C559}"/>
-              </a:ext>
-            </a:extLst>
-          </p:cNvPr>
-          <p:cNvSpPr>
-            <a:spLocks noGrp="1"/>
-          </p:cNvSpPr>
-          <p:nvPr>
-            <p:ph type="subTitle" idx="1"/>
-          </p:nvPr>
-        </p:nvSpPr>
-        <p:spPr/>
-        <p:txBody>
-          <a:bodyPr/>
-          <a:lstStyle/>
-          <a:p>
-            <a:endParaRPr lang="en-US"/>
+              <a:t>WEB APPLICATION PROGRAMMING</a:t>
+            </a:r>
+            <a:br>
+              <a:rPr lang="en-US" dirty="0"/>
+            </a:br>
+            <a:br>
+              <a:rPr lang="en-US" dirty="0"/>
+            </a:br>
+            <a:r>
+              <a:rPr lang="en-US" dirty="0"/>
+              <a:t> </a:t>
+            </a:r>
           </a:p>
         </p:txBody>
       </p:sp>
@@ -8654,6 +8662,2337 @@
 </file>
 
 <file path=ppt/slides/slide10.xml><?xml version="1.0" encoding="utf-8"?>
+<p:sld xmlns:a="http://schemas.openxmlformats.org/drawingml/2006/main" xmlns:r="http://schemas.openxmlformats.org/officeDocument/2006/relationships" xmlns:p="http://schemas.openxmlformats.org/presentationml/2006/main">
+  <p:cSld>
+    <p:spTree>
+      <p:nvGrpSpPr>
+        <p:cNvPr id="1" name=""/>
+        <p:cNvGrpSpPr/>
+        <p:nvPr/>
+      </p:nvGrpSpPr>
+      <p:grpSpPr>
+        <a:xfrm>
+          <a:off x="0" y="0"/>
+          <a:ext cx="0" cy="0"/>
+          <a:chOff x="0" y="0"/>
+          <a:chExt cx="0" cy="0"/>
+        </a:xfrm>
+      </p:grpSpPr>
+      <p:sp>
+        <p:nvSpPr>
+          <p:cNvPr id="2" name="Title 1">
+            <a:extLst>
+              <a:ext uri="{FF2B5EF4-FFF2-40B4-BE49-F238E27FC236}">
+                <a16:creationId xmlns:a16="http://schemas.microsoft.com/office/drawing/2014/main" id="{6FD7DEA0-5ADA-4E49-A97B-3DB4AEB6156E}"/>
+              </a:ext>
+            </a:extLst>
+          </p:cNvPr>
+          <p:cNvSpPr>
+            <a:spLocks noGrp="1"/>
+          </p:cNvSpPr>
+          <p:nvPr>
+            <p:ph type="title"/>
+          </p:nvPr>
+        </p:nvSpPr>
+        <p:spPr/>
+        <p:txBody>
+          <a:bodyPr/>
+          <a:lstStyle/>
+          <a:p>
+            <a:r>
+              <a:rPr lang="en-US" dirty="0"/>
+              <a:t>How to create better architectures </a:t>
+            </a:r>
+          </a:p>
+        </p:txBody>
+      </p:sp>
+      <p:sp>
+        <p:nvSpPr>
+          <p:cNvPr id="3" name="Content Placeholder 2">
+            <a:extLst>
+              <a:ext uri="{FF2B5EF4-FFF2-40B4-BE49-F238E27FC236}">
+                <a16:creationId xmlns:a16="http://schemas.microsoft.com/office/drawing/2014/main" id="{85003F47-E2AB-0641-91A9-9813D9F29634}"/>
+              </a:ext>
+            </a:extLst>
+          </p:cNvPr>
+          <p:cNvSpPr>
+            <a:spLocks noGrp="1"/>
+          </p:cNvSpPr>
+          <p:nvPr>
+            <p:ph idx="1"/>
+          </p:nvPr>
+        </p:nvSpPr>
+        <p:spPr/>
+        <p:txBody>
+          <a:bodyPr/>
+          <a:lstStyle/>
+          <a:p>
+            <a:r>
+              <a:rPr lang="en-US" dirty="0"/>
+              <a:t>Redundancy </a:t>
+            </a:r>
+          </a:p>
+          <a:p>
+            <a:r>
+              <a:rPr lang="en-US" dirty="0"/>
+              <a:t>Caching </a:t>
+            </a:r>
+          </a:p>
+          <a:p>
+            <a:r>
+              <a:rPr lang="en-US" dirty="0"/>
+              <a:t>Indexing </a:t>
+            </a:r>
+          </a:p>
+          <a:p>
+            <a:r>
+              <a:rPr lang="en-US" dirty="0"/>
+              <a:t>Proxies </a:t>
+            </a:r>
+          </a:p>
+          <a:p>
+            <a:r>
+              <a:rPr lang="en-US" dirty="0"/>
+              <a:t>Load Balancing </a:t>
+            </a:r>
+          </a:p>
+        </p:txBody>
+      </p:sp>
+    </p:spTree>
+    <p:extLst>
+      <p:ext uri="{BB962C8B-B14F-4D97-AF65-F5344CB8AC3E}">
+        <p14:creationId xmlns:p14="http://schemas.microsoft.com/office/powerpoint/2010/main" val="4261766824"/>
+      </p:ext>
+    </p:extLst>
+  </p:cSld>
+  <p:clrMapOvr>
+    <a:masterClrMapping/>
+  </p:clrMapOvr>
+</p:sld>
+</file>
+
+<file path=ppt/slides/slide11.xml><?xml version="1.0" encoding="utf-8"?>
+<p:sld xmlns:a="http://schemas.openxmlformats.org/drawingml/2006/main" xmlns:r="http://schemas.openxmlformats.org/officeDocument/2006/relationships" xmlns:p="http://schemas.openxmlformats.org/presentationml/2006/main">
+  <p:cSld>
+    <p:bg>
+      <p:bgPr>
+        <a:blipFill rotWithShape="1">
+          <a:blip r:embed="rId2">
+            <a:duotone>
+              <a:schemeClr val="bg2">
+                <a:shade val="28000"/>
+                <a:satMod val="94000"/>
+                <a:lumMod val="20000"/>
+              </a:schemeClr>
+              <a:schemeClr val="bg2">
+                <a:tint val="94000"/>
+                <a:shade val="84000"/>
+                <a:satMod val="148000"/>
+                <a:lumMod val="114000"/>
+              </a:schemeClr>
+            </a:duotone>
+          </a:blip>
+          <a:stretch/>
+        </a:blipFill>
+        <a:effectLst/>
+      </p:bgPr>
+    </p:bg>
+    <p:spTree>
+      <p:nvGrpSpPr>
+        <p:cNvPr id="1" name=""/>
+        <p:cNvGrpSpPr/>
+        <p:nvPr/>
+      </p:nvGrpSpPr>
+      <p:grpSpPr>
+        <a:xfrm>
+          <a:off x="0" y="0"/>
+          <a:ext cx="0" cy="0"/>
+          <a:chOff x="0" y="0"/>
+          <a:chExt cx="0" cy="0"/>
+        </a:xfrm>
+      </p:grpSpPr>
+      <p:sp>
+        <p:nvSpPr>
+          <p:cNvPr id="2" name="Title 1">
+            <a:extLst>
+              <a:ext uri="{FF2B5EF4-FFF2-40B4-BE49-F238E27FC236}">
+                <a16:creationId xmlns:a16="http://schemas.microsoft.com/office/drawing/2014/main" id="{C80CADBA-9015-3E4B-84B2-01ACED2D4EFB}"/>
+              </a:ext>
+            </a:extLst>
+          </p:cNvPr>
+          <p:cNvSpPr>
+            <a:spLocks noGrp="1"/>
+          </p:cNvSpPr>
+          <p:nvPr>
+            <p:ph type="title"/>
+          </p:nvPr>
+        </p:nvSpPr>
+        <p:spPr>
+          <a:xfrm>
+            <a:off x="8164106" y="609600"/>
+            <a:ext cx="3369133" cy="3642851"/>
+          </a:xfrm>
+        </p:spPr>
+        <p:txBody>
+          <a:bodyPr vert="horz" lIns="91440" tIns="45720" rIns="91440" bIns="45720" rtlCol="0" anchor="b">
+            <a:normAutofit/>
+          </a:bodyPr>
+          <a:lstStyle/>
+          <a:p>
+            <a:pPr algn="ctr"/>
+            <a:r>
+              <a:rPr lang="en-US" sz="3400">
+                <a:effectLst>
+                  <a:glow rad="38100">
+                    <a:schemeClr val="bg1">
+                      <a:lumMod val="65000"/>
+                      <a:lumOff val="35000"/>
+                      <a:alpha val="50000"/>
+                    </a:schemeClr>
+                  </a:glow>
+                  <a:outerShdw blurRad="28575" dist="31750" dir="13200000" algn="tl" rotWithShape="0">
+                    <a:srgbClr val="000000">
+                      <a:alpha val="25000"/>
+                    </a:srgbClr>
+                  </a:outerShdw>
+                </a:effectLst>
+              </a:rPr>
+              <a:t>Redundancy </a:t>
+            </a:r>
+          </a:p>
+        </p:txBody>
+      </p:sp>
+      <p:pic>
+        <p:nvPicPr>
+          <p:cNvPr id="7" name="Content Placeholder 6" descr="A screenshot of a cell phone&#10;&#10;Description automatically generated">
+            <a:extLst>
+              <a:ext uri="{FF2B5EF4-FFF2-40B4-BE49-F238E27FC236}">
+                <a16:creationId xmlns:a16="http://schemas.microsoft.com/office/drawing/2014/main" id="{F52CB174-74C7-494D-B559-1A5B9D2CEB83}"/>
+              </a:ext>
+            </a:extLst>
+          </p:cNvPr>
+          <p:cNvPicPr>
+            <a:picLocks noGrp="1" noChangeAspect="1"/>
+          </p:cNvPicPr>
+          <p:nvPr>
+            <p:ph idx="1"/>
+          </p:nvPr>
+        </p:nvPicPr>
+        <p:blipFill>
+          <a:blip r:embed="rId3"/>
+          <a:stretch>
+            <a:fillRect/>
+          </a:stretch>
+        </p:blipFill>
+        <p:spPr>
+          <a:xfrm>
+            <a:off x="636915" y="1425302"/>
+            <a:ext cx="6915663" cy="4011084"/>
+          </a:xfrm>
+          <a:prstGeom prst="roundRect">
+            <a:avLst>
+              <a:gd name="adj" fmla="val 3517"/>
+            </a:avLst>
+          </a:prstGeom>
+          <a:ln w="38100">
+            <a:gradFill flip="none" rotWithShape="1">
+              <a:gsLst>
+                <a:gs pos="0">
+                  <a:srgbClr val="363D46"/>
+                </a:gs>
+                <a:gs pos="100000">
+                  <a:srgbClr val="363D46">
+                    <a:lumMod val="75000"/>
+                  </a:srgbClr>
+                </a:gs>
+              </a:gsLst>
+              <a:lin ang="5400000" scaled="0"/>
+              <a:tileRect/>
+            </a:gradFill>
+          </a:ln>
+          <a:effectLst>
+            <a:innerShdw blurRad="57150" dist="38100" dir="14460000">
+              <a:srgbClr val="000000">
+                <a:alpha val="70000"/>
+              </a:srgbClr>
+            </a:innerShdw>
+          </a:effectLst>
+        </p:spPr>
+      </p:pic>
+    </p:spTree>
+    <p:extLst>
+      <p:ext uri="{BB962C8B-B14F-4D97-AF65-F5344CB8AC3E}">
+        <p14:creationId xmlns:p14="http://schemas.microsoft.com/office/powerpoint/2010/main" val="3969570573"/>
+      </p:ext>
+    </p:extLst>
+  </p:cSld>
+  <p:clrMapOvr>
+    <a:masterClrMapping/>
+  </p:clrMapOvr>
+</p:sld>
+</file>
+
+<file path=ppt/slides/slide12.xml><?xml version="1.0" encoding="utf-8"?>
+<p:sld xmlns:a="http://schemas.openxmlformats.org/drawingml/2006/main" xmlns:r="http://schemas.openxmlformats.org/officeDocument/2006/relationships" xmlns:p="http://schemas.openxmlformats.org/presentationml/2006/main">
+  <p:cSld>
+    <p:bg>
+      <p:bgPr>
+        <a:blipFill rotWithShape="1">
+          <a:blip r:embed="rId2">
+            <a:duotone>
+              <a:schemeClr val="bg2">
+                <a:shade val="28000"/>
+                <a:satMod val="94000"/>
+                <a:lumMod val="20000"/>
+              </a:schemeClr>
+              <a:schemeClr val="bg2">
+                <a:tint val="94000"/>
+                <a:shade val="84000"/>
+                <a:satMod val="148000"/>
+                <a:lumMod val="114000"/>
+              </a:schemeClr>
+            </a:duotone>
+          </a:blip>
+          <a:stretch/>
+        </a:blipFill>
+        <a:effectLst/>
+      </p:bgPr>
+    </p:bg>
+    <p:spTree>
+      <p:nvGrpSpPr>
+        <p:cNvPr id="1" name=""/>
+        <p:cNvGrpSpPr/>
+        <p:nvPr/>
+      </p:nvGrpSpPr>
+      <p:grpSpPr>
+        <a:xfrm>
+          <a:off x="0" y="0"/>
+          <a:ext cx="0" cy="0"/>
+          <a:chOff x="0" y="0"/>
+          <a:chExt cx="0" cy="0"/>
+        </a:xfrm>
+      </p:grpSpPr>
+      <p:sp>
+        <p:nvSpPr>
+          <p:cNvPr id="2" name="Title 1">
+            <a:extLst>
+              <a:ext uri="{FF2B5EF4-FFF2-40B4-BE49-F238E27FC236}">
+                <a16:creationId xmlns:a16="http://schemas.microsoft.com/office/drawing/2014/main" id="{F1251D00-BFEF-D249-9C1C-6B957979684D}"/>
+              </a:ext>
+            </a:extLst>
+          </p:cNvPr>
+          <p:cNvSpPr>
+            <a:spLocks noGrp="1"/>
+          </p:cNvSpPr>
+          <p:nvPr>
+            <p:ph type="title"/>
+          </p:nvPr>
+        </p:nvSpPr>
+        <p:spPr>
+          <a:xfrm>
+            <a:off x="8164106" y="609600"/>
+            <a:ext cx="3369133" cy="3642851"/>
+          </a:xfrm>
+        </p:spPr>
+        <p:txBody>
+          <a:bodyPr vert="horz" lIns="91440" tIns="45720" rIns="91440" bIns="45720" rtlCol="0" anchor="b">
+            <a:normAutofit/>
+          </a:bodyPr>
+          <a:lstStyle/>
+          <a:p>
+            <a:pPr algn="ctr"/>
+            <a:r>
+              <a:rPr lang="en-US" sz="4000">
+                <a:effectLst>
+                  <a:glow rad="38100">
+                    <a:schemeClr val="bg1">
+                      <a:lumMod val="65000"/>
+                      <a:lumOff val="35000"/>
+                      <a:alpha val="50000"/>
+                    </a:schemeClr>
+                  </a:glow>
+                  <a:outerShdw blurRad="28575" dist="31750" dir="13200000" algn="tl" rotWithShape="0">
+                    <a:srgbClr val="000000">
+                      <a:alpha val="25000"/>
+                    </a:srgbClr>
+                  </a:outerShdw>
+                </a:effectLst>
+              </a:rPr>
+              <a:t>Caching </a:t>
+            </a:r>
+          </a:p>
+        </p:txBody>
+      </p:sp>
+      <p:pic>
+        <p:nvPicPr>
+          <p:cNvPr id="5" name="Content Placeholder 4" descr="A close up of a map&#10;&#10;Description automatically generated">
+            <a:extLst>
+              <a:ext uri="{FF2B5EF4-FFF2-40B4-BE49-F238E27FC236}">
+                <a16:creationId xmlns:a16="http://schemas.microsoft.com/office/drawing/2014/main" id="{242794AD-F761-F049-AE41-BB73FECD7054}"/>
+              </a:ext>
+            </a:extLst>
+          </p:cNvPr>
+          <p:cNvPicPr>
+            <a:picLocks noGrp="1" noChangeAspect="1"/>
+          </p:cNvPicPr>
+          <p:nvPr>
+            <p:ph idx="1"/>
+          </p:nvPr>
+        </p:nvPicPr>
+        <p:blipFill>
+          <a:blip r:embed="rId3"/>
+          <a:stretch>
+            <a:fillRect/>
+          </a:stretch>
+        </p:blipFill>
+        <p:spPr>
+          <a:xfrm>
+            <a:off x="902134" y="639905"/>
+            <a:ext cx="6385225" cy="5581878"/>
+          </a:xfrm>
+          <a:prstGeom prst="roundRect">
+            <a:avLst>
+              <a:gd name="adj" fmla="val 3517"/>
+            </a:avLst>
+          </a:prstGeom>
+          <a:ln w="38100">
+            <a:gradFill flip="none" rotWithShape="1">
+              <a:gsLst>
+                <a:gs pos="0">
+                  <a:srgbClr val="363D46"/>
+                </a:gs>
+                <a:gs pos="100000">
+                  <a:srgbClr val="363D46">
+                    <a:lumMod val="75000"/>
+                  </a:srgbClr>
+                </a:gs>
+              </a:gsLst>
+              <a:lin ang="5400000" scaled="0"/>
+              <a:tileRect/>
+            </a:gradFill>
+          </a:ln>
+          <a:effectLst>
+            <a:innerShdw blurRad="57150" dist="38100" dir="14460000">
+              <a:srgbClr val="000000">
+                <a:alpha val="70000"/>
+              </a:srgbClr>
+            </a:innerShdw>
+          </a:effectLst>
+        </p:spPr>
+      </p:pic>
+    </p:spTree>
+    <p:extLst>
+      <p:ext uri="{BB962C8B-B14F-4D97-AF65-F5344CB8AC3E}">
+        <p14:creationId xmlns:p14="http://schemas.microsoft.com/office/powerpoint/2010/main" val="4047964158"/>
+      </p:ext>
+    </p:extLst>
+  </p:cSld>
+  <p:clrMapOvr>
+    <a:masterClrMapping/>
+  </p:clrMapOvr>
+</p:sld>
+</file>
+
+<file path=ppt/slides/slide13.xml><?xml version="1.0" encoding="utf-8"?>
+<p:sld xmlns:a="http://schemas.openxmlformats.org/drawingml/2006/main" xmlns:r="http://schemas.openxmlformats.org/officeDocument/2006/relationships" xmlns:p="http://schemas.openxmlformats.org/presentationml/2006/main">
+  <p:cSld>
+    <p:bg>
+      <p:bgPr>
+        <a:blipFill rotWithShape="1">
+          <a:blip r:embed="rId2">
+            <a:duotone>
+              <a:schemeClr val="bg2">
+                <a:shade val="28000"/>
+                <a:satMod val="94000"/>
+                <a:lumMod val="20000"/>
+              </a:schemeClr>
+              <a:schemeClr val="bg2">
+                <a:tint val="94000"/>
+                <a:shade val="84000"/>
+                <a:satMod val="148000"/>
+                <a:lumMod val="114000"/>
+              </a:schemeClr>
+            </a:duotone>
+          </a:blip>
+          <a:stretch/>
+        </a:blipFill>
+        <a:effectLst/>
+      </p:bgPr>
+    </p:bg>
+    <p:spTree>
+      <p:nvGrpSpPr>
+        <p:cNvPr id="1" name=""/>
+        <p:cNvGrpSpPr/>
+        <p:nvPr/>
+      </p:nvGrpSpPr>
+      <p:grpSpPr>
+        <a:xfrm>
+          <a:off x="0" y="0"/>
+          <a:ext cx="0" cy="0"/>
+          <a:chOff x="0" y="0"/>
+          <a:chExt cx="0" cy="0"/>
+        </a:xfrm>
+      </p:grpSpPr>
+      <p:sp>
+        <p:nvSpPr>
+          <p:cNvPr id="2" name="Title 1">
+            <a:extLst>
+              <a:ext uri="{FF2B5EF4-FFF2-40B4-BE49-F238E27FC236}">
+                <a16:creationId xmlns:a16="http://schemas.microsoft.com/office/drawing/2014/main" id="{71A9D5A0-352D-EA41-AE87-C3771B0B3C7E}"/>
+              </a:ext>
+            </a:extLst>
+          </p:cNvPr>
+          <p:cNvSpPr>
+            <a:spLocks noGrp="1"/>
+          </p:cNvSpPr>
+          <p:nvPr>
+            <p:ph type="title"/>
+          </p:nvPr>
+        </p:nvSpPr>
+        <p:spPr>
+          <a:xfrm>
+            <a:off x="1751012" y="4363271"/>
+            <a:ext cx="8676222" cy="1066801"/>
+          </a:xfrm>
+        </p:spPr>
+        <p:txBody>
+          <a:bodyPr vert="horz" lIns="91440" tIns="45720" rIns="91440" bIns="45720" rtlCol="0" anchor="b">
+            <a:normAutofit/>
+          </a:bodyPr>
+          <a:lstStyle/>
+          <a:p>
+            <a:pPr algn="ctr"/>
+            <a:r>
+              <a:rPr lang="en-US" sz="4800">
+                <a:effectLst>
+                  <a:glow rad="38100">
+                    <a:schemeClr val="bg1">
+                      <a:lumMod val="65000"/>
+                      <a:lumOff val="35000"/>
+                      <a:alpha val="50000"/>
+                    </a:schemeClr>
+                  </a:glow>
+                  <a:outerShdw blurRad="28575" dist="31750" dir="13200000" algn="tl" rotWithShape="0">
+                    <a:srgbClr val="000000">
+                      <a:alpha val="25000"/>
+                    </a:srgbClr>
+                  </a:outerShdw>
+                </a:effectLst>
+              </a:rPr>
+              <a:t>Indexing </a:t>
+            </a:r>
+          </a:p>
+        </p:txBody>
+      </p:sp>
+      <p:pic>
+        <p:nvPicPr>
+          <p:cNvPr id="5" name="Content Placeholder 4">
+            <a:extLst>
+              <a:ext uri="{FF2B5EF4-FFF2-40B4-BE49-F238E27FC236}">
+                <a16:creationId xmlns:a16="http://schemas.microsoft.com/office/drawing/2014/main" id="{2DDE57DC-EC16-0A4F-8073-5942C7A3B7C5}"/>
+              </a:ext>
+            </a:extLst>
+          </p:cNvPr>
+          <p:cNvPicPr>
+            <a:picLocks noGrp="1" noChangeAspect="1"/>
+          </p:cNvPicPr>
+          <p:nvPr>
+            <p:ph idx="1"/>
+          </p:nvPr>
+        </p:nvPicPr>
+        <p:blipFill rotWithShape="1">
+          <a:blip r:embed="rId3"/>
+          <a:srcRect t="8553" b="17648"/>
+          <a:stretch/>
+        </p:blipFill>
+        <p:spPr>
+          <a:xfrm>
+            <a:off x="20" y="10"/>
+            <a:ext cx="12191980" cy="4273816"/>
+          </a:xfrm>
+          <a:prstGeom prst="rect">
+            <a:avLst/>
+          </a:prstGeom>
+        </p:spPr>
+      </p:pic>
+    </p:spTree>
+    <p:extLst>
+      <p:ext uri="{BB962C8B-B14F-4D97-AF65-F5344CB8AC3E}">
+        <p14:creationId xmlns:p14="http://schemas.microsoft.com/office/powerpoint/2010/main" val="2074235178"/>
+      </p:ext>
+    </p:extLst>
+  </p:cSld>
+  <p:clrMapOvr>
+    <a:masterClrMapping/>
+  </p:clrMapOvr>
+</p:sld>
+</file>
+
+<file path=ppt/slides/slide14.xml><?xml version="1.0" encoding="utf-8"?>
+<p:sld xmlns:a="http://schemas.openxmlformats.org/drawingml/2006/main" xmlns:r="http://schemas.openxmlformats.org/officeDocument/2006/relationships" xmlns:p="http://schemas.openxmlformats.org/presentationml/2006/main">
+  <p:cSld>
+    <p:bg>
+      <p:bgPr>
+        <a:blipFill rotWithShape="1">
+          <a:blip r:embed="rId2">
+            <a:duotone>
+              <a:schemeClr val="bg2">
+                <a:shade val="28000"/>
+                <a:satMod val="94000"/>
+                <a:lumMod val="20000"/>
+              </a:schemeClr>
+              <a:schemeClr val="bg2">
+                <a:tint val="94000"/>
+                <a:shade val="84000"/>
+                <a:satMod val="148000"/>
+                <a:lumMod val="114000"/>
+              </a:schemeClr>
+            </a:duotone>
+          </a:blip>
+          <a:stretch/>
+        </a:blipFill>
+        <a:effectLst/>
+      </p:bgPr>
+    </p:bg>
+    <p:spTree>
+      <p:nvGrpSpPr>
+        <p:cNvPr id="1" name=""/>
+        <p:cNvGrpSpPr/>
+        <p:nvPr/>
+      </p:nvGrpSpPr>
+      <p:grpSpPr>
+        <a:xfrm>
+          <a:off x="0" y="0"/>
+          <a:ext cx="0" cy="0"/>
+          <a:chOff x="0" y="0"/>
+          <a:chExt cx="0" cy="0"/>
+        </a:xfrm>
+      </p:grpSpPr>
+      <p:sp>
+        <p:nvSpPr>
+          <p:cNvPr id="2" name="Title 1">
+            <a:extLst>
+              <a:ext uri="{FF2B5EF4-FFF2-40B4-BE49-F238E27FC236}">
+                <a16:creationId xmlns:a16="http://schemas.microsoft.com/office/drawing/2014/main" id="{440393BA-2CBA-F94F-A2E9-1FB24683EFCB}"/>
+              </a:ext>
+            </a:extLst>
+          </p:cNvPr>
+          <p:cNvSpPr>
+            <a:spLocks noGrp="1"/>
+          </p:cNvSpPr>
+          <p:nvPr>
+            <p:ph type="title"/>
+          </p:nvPr>
+        </p:nvSpPr>
+        <p:spPr>
+          <a:xfrm>
+            <a:off x="1751012" y="4363271"/>
+            <a:ext cx="8676222" cy="1066801"/>
+          </a:xfrm>
+        </p:spPr>
+        <p:txBody>
+          <a:bodyPr vert="horz" lIns="91440" tIns="45720" rIns="91440" bIns="45720" rtlCol="0" anchor="b">
+            <a:normAutofit/>
+          </a:bodyPr>
+          <a:lstStyle/>
+          <a:p>
+            <a:pPr algn="ctr"/>
+            <a:r>
+              <a:rPr lang="en-US" sz="4800">
+                <a:effectLst>
+                  <a:glow rad="38100">
+                    <a:schemeClr val="bg1">
+                      <a:lumMod val="65000"/>
+                      <a:lumOff val="35000"/>
+                      <a:alpha val="50000"/>
+                    </a:schemeClr>
+                  </a:glow>
+                  <a:outerShdw blurRad="28575" dist="31750" dir="13200000" algn="tl" rotWithShape="0">
+                    <a:srgbClr val="000000">
+                      <a:alpha val="25000"/>
+                    </a:srgbClr>
+                  </a:outerShdw>
+                </a:effectLst>
+              </a:rPr>
+              <a:t>Proxies </a:t>
+            </a:r>
+          </a:p>
+        </p:txBody>
+      </p:sp>
+      <p:pic>
+        <p:nvPicPr>
+          <p:cNvPr id="5" name="Content Placeholder 4" descr="A picture containing screenshot&#10;&#10;Description automatically generated">
+            <a:extLst>
+              <a:ext uri="{FF2B5EF4-FFF2-40B4-BE49-F238E27FC236}">
+                <a16:creationId xmlns:a16="http://schemas.microsoft.com/office/drawing/2014/main" id="{C819343B-124F-FC46-AB4D-D50AD2FB0BB9}"/>
+              </a:ext>
+            </a:extLst>
+          </p:cNvPr>
+          <p:cNvPicPr>
+            <a:picLocks noGrp="1" noChangeAspect="1"/>
+          </p:cNvPicPr>
+          <p:nvPr>
+            <p:ph idx="1"/>
+          </p:nvPr>
+        </p:nvPicPr>
+        <p:blipFill rotWithShape="1">
+          <a:blip r:embed="rId3"/>
+          <a:srcRect t="11243" b="11715"/>
+          <a:stretch/>
+        </p:blipFill>
+        <p:spPr>
+          <a:xfrm>
+            <a:off x="20" y="10"/>
+            <a:ext cx="12191980" cy="4273816"/>
+          </a:xfrm>
+          <a:prstGeom prst="rect">
+            <a:avLst/>
+          </a:prstGeom>
+        </p:spPr>
+      </p:pic>
+    </p:spTree>
+    <p:extLst>
+      <p:ext uri="{BB962C8B-B14F-4D97-AF65-F5344CB8AC3E}">
+        <p14:creationId xmlns:p14="http://schemas.microsoft.com/office/powerpoint/2010/main" val="2833340370"/>
+      </p:ext>
+    </p:extLst>
+  </p:cSld>
+  <p:clrMapOvr>
+    <a:masterClrMapping/>
+  </p:clrMapOvr>
+</p:sld>
+</file>
+
+<file path=ppt/slides/slide15.xml><?xml version="1.0" encoding="utf-8"?>
+<p:sld xmlns:a="http://schemas.openxmlformats.org/drawingml/2006/main" xmlns:r="http://schemas.openxmlformats.org/officeDocument/2006/relationships" xmlns:p="http://schemas.openxmlformats.org/presentationml/2006/main">
+  <p:cSld>
+    <p:bg>
+      <p:bgPr>
+        <a:blipFill rotWithShape="1">
+          <a:blip r:embed="rId2">
+            <a:duotone>
+              <a:schemeClr val="bg2">
+                <a:shade val="28000"/>
+                <a:satMod val="94000"/>
+                <a:lumMod val="20000"/>
+              </a:schemeClr>
+              <a:schemeClr val="bg2">
+                <a:tint val="94000"/>
+                <a:shade val="84000"/>
+                <a:satMod val="148000"/>
+                <a:lumMod val="114000"/>
+              </a:schemeClr>
+            </a:duotone>
+          </a:blip>
+          <a:stretch/>
+        </a:blipFill>
+        <a:effectLst/>
+      </p:bgPr>
+    </p:bg>
+    <p:spTree>
+      <p:nvGrpSpPr>
+        <p:cNvPr id="1" name=""/>
+        <p:cNvGrpSpPr/>
+        <p:nvPr/>
+      </p:nvGrpSpPr>
+      <p:grpSpPr>
+        <a:xfrm>
+          <a:off x="0" y="0"/>
+          <a:ext cx="0" cy="0"/>
+          <a:chOff x="0" y="0"/>
+          <a:chExt cx="0" cy="0"/>
+        </a:xfrm>
+      </p:grpSpPr>
+      <p:sp>
+        <p:nvSpPr>
+          <p:cNvPr id="2" name="Title 1">
+            <a:extLst>
+              <a:ext uri="{FF2B5EF4-FFF2-40B4-BE49-F238E27FC236}">
+                <a16:creationId xmlns:a16="http://schemas.microsoft.com/office/drawing/2014/main" id="{16246D60-83EC-C44E-BD51-722BF3E6D25F}"/>
+              </a:ext>
+            </a:extLst>
+          </p:cNvPr>
+          <p:cNvSpPr>
+            <a:spLocks noGrp="1"/>
+          </p:cNvSpPr>
+          <p:nvPr>
+            <p:ph type="title"/>
+          </p:nvPr>
+        </p:nvSpPr>
+        <p:spPr>
+          <a:xfrm>
+            <a:off x="1751012" y="4363271"/>
+            <a:ext cx="8676222" cy="1066801"/>
+          </a:xfrm>
+        </p:spPr>
+        <p:txBody>
+          <a:bodyPr vert="horz" lIns="91440" tIns="45720" rIns="91440" bIns="45720" rtlCol="0" anchor="b">
+            <a:normAutofit/>
+          </a:bodyPr>
+          <a:lstStyle/>
+          <a:p>
+            <a:pPr algn="ctr"/>
+            <a:r>
+              <a:rPr lang="en-US" sz="4800">
+                <a:effectLst>
+                  <a:glow rad="38100">
+                    <a:schemeClr val="bg1">
+                      <a:lumMod val="65000"/>
+                      <a:lumOff val="35000"/>
+                      <a:alpha val="50000"/>
+                    </a:schemeClr>
+                  </a:glow>
+                  <a:outerShdw blurRad="28575" dist="31750" dir="13200000" algn="tl" rotWithShape="0">
+                    <a:srgbClr val="000000">
+                      <a:alpha val="25000"/>
+                    </a:srgbClr>
+                  </a:outerShdw>
+                </a:effectLst>
+              </a:rPr>
+              <a:t>Load balancing </a:t>
+            </a:r>
+          </a:p>
+        </p:txBody>
+      </p:sp>
+      <p:pic>
+        <p:nvPicPr>
+          <p:cNvPr id="5" name="Content Placeholder 4" descr="A picture containing clock&#10;&#10;Description automatically generated">
+            <a:extLst>
+              <a:ext uri="{FF2B5EF4-FFF2-40B4-BE49-F238E27FC236}">
+                <a16:creationId xmlns:a16="http://schemas.microsoft.com/office/drawing/2014/main" id="{EA90043D-8DDD-2148-B9F0-60405BD17B4C}"/>
+              </a:ext>
+            </a:extLst>
+          </p:cNvPr>
+          <p:cNvPicPr>
+            <a:picLocks noGrp="1" noChangeAspect="1"/>
+          </p:cNvPicPr>
+          <p:nvPr>
+            <p:ph idx="1"/>
+          </p:nvPr>
+        </p:nvPicPr>
+        <p:blipFill rotWithShape="1">
+          <a:blip r:embed="rId3"/>
+          <a:srcRect t="15586" b="10615"/>
+          <a:stretch/>
+        </p:blipFill>
+        <p:spPr>
+          <a:xfrm>
+            <a:off x="20" y="10"/>
+            <a:ext cx="12191980" cy="4273816"/>
+          </a:xfrm>
+          <a:prstGeom prst="rect">
+            <a:avLst/>
+          </a:prstGeom>
+        </p:spPr>
+      </p:pic>
+    </p:spTree>
+    <p:extLst>
+      <p:ext uri="{BB962C8B-B14F-4D97-AF65-F5344CB8AC3E}">
+        <p14:creationId xmlns:p14="http://schemas.microsoft.com/office/powerpoint/2010/main" val="978521136"/>
+      </p:ext>
+    </p:extLst>
+  </p:cSld>
+  <p:clrMapOvr>
+    <a:masterClrMapping/>
+  </p:clrMapOvr>
+</p:sld>
+</file>
+
+<file path=ppt/slides/slide16.xml><?xml version="1.0" encoding="utf-8"?>
+<p:sld xmlns:a="http://schemas.openxmlformats.org/drawingml/2006/main" xmlns:r="http://schemas.openxmlformats.org/officeDocument/2006/relationships" xmlns:p="http://schemas.openxmlformats.org/presentationml/2006/main">
+  <p:cSld>
+    <p:bg>
+      <p:bgPr>
+        <a:blipFill rotWithShape="1">
+          <a:blip r:embed="rId2">
+            <a:duotone>
+              <a:schemeClr val="bg2">
+                <a:shade val="28000"/>
+                <a:satMod val="94000"/>
+                <a:lumMod val="20000"/>
+              </a:schemeClr>
+              <a:schemeClr val="bg2">
+                <a:tint val="94000"/>
+                <a:shade val="84000"/>
+                <a:satMod val="148000"/>
+                <a:lumMod val="114000"/>
+              </a:schemeClr>
+            </a:duotone>
+          </a:blip>
+          <a:stretch/>
+        </a:blipFill>
+        <a:effectLst/>
+      </p:bgPr>
+    </p:bg>
+    <p:spTree>
+      <p:nvGrpSpPr>
+        <p:cNvPr id="1" name=""/>
+        <p:cNvGrpSpPr/>
+        <p:nvPr/>
+      </p:nvGrpSpPr>
+      <p:grpSpPr>
+        <a:xfrm>
+          <a:off x="0" y="0"/>
+          <a:ext cx="0" cy="0"/>
+          <a:chOff x="0" y="0"/>
+          <a:chExt cx="0" cy="0"/>
+        </a:xfrm>
+      </p:grpSpPr>
+      <p:sp>
+        <p:nvSpPr>
+          <p:cNvPr id="2" name="Title 1">
+            <a:extLst>
+              <a:ext uri="{FF2B5EF4-FFF2-40B4-BE49-F238E27FC236}">
+                <a16:creationId xmlns:a16="http://schemas.microsoft.com/office/drawing/2014/main" id="{9C8C02B7-1303-B044-B8E8-C2AAE391B554}"/>
+              </a:ext>
+            </a:extLst>
+          </p:cNvPr>
+          <p:cNvSpPr>
+            <a:spLocks noGrp="1"/>
+          </p:cNvSpPr>
+          <p:nvPr>
+            <p:ph type="title"/>
+          </p:nvPr>
+        </p:nvSpPr>
+        <p:spPr>
+          <a:xfrm>
+            <a:off x="8164106" y="609600"/>
+            <a:ext cx="3369133" cy="3642851"/>
+          </a:xfrm>
+        </p:spPr>
+        <p:txBody>
+          <a:bodyPr vert="horz" lIns="91440" tIns="45720" rIns="91440" bIns="45720" rtlCol="0" anchor="b">
+            <a:normAutofit/>
+          </a:bodyPr>
+          <a:lstStyle/>
+          <a:p>
+            <a:pPr algn="ctr"/>
+            <a:r>
+              <a:rPr lang="en-US" sz="4000" dirty="0">
+                <a:effectLst>
+                  <a:glow rad="38100">
+                    <a:schemeClr val="bg1">
+                      <a:lumMod val="65000"/>
+                      <a:lumOff val="35000"/>
+                      <a:alpha val="50000"/>
+                    </a:schemeClr>
+                  </a:glow>
+                  <a:outerShdw blurRad="28575" dist="31750" dir="13200000" algn="tl" rotWithShape="0">
+                    <a:srgbClr val="000000">
+                      <a:alpha val="25000"/>
+                    </a:srgbClr>
+                  </a:outerShdw>
+                </a:effectLst>
+              </a:rPr>
+              <a:t>Protocols /methods</a:t>
+            </a:r>
+          </a:p>
+        </p:txBody>
+      </p:sp>
+      <p:pic>
+        <p:nvPicPr>
+          <p:cNvPr id="5" name="Content Placeholder 4" descr="A close up of a map&#10;&#10;Description automatically generated">
+            <a:extLst>
+              <a:ext uri="{FF2B5EF4-FFF2-40B4-BE49-F238E27FC236}">
+                <a16:creationId xmlns:a16="http://schemas.microsoft.com/office/drawing/2014/main" id="{27945138-4FBE-364A-B946-EF59C8B889F7}"/>
+              </a:ext>
+            </a:extLst>
+          </p:cNvPr>
+          <p:cNvPicPr>
+            <a:picLocks noGrp="1" noChangeAspect="1"/>
+          </p:cNvPicPr>
+          <p:nvPr>
+            <p:ph idx="1"/>
+          </p:nvPr>
+        </p:nvPicPr>
+        <p:blipFill>
+          <a:blip r:embed="rId3"/>
+          <a:stretch>
+            <a:fillRect/>
+          </a:stretch>
+        </p:blipFill>
+        <p:spPr>
+          <a:xfrm>
+            <a:off x="636915" y="1295633"/>
+            <a:ext cx="6915663" cy="4270422"/>
+          </a:xfrm>
+          <a:prstGeom prst="roundRect">
+            <a:avLst>
+              <a:gd name="adj" fmla="val 3517"/>
+            </a:avLst>
+          </a:prstGeom>
+          <a:ln w="38100">
+            <a:gradFill flip="none" rotWithShape="1">
+              <a:gsLst>
+                <a:gs pos="0">
+                  <a:srgbClr val="363D46"/>
+                </a:gs>
+                <a:gs pos="100000">
+                  <a:srgbClr val="363D46">
+                    <a:lumMod val="75000"/>
+                  </a:srgbClr>
+                </a:gs>
+              </a:gsLst>
+              <a:lin ang="5400000" scaled="0"/>
+              <a:tileRect/>
+            </a:gradFill>
+          </a:ln>
+          <a:effectLst>
+            <a:innerShdw blurRad="57150" dist="38100" dir="14460000">
+              <a:srgbClr val="000000">
+                <a:alpha val="70000"/>
+              </a:srgbClr>
+            </a:innerShdw>
+          </a:effectLst>
+        </p:spPr>
+      </p:pic>
+    </p:spTree>
+    <p:extLst>
+      <p:ext uri="{BB962C8B-B14F-4D97-AF65-F5344CB8AC3E}">
+        <p14:creationId xmlns:p14="http://schemas.microsoft.com/office/powerpoint/2010/main" val="2105267901"/>
+      </p:ext>
+    </p:extLst>
+  </p:cSld>
+  <p:clrMapOvr>
+    <a:masterClrMapping/>
+  </p:clrMapOvr>
+</p:sld>
+</file>
+
+<file path=ppt/slides/slide17.xml><?xml version="1.0" encoding="utf-8"?>
+<p:sld xmlns:a="http://schemas.openxmlformats.org/drawingml/2006/main" xmlns:r="http://schemas.openxmlformats.org/officeDocument/2006/relationships" xmlns:p="http://schemas.openxmlformats.org/presentationml/2006/main">
+  <p:cSld>
+    <p:bg>
+      <p:bgPr>
+        <a:solidFill>
+          <a:schemeClr val="bg2"/>
+        </a:solidFill>
+        <a:effectLst/>
+      </p:bgPr>
+    </p:bg>
+    <p:spTree>
+      <p:nvGrpSpPr>
+        <p:cNvPr id="1" name=""/>
+        <p:cNvGrpSpPr/>
+        <p:nvPr/>
+      </p:nvGrpSpPr>
+      <p:grpSpPr>
+        <a:xfrm>
+          <a:off x="0" y="0"/>
+          <a:ext cx="0" cy="0"/>
+          <a:chOff x="0" y="0"/>
+          <a:chExt cx="0" cy="0"/>
+        </a:xfrm>
+      </p:grpSpPr>
+      <p:sp useBgFill="1">
+        <p:nvSpPr>
+          <p:cNvPr id="10" name="Rectangle 9">
+            <a:extLst>
+              <a:ext uri="{FF2B5EF4-FFF2-40B4-BE49-F238E27FC236}">
+                <a16:creationId xmlns:a16="http://schemas.microsoft.com/office/drawing/2014/main" id="{65F32515-9322-44A5-8C72-4C7BFB461869}"/>
+              </a:ext>
+              <a:ext uri="{C183D7F6-B498-43B3-948B-1728B52AA6E4}">
+                <adec:decorative xmlns:adec="http://schemas.microsoft.com/office/drawing/2017/decorative" val="1"/>
+              </a:ext>
+            </a:extLst>
+          </p:cNvPr>
+          <p:cNvSpPr>
+            <a:spLocks noGrp="1" noRot="1" noChangeAspect="1" noMove="1" noResize="1" noEditPoints="1" noAdjustHandles="1" noChangeArrowheads="1" noChangeShapeType="1" noTextEdit="1"/>
+          </p:cNvSpPr>
+          <p:nvPr>
+            <p:extLst>
+              <p:ext uri="{386F3935-93C4-4BCD-93E2-E3B085C9AB24}">
+                <p16:designElem xmlns:p16="http://schemas.microsoft.com/office/powerpoint/2015/main" val="1"/>
+              </p:ext>
+            </p:extLst>
+          </p:nvPr>
+        </p:nvSpPr>
+        <p:spPr>
+          <a:xfrm>
+            <a:off x="0" y="0"/>
+            <a:ext cx="12192000" cy="6858000"/>
+          </a:xfrm>
+          <a:prstGeom prst="rect">
+            <a:avLst/>
+          </a:prstGeom>
+          <a:ln>
+            <a:noFill/>
+          </a:ln>
+        </p:spPr>
+        <p:style>
+          <a:lnRef idx="2">
+            <a:schemeClr val="accent1">
+              <a:shade val="50000"/>
+            </a:schemeClr>
+          </a:lnRef>
+          <a:fillRef idx="1">
+            <a:schemeClr val="accent1"/>
+          </a:fillRef>
+          <a:effectRef idx="0">
+            <a:schemeClr val="accent1"/>
+          </a:effectRef>
+          <a:fontRef idx="minor">
+            <a:schemeClr val="lt1"/>
+          </a:fontRef>
+        </p:style>
+        <p:txBody>
+          <a:bodyPr rtlCol="0" anchor="ctr"/>
+          <a:lstStyle/>
+          <a:p>
+            <a:pPr algn="ctr"/>
+            <a:endParaRPr lang="en-US"/>
+          </a:p>
+        </p:txBody>
+      </p:sp>
+      <p:sp>
+        <p:nvSpPr>
+          <p:cNvPr id="12" name="Rectangle 11">
+            <a:extLst>
+              <a:ext uri="{FF2B5EF4-FFF2-40B4-BE49-F238E27FC236}">
+                <a16:creationId xmlns:a16="http://schemas.microsoft.com/office/drawing/2014/main" id="{A617F13B-5021-454F-90E5-3AB2383BFD34}"/>
+              </a:ext>
+              <a:ext uri="{C183D7F6-B498-43B3-948B-1728B52AA6E4}">
+                <adec:decorative xmlns:adec="http://schemas.microsoft.com/office/drawing/2017/decorative" val="1"/>
+              </a:ext>
+            </a:extLst>
+          </p:cNvPr>
+          <p:cNvSpPr>
+            <a:spLocks noGrp="1" noRot="1" noChangeAspect="1" noMove="1" noResize="1" noEditPoints="1" noAdjustHandles="1" noChangeArrowheads="1" noChangeShapeType="1" noTextEdit="1"/>
+          </p:cNvSpPr>
+          <p:nvPr>
+            <p:extLst>
+              <p:ext uri="{386F3935-93C4-4BCD-93E2-E3B085C9AB24}">
+                <p16:designElem xmlns:p16="http://schemas.microsoft.com/office/powerpoint/2015/main" val="1"/>
+              </p:ext>
+            </p:extLst>
+          </p:nvPr>
+        </p:nvSpPr>
+        <p:spPr>
+          <a:xfrm>
+            <a:off x="477012" y="480060"/>
+            <a:ext cx="11237976" cy="5897880"/>
+          </a:xfrm>
+          <a:prstGeom prst="rect">
+            <a:avLst/>
+          </a:prstGeom>
+          <a:solidFill>
+            <a:srgbClr val="FFFFFF"/>
+          </a:solidFill>
+          <a:ln w="9525">
+            <a:noFill/>
+          </a:ln>
+          <a:effectLst>
+            <a:outerShdw blurRad="63500" dist="17780" dir="5400000" algn="t" rotWithShape="0">
+              <a:prstClr val="black">
+                <a:alpha val="43000"/>
+              </a:prstClr>
+            </a:outerShdw>
+          </a:effectLst>
+        </p:spPr>
+        <p:style>
+          <a:lnRef idx="2">
+            <a:schemeClr val="accent1">
+              <a:shade val="50000"/>
+            </a:schemeClr>
+          </a:lnRef>
+          <a:fillRef idx="1">
+            <a:schemeClr val="accent1"/>
+          </a:fillRef>
+          <a:effectRef idx="0">
+            <a:schemeClr val="accent1"/>
+          </a:effectRef>
+          <a:fontRef idx="minor">
+            <a:schemeClr val="lt1"/>
+          </a:fontRef>
+        </p:style>
+        <p:txBody>
+          <a:bodyPr rtlCol="0" anchor="ctr"/>
+          <a:lstStyle/>
+          <a:p>
+            <a:pPr algn="ctr"/>
+            <a:endParaRPr lang="en-US"/>
+          </a:p>
+        </p:txBody>
+      </p:sp>
+      <p:pic>
+        <p:nvPicPr>
+          <p:cNvPr id="5" name="Content Placeholder 4" descr="A screenshot of a cell phone&#10;&#10;Description automatically generated">
+            <a:extLst>
+              <a:ext uri="{FF2B5EF4-FFF2-40B4-BE49-F238E27FC236}">
+                <a16:creationId xmlns:a16="http://schemas.microsoft.com/office/drawing/2014/main" id="{43598021-9487-5B4A-8230-000EBDDE1091}"/>
+              </a:ext>
+            </a:extLst>
+          </p:cNvPr>
+          <p:cNvPicPr>
+            <a:picLocks noGrp="1" noChangeAspect="1"/>
+          </p:cNvPicPr>
+          <p:nvPr>
+            <p:ph idx="1"/>
+          </p:nvPr>
+        </p:nvPicPr>
+        <p:blipFill>
+          <a:blip r:embed="rId2"/>
+          <a:stretch>
+            <a:fillRect/>
+          </a:stretch>
+        </p:blipFill>
+        <p:spPr>
+          <a:xfrm>
+            <a:off x="2102404" y="643467"/>
+            <a:ext cx="7987191" cy="5571066"/>
+          </a:xfrm>
+          <a:prstGeom prst="rect">
+            <a:avLst/>
+          </a:prstGeom>
+        </p:spPr>
+      </p:pic>
+    </p:spTree>
+    <p:extLst>
+      <p:ext uri="{BB962C8B-B14F-4D97-AF65-F5344CB8AC3E}">
+        <p14:creationId xmlns:p14="http://schemas.microsoft.com/office/powerpoint/2010/main" val="4050159917"/>
+      </p:ext>
+    </p:extLst>
+  </p:cSld>
+  <p:clrMapOvr>
+    <a:masterClrMapping/>
+  </p:clrMapOvr>
+</p:sld>
+</file>
+
+<file path=ppt/slides/slide18.xml><?xml version="1.0" encoding="utf-8"?>
+<p:sld xmlns:a="http://schemas.openxmlformats.org/drawingml/2006/main" xmlns:r="http://schemas.openxmlformats.org/officeDocument/2006/relationships" xmlns:p="http://schemas.openxmlformats.org/presentationml/2006/main">
+  <p:cSld>
+    <p:bg>
+      <p:bgPr>
+        <a:blipFill rotWithShape="1">
+          <a:blip r:embed="rId2">
+            <a:duotone>
+              <a:schemeClr val="bg2">
+                <a:shade val="28000"/>
+                <a:satMod val="94000"/>
+                <a:lumMod val="20000"/>
+              </a:schemeClr>
+              <a:schemeClr val="bg2">
+                <a:tint val="94000"/>
+                <a:shade val="84000"/>
+                <a:satMod val="148000"/>
+                <a:lumMod val="114000"/>
+              </a:schemeClr>
+            </a:duotone>
+          </a:blip>
+          <a:stretch/>
+        </a:blipFill>
+        <a:effectLst/>
+      </p:bgPr>
+    </p:bg>
+    <p:spTree>
+      <p:nvGrpSpPr>
+        <p:cNvPr id="1" name=""/>
+        <p:cNvGrpSpPr/>
+        <p:nvPr/>
+      </p:nvGrpSpPr>
+      <p:grpSpPr>
+        <a:xfrm>
+          <a:off x="0" y="0"/>
+          <a:ext cx="0" cy="0"/>
+          <a:chOff x="0" y="0"/>
+          <a:chExt cx="0" cy="0"/>
+        </a:xfrm>
+      </p:grpSpPr>
+      <p:sp>
+        <p:nvSpPr>
+          <p:cNvPr id="2" name="Title 1">
+            <a:extLst>
+              <a:ext uri="{FF2B5EF4-FFF2-40B4-BE49-F238E27FC236}">
+                <a16:creationId xmlns:a16="http://schemas.microsoft.com/office/drawing/2014/main" id="{D37DB5D2-00A1-2247-B306-0B6216F352C8}"/>
+              </a:ext>
+            </a:extLst>
+          </p:cNvPr>
+          <p:cNvSpPr>
+            <a:spLocks noGrp="1"/>
+          </p:cNvSpPr>
+          <p:nvPr>
+            <p:ph type="title"/>
+          </p:nvPr>
+        </p:nvSpPr>
+        <p:spPr>
+          <a:xfrm>
+            <a:off x="1751012" y="4363271"/>
+            <a:ext cx="8676222" cy="1066801"/>
+          </a:xfrm>
+        </p:spPr>
+        <p:txBody>
+          <a:bodyPr vert="horz" lIns="91440" tIns="45720" rIns="91440" bIns="45720" rtlCol="0" anchor="b">
+            <a:normAutofit/>
+          </a:bodyPr>
+          <a:lstStyle/>
+          <a:p>
+            <a:pPr algn="ctr"/>
+            <a:r>
+              <a:rPr lang="en-US" sz="4800" dirty="0">
+                <a:effectLst>
+                  <a:glow rad="38100">
+                    <a:schemeClr val="bg1">
+                      <a:lumMod val="65000"/>
+                      <a:lumOff val="35000"/>
+                      <a:alpha val="50000"/>
+                    </a:schemeClr>
+                  </a:glow>
+                  <a:outerShdw blurRad="28575" dist="31750" dir="13200000" algn="tl" rotWithShape="0">
+                    <a:srgbClr val="000000">
+                      <a:alpha val="25000"/>
+                    </a:srgbClr>
+                  </a:outerShdw>
+                </a:effectLst>
+              </a:rPr>
+              <a:t>Response and request </a:t>
+            </a:r>
+          </a:p>
+        </p:txBody>
+      </p:sp>
+      <p:pic>
+        <p:nvPicPr>
+          <p:cNvPr id="5" name="Content Placeholder 4" descr="A screenshot of a cell phone&#10;&#10;Description automatically generated">
+            <a:extLst>
+              <a:ext uri="{FF2B5EF4-FFF2-40B4-BE49-F238E27FC236}">
+                <a16:creationId xmlns:a16="http://schemas.microsoft.com/office/drawing/2014/main" id="{4CA5ACD8-DBBE-3E47-AB47-B72944EBF12C}"/>
+              </a:ext>
+            </a:extLst>
+          </p:cNvPr>
+          <p:cNvPicPr>
+            <a:picLocks noGrp="1" noChangeAspect="1"/>
+          </p:cNvPicPr>
+          <p:nvPr>
+            <p:ph idx="1"/>
+          </p:nvPr>
+        </p:nvPicPr>
+        <p:blipFill rotWithShape="1">
+          <a:blip r:embed="rId3"/>
+          <a:srcRect t="6594" r="-2" b="907"/>
+          <a:stretch/>
+        </p:blipFill>
+        <p:spPr>
+          <a:xfrm>
+            <a:off x="20" y="10"/>
+            <a:ext cx="7574515" cy="4273816"/>
+          </a:xfrm>
+          <a:prstGeom prst="rect">
+            <a:avLst/>
+          </a:prstGeom>
+        </p:spPr>
+      </p:pic>
+      <p:pic>
+        <p:nvPicPr>
+          <p:cNvPr id="7" name="Picture 6" descr="A picture containing clock&#10;&#10;Description automatically generated">
+            <a:extLst>
+              <a:ext uri="{FF2B5EF4-FFF2-40B4-BE49-F238E27FC236}">
+                <a16:creationId xmlns:a16="http://schemas.microsoft.com/office/drawing/2014/main" id="{7D7EA564-212D-384D-9150-37A3B371BABB}"/>
+              </a:ext>
+            </a:extLst>
+          </p:cNvPr>
+          <p:cNvPicPr>
+            <a:picLocks noChangeAspect="1"/>
+          </p:cNvPicPr>
+          <p:nvPr/>
+        </p:nvPicPr>
+        <p:blipFill rotWithShape="1">
+          <a:blip r:embed="rId4"/>
+          <a:srcRect l="24645" r="25387" b="1"/>
+          <a:stretch/>
+        </p:blipFill>
+        <p:spPr>
+          <a:xfrm>
+            <a:off x="7574535" y="10"/>
+            <a:ext cx="4617465" cy="4273816"/>
+          </a:xfrm>
+          <a:prstGeom prst="rect">
+            <a:avLst/>
+          </a:prstGeom>
+        </p:spPr>
+      </p:pic>
+    </p:spTree>
+    <p:extLst>
+      <p:ext uri="{BB962C8B-B14F-4D97-AF65-F5344CB8AC3E}">
+        <p14:creationId xmlns:p14="http://schemas.microsoft.com/office/powerpoint/2010/main" val="2526609620"/>
+      </p:ext>
+    </p:extLst>
+  </p:cSld>
+  <p:clrMapOvr>
+    <a:masterClrMapping/>
+  </p:clrMapOvr>
+</p:sld>
+</file>
+
+<file path=ppt/slides/slide19.xml><?xml version="1.0" encoding="utf-8"?>
+<p:sld xmlns:a="http://schemas.openxmlformats.org/drawingml/2006/main" xmlns:r="http://schemas.openxmlformats.org/officeDocument/2006/relationships" xmlns:p="http://schemas.openxmlformats.org/presentationml/2006/main">
+  <p:cSld>
+    <p:bg>
+      <p:bgPr>
+        <a:solidFill>
+          <a:schemeClr val="bg2"/>
+        </a:solidFill>
+        <a:effectLst/>
+      </p:bgPr>
+    </p:bg>
+    <p:spTree>
+      <p:nvGrpSpPr>
+        <p:cNvPr id="1" name=""/>
+        <p:cNvGrpSpPr/>
+        <p:nvPr/>
+      </p:nvGrpSpPr>
+      <p:grpSpPr>
+        <a:xfrm>
+          <a:off x="0" y="0"/>
+          <a:ext cx="0" cy="0"/>
+          <a:chOff x="0" y="0"/>
+          <a:chExt cx="0" cy="0"/>
+        </a:xfrm>
+      </p:grpSpPr>
+      <p:sp useBgFill="1">
+        <p:nvSpPr>
+          <p:cNvPr id="10" name="Rectangle 9">
+            <a:extLst>
+              <a:ext uri="{FF2B5EF4-FFF2-40B4-BE49-F238E27FC236}">
+                <a16:creationId xmlns:a16="http://schemas.microsoft.com/office/drawing/2014/main" id="{65F32515-9322-44A5-8C72-4C7BFB461869}"/>
+              </a:ext>
+              <a:ext uri="{C183D7F6-B498-43B3-948B-1728B52AA6E4}">
+                <adec:decorative xmlns:adec="http://schemas.microsoft.com/office/drawing/2017/decorative" val="1"/>
+              </a:ext>
+            </a:extLst>
+          </p:cNvPr>
+          <p:cNvSpPr>
+            <a:spLocks noGrp="1" noRot="1" noChangeAspect="1" noMove="1" noResize="1" noEditPoints="1" noAdjustHandles="1" noChangeArrowheads="1" noChangeShapeType="1" noTextEdit="1"/>
+          </p:cNvSpPr>
+          <p:nvPr>
+            <p:extLst>
+              <p:ext uri="{386F3935-93C4-4BCD-93E2-E3B085C9AB24}">
+                <p16:designElem xmlns:p16="http://schemas.microsoft.com/office/powerpoint/2015/main" val="1"/>
+              </p:ext>
+            </p:extLst>
+          </p:nvPr>
+        </p:nvSpPr>
+        <p:spPr>
+          <a:xfrm>
+            <a:off x="0" y="0"/>
+            <a:ext cx="12192000" cy="6858000"/>
+          </a:xfrm>
+          <a:prstGeom prst="rect">
+            <a:avLst/>
+          </a:prstGeom>
+          <a:ln>
+            <a:noFill/>
+          </a:ln>
+        </p:spPr>
+        <p:style>
+          <a:lnRef idx="2">
+            <a:schemeClr val="accent1">
+              <a:shade val="50000"/>
+            </a:schemeClr>
+          </a:lnRef>
+          <a:fillRef idx="1">
+            <a:schemeClr val="accent1"/>
+          </a:fillRef>
+          <a:effectRef idx="0">
+            <a:schemeClr val="accent1"/>
+          </a:effectRef>
+          <a:fontRef idx="minor">
+            <a:schemeClr val="lt1"/>
+          </a:fontRef>
+        </p:style>
+        <p:txBody>
+          <a:bodyPr rtlCol="0" anchor="ctr"/>
+          <a:lstStyle/>
+          <a:p>
+            <a:pPr algn="ctr"/>
+            <a:endParaRPr lang="en-US"/>
+          </a:p>
+        </p:txBody>
+      </p:sp>
+      <p:sp>
+        <p:nvSpPr>
+          <p:cNvPr id="12" name="Rectangle 11">
+            <a:extLst>
+              <a:ext uri="{FF2B5EF4-FFF2-40B4-BE49-F238E27FC236}">
+                <a16:creationId xmlns:a16="http://schemas.microsoft.com/office/drawing/2014/main" id="{A617F13B-5021-454F-90E5-3AB2383BFD34}"/>
+              </a:ext>
+              <a:ext uri="{C183D7F6-B498-43B3-948B-1728B52AA6E4}">
+                <adec:decorative xmlns:adec="http://schemas.microsoft.com/office/drawing/2017/decorative" val="1"/>
+              </a:ext>
+            </a:extLst>
+          </p:cNvPr>
+          <p:cNvSpPr>
+            <a:spLocks noGrp="1" noRot="1" noChangeAspect="1" noMove="1" noResize="1" noEditPoints="1" noAdjustHandles="1" noChangeArrowheads="1" noChangeShapeType="1" noTextEdit="1"/>
+          </p:cNvSpPr>
+          <p:nvPr>
+            <p:extLst>
+              <p:ext uri="{386F3935-93C4-4BCD-93E2-E3B085C9AB24}">
+                <p16:designElem xmlns:p16="http://schemas.microsoft.com/office/powerpoint/2015/main" val="1"/>
+              </p:ext>
+            </p:extLst>
+          </p:nvPr>
+        </p:nvSpPr>
+        <p:spPr>
+          <a:xfrm>
+            <a:off x="477012" y="480060"/>
+            <a:ext cx="11237976" cy="5897880"/>
+          </a:xfrm>
+          <a:prstGeom prst="rect">
+            <a:avLst/>
+          </a:prstGeom>
+          <a:solidFill>
+            <a:srgbClr val="FFFFFF"/>
+          </a:solidFill>
+          <a:ln w="9525">
+            <a:noFill/>
+          </a:ln>
+          <a:effectLst>
+            <a:outerShdw blurRad="63500" dist="17780" dir="5400000" algn="t" rotWithShape="0">
+              <a:prstClr val="black">
+                <a:alpha val="43000"/>
+              </a:prstClr>
+            </a:outerShdw>
+          </a:effectLst>
+        </p:spPr>
+        <p:style>
+          <a:lnRef idx="2">
+            <a:schemeClr val="accent1">
+              <a:shade val="50000"/>
+            </a:schemeClr>
+          </a:lnRef>
+          <a:fillRef idx="1">
+            <a:schemeClr val="accent1"/>
+          </a:fillRef>
+          <a:effectRef idx="0">
+            <a:schemeClr val="accent1"/>
+          </a:effectRef>
+          <a:fontRef idx="minor">
+            <a:schemeClr val="lt1"/>
+          </a:fontRef>
+        </p:style>
+        <p:txBody>
+          <a:bodyPr rtlCol="0" anchor="ctr"/>
+          <a:lstStyle/>
+          <a:p>
+            <a:pPr algn="ctr"/>
+            <a:endParaRPr lang="en-US"/>
+          </a:p>
+        </p:txBody>
+      </p:sp>
+      <p:pic>
+        <p:nvPicPr>
+          <p:cNvPr id="5" name="Content Placeholder 4" descr="A screenshot of a cell phone&#10;&#10;Description automatically generated">
+            <a:extLst>
+              <a:ext uri="{FF2B5EF4-FFF2-40B4-BE49-F238E27FC236}">
+                <a16:creationId xmlns:a16="http://schemas.microsoft.com/office/drawing/2014/main" id="{D4F1CD1F-BE5C-FA49-BFF3-549989F10E46}"/>
+              </a:ext>
+            </a:extLst>
+          </p:cNvPr>
+          <p:cNvPicPr>
+            <a:picLocks noGrp="1" noChangeAspect="1"/>
+          </p:cNvPicPr>
+          <p:nvPr>
+            <p:ph idx="1"/>
+          </p:nvPr>
+        </p:nvPicPr>
+        <p:blipFill>
+          <a:blip r:embed="rId2"/>
+          <a:stretch>
+            <a:fillRect/>
+          </a:stretch>
+        </p:blipFill>
+        <p:spPr>
+          <a:xfrm>
+            <a:off x="1230439" y="643467"/>
+            <a:ext cx="9731121" cy="5571066"/>
+          </a:xfrm>
+          <a:prstGeom prst="rect">
+            <a:avLst/>
+          </a:prstGeom>
+        </p:spPr>
+      </p:pic>
+    </p:spTree>
+    <p:extLst>
+      <p:ext uri="{BB962C8B-B14F-4D97-AF65-F5344CB8AC3E}">
+        <p14:creationId xmlns:p14="http://schemas.microsoft.com/office/powerpoint/2010/main" val="2017445794"/>
+      </p:ext>
+    </p:extLst>
+  </p:cSld>
+  <p:clrMapOvr>
+    <a:masterClrMapping/>
+  </p:clrMapOvr>
+</p:sld>
+</file>
+
+<file path=ppt/slides/slide2.xml><?xml version="1.0" encoding="utf-8"?>
+<p:sld xmlns:a="http://schemas.openxmlformats.org/drawingml/2006/main" xmlns:r="http://schemas.openxmlformats.org/officeDocument/2006/relationships" xmlns:p="http://schemas.openxmlformats.org/presentationml/2006/main">
+  <p:cSld>
+    <p:bg>
+      <p:bgPr>
+        <a:solidFill>
+          <a:schemeClr val="bg1"/>
+        </a:solidFill>
+        <a:effectLst/>
+      </p:bgPr>
+    </p:bg>
+    <p:spTree>
+      <p:nvGrpSpPr>
+        <p:cNvPr id="1" name=""/>
+        <p:cNvGrpSpPr/>
+        <p:nvPr/>
+      </p:nvGrpSpPr>
+      <p:grpSpPr>
+        <a:xfrm>
+          <a:off x="0" y="0"/>
+          <a:ext cx="0" cy="0"/>
+          <a:chOff x="0" y="0"/>
+          <a:chExt cx="0" cy="0"/>
+        </a:xfrm>
+      </p:grpSpPr>
+      <p:sp>
+        <p:nvSpPr>
+          <p:cNvPr id="10" name="Rectangle 9">
+            <a:extLst>
+              <a:ext uri="{FF2B5EF4-FFF2-40B4-BE49-F238E27FC236}">
+                <a16:creationId xmlns:a16="http://schemas.microsoft.com/office/drawing/2014/main" id="{806ABAF8-A5F0-4E99-AB6D-67BFBB982B2B}"/>
+              </a:ext>
+              <a:ext uri="{C183D7F6-B498-43B3-948B-1728B52AA6E4}">
+                <adec:decorative xmlns:adec="http://schemas.microsoft.com/office/drawing/2017/decorative" val="1"/>
+              </a:ext>
+            </a:extLst>
+          </p:cNvPr>
+          <p:cNvSpPr>
+            <a:spLocks noGrp="1" noRot="1" noChangeAspect="1" noMove="1" noResize="1" noEditPoints="1" noAdjustHandles="1" noChangeArrowheads="1" noChangeShapeType="1" noTextEdit="1"/>
+          </p:cNvSpPr>
+          <p:nvPr>
+            <p:extLst>
+              <p:ext uri="{386F3935-93C4-4BCD-93E2-E3B085C9AB24}">
+                <p16:designElem xmlns:p16="http://schemas.microsoft.com/office/powerpoint/2015/main" val="1"/>
+              </p:ext>
+            </p:extLst>
+          </p:nvPr>
+        </p:nvSpPr>
+        <p:spPr>
+          <a:xfrm>
+            <a:off x="0" y="0"/>
+            <a:ext cx="12192000" cy="6858000"/>
+          </a:xfrm>
+          <a:prstGeom prst="rect">
+            <a:avLst/>
+          </a:prstGeom>
+          <a:ln>
+            <a:noFill/>
+          </a:ln>
+        </p:spPr>
+        <p:style>
+          <a:lnRef idx="2">
+            <a:schemeClr val="accent1">
+              <a:shade val="50000"/>
+            </a:schemeClr>
+          </a:lnRef>
+          <a:fillRef idx="1003">
+            <a:schemeClr val="dk2"/>
+          </a:fillRef>
+          <a:effectRef idx="0">
+            <a:schemeClr val="accent1"/>
+          </a:effectRef>
+          <a:fontRef idx="minor">
+            <a:schemeClr val="lt1"/>
+          </a:fontRef>
+        </p:style>
+        <p:txBody>
+          <a:bodyPr rtlCol="0" anchor="ctr"/>
+          <a:lstStyle/>
+          <a:p>
+            <a:pPr algn="ctr"/>
+            <a:endParaRPr lang="en-US"/>
+          </a:p>
+        </p:txBody>
+      </p:sp>
+      <p:sp>
+        <p:nvSpPr>
+          <p:cNvPr id="2" name="Title 1">
+            <a:extLst>
+              <a:ext uri="{FF2B5EF4-FFF2-40B4-BE49-F238E27FC236}">
+                <a16:creationId xmlns:a16="http://schemas.microsoft.com/office/drawing/2014/main" id="{BB9B5D8D-EE26-A34E-A161-0A4147003780}"/>
+              </a:ext>
+            </a:extLst>
+          </p:cNvPr>
+          <p:cNvSpPr>
+            <a:spLocks noGrp="1"/>
+          </p:cNvSpPr>
+          <p:nvPr>
+            <p:ph type="title"/>
+          </p:nvPr>
+        </p:nvSpPr>
+        <p:spPr>
+          <a:xfrm>
+            <a:off x="8164106" y="609600"/>
+            <a:ext cx="3369133" cy="3642851"/>
+          </a:xfrm>
+        </p:spPr>
+        <p:txBody>
+          <a:bodyPr vert="horz" lIns="91440" tIns="45720" rIns="91440" bIns="45720" rtlCol="0" anchor="b">
+            <a:normAutofit/>
+          </a:bodyPr>
+          <a:lstStyle/>
+          <a:p>
+            <a:pPr algn="ctr"/>
+            <a:r>
+              <a:rPr lang="en-US" sz="4000" kern="1200" cap="all" dirty="0">
+                <a:ln w="3175" cmpd="sng">
+                  <a:noFill/>
+                </a:ln>
+                <a:gradFill flip="none" rotWithShape="1">
+                  <a:gsLst>
+                    <a:gs pos="0">
+                      <a:sysClr val="window" lastClr="FFFFFF"/>
+                    </a:gs>
+                    <a:gs pos="100000">
+                      <a:sysClr val="window" lastClr="FFFFFF">
+                        <a:lumMod val="65000"/>
+                      </a:sysClr>
+                    </a:gs>
+                  </a:gsLst>
+                  <a:lin ang="5580000" scaled="0"/>
+                  <a:tileRect/>
+                </a:gradFill>
+                <a:effectLst>
+                  <a:glow rad="38100">
+                    <a:schemeClr val="bg1">
+                      <a:lumMod val="65000"/>
+                      <a:lumOff val="35000"/>
+                      <a:alpha val="50000"/>
+                    </a:schemeClr>
+                  </a:glow>
+                  <a:outerShdw blurRad="28575" dist="31750" dir="13200000" algn="tl" rotWithShape="0">
+                    <a:srgbClr val="000000">
+                      <a:alpha val="25000"/>
+                    </a:srgbClr>
+                  </a:outerShdw>
+                </a:effectLst>
+                <a:latin typeface="+mj-lt"/>
+                <a:ea typeface="+mj-ea"/>
+                <a:cs typeface="+mj-cs"/>
+              </a:rPr>
+              <a:t>What is the  web?</a:t>
+            </a:r>
+          </a:p>
+        </p:txBody>
+      </p:sp>
+      <p:sp>
+        <p:nvSpPr>
+          <p:cNvPr id="12" name="Rounded Rectangle 7">
+            <a:extLst>
+              <a:ext uri="{FF2B5EF4-FFF2-40B4-BE49-F238E27FC236}">
+                <a16:creationId xmlns:a16="http://schemas.microsoft.com/office/drawing/2014/main" id="{5F7833E7-6A14-4F78-A2DD-5640A4F6C273}"/>
+              </a:ext>
+              <a:ext uri="{C183D7F6-B498-43B3-948B-1728B52AA6E4}">
+                <adec:decorative xmlns:adec="http://schemas.microsoft.com/office/drawing/2017/decorative" val="1"/>
+              </a:ext>
+            </a:extLst>
+          </p:cNvPr>
+          <p:cNvSpPr>
+            <a:spLocks noGrp="1" noRot="1" noChangeAspect="1" noMove="1" noResize="1" noEditPoints="1" noAdjustHandles="1" noChangeArrowheads="1" noChangeShapeType="1" noTextEdit="1"/>
+          </p:cNvSpPr>
+          <p:nvPr>
+            <p:extLst>
+              <p:ext uri="{386F3935-93C4-4BCD-93E2-E3B085C9AB24}">
+                <p16:designElem xmlns:p16="http://schemas.microsoft.com/office/powerpoint/2015/main" val="1"/>
+              </p:ext>
+            </p:extLst>
+          </p:nvPr>
+        </p:nvSpPr>
+        <p:spPr>
+          <a:xfrm>
+            <a:off x="658290" y="620720"/>
+            <a:ext cx="6884079" cy="5597200"/>
+          </a:xfrm>
+          <a:prstGeom prst="roundRect">
+            <a:avLst>
+              <a:gd name="adj" fmla="val 3812"/>
+            </a:avLst>
+          </a:prstGeom>
+          <a:solidFill>
+            <a:schemeClr val="bg1"/>
+          </a:solidFill>
+          <a:ln w="38100">
+            <a:gradFill flip="none" rotWithShape="1">
+              <a:gsLst>
+                <a:gs pos="0">
+                  <a:srgbClr val="363D46"/>
+                </a:gs>
+                <a:gs pos="100000">
+                  <a:srgbClr val="363D46">
+                    <a:lumMod val="75000"/>
+                  </a:srgbClr>
+                </a:gs>
+              </a:gsLst>
+              <a:lin ang="5400000" scaled="0"/>
+              <a:tileRect/>
+            </a:gradFill>
+          </a:ln>
+          <a:effectLst>
+            <a:innerShdw blurRad="57150" dist="38100" dir="14460000">
+              <a:srgbClr val="000000">
+                <a:alpha val="70000"/>
+              </a:srgbClr>
+            </a:innerShdw>
+          </a:effectLst>
+        </p:spPr>
+        <p:style>
+          <a:lnRef idx="2">
+            <a:schemeClr val="accent1">
+              <a:shade val="50000"/>
+            </a:schemeClr>
+          </a:lnRef>
+          <a:fillRef idx="1">
+            <a:schemeClr val="accent1"/>
+          </a:fillRef>
+          <a:effectRef idx="0">
+            <a:schemeClr val="accent1"/>
+          </a:effectRef>
+          <a:fontRef idx="minor">
+            <a:schemeClr val="lt1"/>
+          </a:fontRef>
+        </p:style>
+        <p:txBody>
+          <a:bodyPr rtlCol="0" anchor="ctr"/>
+          <a:lstStyle/>
+          <a:p>
+            <a:pPr algn="ctr"/>
+            <a:endParaRPr lang="en-US">
+              <a:solidFill>
+                <a:schemeClr val="bg1"/>
+              </a:solidFill>
+            </a:endParaRPr>
+          </a:p>
+        </p:txBody>
+      </p:sp>
+      <p:pic>
+        <p:nvPicPr>
+          <p:cNvPr id="5" name="Picture 4">
+            <a:extLst>
+              <a:ext uri="{FF2B5EF4-FFF2-40B4-BE49-F238E27FC236}">
+                <a16:creationId xmlns:a16="http://schemas.microsoft.com/office/drawing/2014/main" id="{CF9B11A0-42C0-9641-AA61-7B79EAAA2BD1}"/>
+              </a:ext>
+            </a:extLst>
+          </p:cNvPr>
+          <p:cNvPicPr>
+            <a:picLocks noChangeAspect="1"/>
+          </p:cNvPicPr>
+          <p:nvPr/>
+        </p:nvPicPr>
+        <p:blipFill>
+          <a:blip r:embed="rId2"/>
+          <a:stretch>
+            <a:fillRect/>
+          </a:stretch>
+        </p:blipFill>
+        <p:spPr>
+          <a:xfrm>
+            <a:off x="1142544" y="1447463"/>
+            <a:ext cx="5915570" cy="3943713"/>
+          </a:xfrm>
+          <a:prstGeom prst="rect">
+            <a:avLst/>
+          </a:prstGeom>
+        </p:spPr>
+      </p:pic>
+    </p:spTree>
+    <p:extLst>
+      <p:ext uri="{BB962C8B-B14F-4D97-AF65-F5344CB8AC3E}">
+        <p14:creationId xmlns:p14="http://schemas.microsoft.com/office/powerpoint/2010/main" val="564862298"/>
+      </p:ext>
+    </p:extLst>
+  </p:cSld>
+  <p:clrMapOvr>
+    <a:overrideClrMapping bg1="lt1" tx1="dk1" bg2="lt2" tx2="dk2" accent1="accent1" accent2="accent2" accent3="accent3" accent4="accent4" accent5="accent5" accent6="accent6" hlink="hlink" folHlink="folHlink"/>
+  </p:clrMapOvr>
+</p:sld>
+</file>
+
+<file path=ppt/slides/slide20.xml><?xml version="1.0" encoding="utf-8"?>
+<p:sld xmlns:a="http://schemas.openxmlformats.org/drawingml/2006/main" xmlns:r="http://schemas.openxmlformats.org/officeDocument/2006/relationships" xmlns:p="http://schemas.openxmlformats.org/presentationml/2006/main">
+  <p:cSld>
+    <p:spTree>
+      <p:nvGrpSpPr>
+        <p:cNvPr id="1" name=""/>
+        <p:cNvGrpSpPr/>
+        <p:nvPr/>
+      </p:nvGrpSpPr>
+      <p:grpSpPr>
+        <a:xfrm>
+          <a:off x="0" y="0"/>
+          <a:ext cx="0" cy="0"/>
+          <a:chOff x="0" y="0"/>
+          <a:chExt cx="0" cy="0"/>
+        </a:xfrm>
+      </p:grpSpPr>
+      <p:sp>
+        <p:nvSpPr>
+          <p:cNvPr id="2" name="Title 1">
+            <a:extLst>
+              <a:ext uri="{FF2B5EF4-FFF2-40B4-BE49-F238E27FC236}">
+                <a16:creationId xmlns:a16="http://schemas.microsoft.com/office/drawing/2014/main" id="{C62E186C-1DBC-0A48-8160-2115F1935E45}"/>
+              </a:ext>
+            </a:extLst>
+          </p:cNvPr>
+          <p:cNvSpPr>
+            <a:spLocks noGrp="1"/>
+          </p:cNvSpPr>
+          <p:nvPr>
+            <p:ph type="title"/>
+          </p:nvPr>
+        </p:nvSpPr>
+        <p:spPr/>
+        <p:txBody>
+          <a:bodyPr/>
+          <a:lstStyle/>
+          <a:p>
+            <a:r>
+              <a:rPr lang="en-US" dirty="0"/>
+              <a:t>Html </a:t>
+            </a:r>
+          </a:p>
+        </p:txBody>
+      </p:sp>
+      <p:sp>
+        <p:nvSpPr>
+          <p:cNvPr id="3" name="Content Placeholder 2">
+            <a:extLst>
+              <a:ext uri="{FF2B5EF4-FFF2-40B4-BE49-F238E27FC236}">
+                <a16:creationId xmlns:a16="http://schemas.microsoft.com/office/drawing/2014/main" id="{7F419FF1-83FC-414D-8594-BA1FFA9B40C1}"/>
+              </a:ext>
+            </a:extLst>
+          </p:cNvPr>
+          <p:cNvSpPr>
+            <a:spLocks noGrp="1"/>
+          </p:cNvSpPr>
+          <p:nvPr>
+            <p:ph idx="1"/>
+          </p:nvPr>
+        </p:nvSpPr>
+        <p:spPr/>
+        <p:txBody>
+          <a:bodyPr/>
+          <a:lstStyle/>
+          <a:p>
+            <a:r>
+              <a:rPr lang="en-US" dirty="0">
+                <a:effectLst/>
+              </a:rPr>
+              <a:t>HTML is defined as a </a:t>
+            </a:r>
+            <a:r>
+              <a:rPr lang="en-US" b="1" dirty="0">
+                <a:effectLst/>
+              </a:rPr>
+              <a:t>markup language</a:t>
+            </a:r>
+            <a:r>
+              <a:rPr lang="en-US" dirty="0">
+                <a:effectLst/>
+              </a:rPr>
+              <a:t>. </a:t>
+            </a:r>
+            <a:endParaRPr lang="en-US" dirty="0"/>
+          </a:p>
+          <a:p>
+            <a:r>
+              <a:rPr lang="en-US" dirty="0">
+                <a:effectLst/>
+              </a:rPr>
+              <a:t>A markup language is simply a way of annotating a document in such a way as to make the annotations distinct from the text being annotated </a:t>
+            </a:r>
+            <a:endParaRPr lang="en-US" dirty="0"/>
+          </a:p>
+          <a:p>
+            <a:r>
+              <a:rPr lang="en-US" dirty="0">
+                <a:effectLst/>
+              </a:rPr>
+              <a:t>Markup languages such as HTML, </a:t>
+            </a:r>
+            <a:r>
+              <a:rPr lang="en-US" dirty="0" err="1">
+                <a:effectLst/>
+              </a:rPr>
+              <a:t>Tex</a:t>
+            </a:r>
+            <a:r>
+              <a:rPr lang="en-US" dirty="0">
+                <a:effectLst/>
+              </a:rPr>
+              <a:t>, XML, and XHTML allow users to control how text and visual elements will be laid out and displayed. </a:t>
+            </a:r>
+            <a:endParaRPr lang="en-US" dirty="0"/>
+          </a:p>
+          <a:p>
+            <a:endParaRPr lang="en-US" dirty="0"/>
+          </a:p>
+          <a:p>
+            <a:r>
+              <a:rPr lang="en-US" dirty="0"/>
+              <a:t>WHY DO WE NEED A STANDARD ?</a:t>
+            </a:r>
+          </a:p>
+        </p:txBody>
+      </p:sp>
+    </p:spTree>
+    <p:extLst>
+      <p:ext uri="{BB962C8B-B14F-4D97-AF65-F5344CB8AC3E}">
+        <p14:creationId xmlns:p14="http://schemas.microsoft.com/office/powerpoint/2010/main" val="2912481725"/>
+      </p:ext>
+    </p:extLst>
+  </p:cSld>
+  <p:clrMapOvr>
+    <a:masterClrMapping/>
+  </p:clrMapOvr>
+</p:sld>
+</file>
+
+<file path=ppt/slides/slide21.xml><?xml version="1.0" encoding="utf-8"?>
+<p:sld xmlns:a="http://schemas.openxmlformats.org/drawingml/2006/main" xmlns:r="http://schemas.openxmlformats.org/officeDocument/2006/relationships" xmlns:p="http://schemas.openxmlformats.org/presentationml/2006/main">
+  <p:cSld>
+    <p:spTree>
+      <p:nvGrpSpPr>
+        <p:cNvPr id="1" name=""/>
+        <p:cNvGrpSpPr/>
+        <p:nvPr/>
+      </p:nvGrpSpPr>
+      <p:grpSpPr>
+        <a:xfrm>
+          <a:off x="0" y="0"/>
+          <a:ext cx="0" cy="0"/>
+          <a:chOff x="0" y="0"/>
+          <a:chExt cx="0" cy="0"/>
+        </a:xfrm>
+      </p:grpSpPr>
+      <p:sp>
+        <p:nvSpPr>
+          <p:cNvPr id="2" name="Title 1">
+            <a:extLst>
+              <a:ext uri="{FF2B5EF4-FFF2-40B4-BE49-F238E27FC236}">
+                <a16:creationId xmlns:a16="http://schemas.microsoft.com/office/drawing/2014/main" id="{731391A1-B75C-CC4E-AFB0-E5C12E2BFF2B}"/>
+              </a:ext>
+            </a:extLst>
+          </p:cNvPr>
+          <p:cNvSpPr>
+            <a:spLocks noGrp="1"/>
+          </p:cNvSpPr>
+          <p:nvPr>
+            <p:ph type="title"/>
+          </p:nvPr>
+        </p:nvSpPr>
+        <p:spPr/>
+        <p:txBody>
+          <a:bodyPr/>
+          <a:lstStyle/>
+          <a:p>
+            <a:r>
+              <a:rPr lang="en-US" dirty="0"/>
+              <a:t>XHTML</a:t>
+            </a:r>
+          </a:p>
+        </p:txBody>
+      </p:sp>
+      <p:sp>
+        <p:nvSpPr>
+          <p:cNvPr id="3" name="Content Placeholder 2">
+            <a:extLst>
+              <a:ext uri="{FF2B5EF4-FFF2-40B4-BE49-F238E27FC236}">
+                <a16:creationId xmlns:a16="http://schemas.microsoft.com/office/drawing/2014/main" id="{6BE077EA-A0C2-CF4B-9A7B-2639ADDC2547}"/>
+              </a:ext>
+            </a:extLst>
+          </p:cNvPr>
+          <p:cNvSpPr>
+            <a:spLocks noGrp="1"/>
+          </p:cNvSpPr>
+          <p:nvPr>
+            <p:ph idx="1"/>
+          </p:nvPr>
+        </p:nvSpPr>
+        <p:spPr/>
+        <p:txBody>
+          <a:bodyPr/>
+          <a:lstStyle/>
+          <a:p>
+            <a:r>
+              <a:rPr lang="en-US" dirty="0">
+                <a:effectLst/>
+              </a:rPr>
+              <a:t>XHTML 1.0 - a version of HTML that used stricter </a:t>
+            </a:r>
+            <a:r>
+              <a:rPr lang="en-US" b="1" dirty="0">
+                <a:effectLst/>
+              </a:rPr>
+              <a:t>XML </a:t>
+            </a:r>
+            <a:r>
+              <a:rPr lang="en-US" dirty="0">
+                <a:effectLst/>
+              </a:rPr>
+              <a:t>(extensible markup language) syntax rules . </a:t>
+            </a:r>
+            <a:endParaRPr lang="en-US" dirty="0"/>
+          </a:p>
+          <a:p>
+            <a:endParaRPr lang="en-US" dirty="0"/>
+          </a:p>
+        </p:txBody>
+      </p:sp>
+    </p:spTree>
+    <p:extLst>
+      <p:ext uri="{BB962C8B-B14F-4D97-AF65-F5344CB8AC3E}">
+        <p14:creationId xmlns:p14="http://schemas.microsoft.com/office/powerpoint/2010/main" val="1742689622"/>
+      </p:ext>
+    </p:extLst>
+  </p:cSld>
+  <p:clrMapOvr>
+    <a:masterClrMapping/>
+  </p:clrMapOvr>
+</p:sld>
+</file>
+
+<file path=ppt/slides/slide22.xml><?xml version="1.0" encoding="utf-8"?>
+<p:sld xmlns:a="http://schemas.openxmlformats.org/drawingml/2006/main" xmlns:r="http://schemas.openxmlformats.org/officeDocument/2006/relationships" xmlns:p="http://schemas.openxmlformats.org/presentationml/2006/main">
+  <p:cSld>
+    <p:bg>
+      <p:bgPr>
+        <a:blipFill rotWithShape="1">
+          <a:blip r:embed="rId2">
+            <a:duotone>
+              <a:schemeClr val="bg2">
+                <a:shade val="28000"/>
+                <a:satMod val="94000"/>
+                <a:lumMod val="20000"/>
+              </a:schemeClr>
+              <a:schemeClr val="bg2">
+                <a:tint val="94000"/>
+                <a:shade val="84000"/>
+                <a:satMod val="148000"/>
+                <a:lumMod val="114000"/>
+              </a:schemeClr>
+            </a:duotone>
+          </a:blip>
+          <a:stretch/>
+        </a:blipFill>
+        <a:effectLst/>
+      </p:bgPr>
+    </p:bg>
+    <p:spTree>
+      <p:nvGrpSpPr>
+        <p:cNvPr id="1" name=""/>
+        <p:cNvGrpSpPr/>
+        <p:nvPr/>
+      </p:nvGrpSpPr>
+      <p:grpSpPr>
+        <a:xfrm>
+          <a:off x="0" y="0"/>
+          <a:ext cx="0" cy="0"/>
+          <a:chOff x="0" y="0"/>
+          <a:chExt cx="0" cy="0"/>
+        </a:xfrm>
+      </p:grpSpPr>
+      <p:sp>
+        <p:nvSpPr>
+          <p:cNvPr id="2" name="Title 1">
+            <a:extLst>
+              <a:ext uri="{FF2B5EF4-FFF2-40B4-BE49-F238E27FC236}">
+                <a16:creationId xmlns:a16="http://schemas.microsoft.com/office/drawing/2014/main" id="{03235C3A-590C-0B45-A5B4-E8488065C78B}"/>
+              </a:ext>
+            </a:extLst>
+          </p:cNvPr>
+          <p:cNvSpPr>
+            <a:spLocks noGrp="1"/>
+          </p:cNvSpPr>
+          <p:nvPr>
+            <p:ph type="title"/>
+          </p:nvPr>
+        </p:nvSpPr>
+        <p:spPr>
+          <a:xfrm>
+            <a:off x="6420465" y="609600"/>
+            <a:ext cx="5122606" cy="1905000"/>
+          </a:xfrm>
+        </p:spPr>
+        <p:txBody>
+          <a:bodyPr>
+            <a:normAutofit/>
+          </a:bodyPr>
+          <a:lstStyle/>
+          <a:p>
+            <a:r>
+              <a:rPr lang="en-US" sz="3200"/>
+              <a:t>HTML5</a:t>
+            </a:r>
+          </a:p>
+        </p:txBody>
+      </p:sp>
+      <p:sp>
+        <p:nvSpPr>
+          <p:cNvPr id="3" name="Content Placeholder 2">
+            <a:extLst>
+              <a:ext uri="{FF2B5EF4-FFF2-40B4-BE49-F238E27FC236}">
+                <a16:creationId xmlns:a16="http://schemas.microsoft.com/office/drawing/2014/main" id="{C7396632-9923-0547-ACB5-498A8E25085B}"/>
+              </a:ext>
+            </a:extLst>
+          </p:cNvPr>
+          <p:cNvSpPr>
+            <a:spLocks noGrp="1"/>
+          </p:cNvSpPr>
+          <p:nvPr>
+            <p:ph idx="1"/>
+          </p:nvPr>
+        </p:nvSpPr>
+        <p:spPr>
+          <a:xfrm>
+            <a:off x="6420465" y="2666999"/>
+            <a:ext cx="5122606" cy="3216276"/>
+          </a:xfrm>
+        </p:spPr>
+        <p:txBody>
+          <a:bodyPr anchor="t">
+            <a:normAutofit/>
+          </a:bodyPr>
+          <a:lstStyle/>
+          <a:p>
+            <a:pPr marL="0" indent="0">
+              <a:lnSpc>
+                <a:spcPct val="90000"/>
+              </a:lnSpc>
+              <a:buNone/>
+            </a:pPr>
+            <a:r>
+              <a:rPr lang="en-US" sz="2000">
+                <a:effectLst/>
+              </a:rPr>
+              <a:t>There are three main aims to HTML5: </a:t>
+            </a:r>
+            <a:endParaRPr lang="en-US" sz="2000"/>
+          </a:p>
+          <a:p>
+            <a:pPr>
+              <a:lnSpc>
+                <a:spcPct val="90000"/>
+              </a:lnSpc>
+            </a:pPr>
+            <a:r>
+              <a:rPr lang="en-US" sz="2000">
+                <a:effectLst/>
+              </a:rPr>
+              <a:t>1. Specify unambiguously how browsers should deal with invalid markup. </a:t>
+            </a:r>
+            <a:endParaRPr lang="en-US" sz="2000"/>
+          </a:p>
+          <a:p>
+            <a:pPr>
+              <a:lnSpc>
+                <a:spcPct val="90000"/>
+              </a:lnSpc>
+            </a:pPr>
+            <a:r>
+              <a:rPr lang="en-US" sz="2000">
+                <a:effectLst/>
+              </a:rPr>
+              <a:t>2. Provide an open, nonproprietary programming framework (via JavaScript) for creating rich web applications. </a:t>
+            </a:r>
+            <a:endParaRPr lang="en-US" sz="2000"/>
+          </a:p>
+          <a:p>
+            <a:pPr>
+              <a:lnSpc>
+                <a:spcPct val="90000"/>
+              </a:lnSpc>
+            </a:pPr>
+            <a:r>
+              <a:rPr lang="en-US" sz="2000">
+                <a:effectLst/>
+              </a:rPr>
+              <a:t>3. Be backwards compatible with the existing web. </a:t>
+            </a:r>
+            <a:endParaRPr lang="en-US" sz="2000"/>
+          </a:p>
+          <a:p>
+            <a:pPr>
+              <a:lnSpc>
+                <a:spcPct val="90000"/>
+              </a:lnSpc>
+            </a:pPr>
+            <a:endParaRPr lang="en-US" sz="2000"/>
+          </a:p>
+        </p:txBody>
+      </p:sp>
+      <p:pic>
+        <p:nvPicPr>
+          <p:cNvPr id="5" name="Picture 4">
+            <a:extLst>
+              <a:ext uri="{FF2B5EF4-FFF2-40B4-BE49-F238E27FC236}">
+                <a16:creationId xmlns:a16="http://schemas.microsoft.com/office/drawing/2014/main" id="{7549A635-5481-B244-9958-C30D97FED9E0}"/>
+              </a:ext>
+            </a:extLst>
+          </p:cNvPr>
+          <p:cNvPicPr>
+            <a:picLocks noChangeAspect="1"/>
+          </p:cNvPicPr>
+          <p:nvPr/>
+        </p:nvPicPr>
+        <p:blipFill>
+          <a:blip r:embed="rId3"/>
+          <a:stretch>
+            <a:fillRect/>
+          </a:stretch>
+        </p:blipFill>
+        <p:spPr>
+          <a:xfrm>
+            <a:off x="863859" y="645106"/>
+            <a:ext cx="5010292" cy="5247747"/>
+          </a:xfrm>
+          <a:prstGeom prst="roundRect">
+            <a:avLst>
+              <a:gd name="adj" fmla="val 3517"/>
+            </a:avLst>
+          </a:prstGeom>
+          <a:ln w="38100">
+            <a:gradFill flip="none" rotWithShape="1">
+              <a:gsLst>
+                <a:gs pos="0">
+                  <a:srgbClr val="363D46"/>
+                </a:gs>
+                <a:gs pos="100000">
+                  <a:srgbClr val="363D46">
+                    <a:lumMod val="75000"/>
+                  </a:srgbClr>
+                </a:gs>
+              </a:gsLst>
+              <a:lin ang="5400000" scaled="0"/>
+              <a:tileRect/>
+            </a:gradFill>
+          </a:ln>
+          <a:effectLst>
+            <a:innerShdw blurRad="57150" dist="38100" dir="14460000">
+              <a:srgbClr val="000000">
+                <a:alpha val="70000"/>
+              </a:srgbClr>
+            </a:innerShdw>
+          </a:effectLst>
+        </p:spPr>
+      </p:pic>
+    </p:spTree>
+    <p:extLst>
+      <p:ext uri="{BB962C8B-B14F-4D97-AF65-F5344CB8AC3E}">
+        <p14:creationId xmlns:p14="http://schemas.microsoft.com/office/powerpoint/2010/main" val="3541901097"/>
+      </p:ext>
+    </p:extLst>
+  </p:cSld>
+  <p:clrMapOvr>
+    <a:masterClrMapping/>
+  </p:clrMapOvr>
+</p:sld>
+</file>
+
+<file path=ppt/slides/slide23.xml><?xml version="1.0" encoding="utf-8"?>
 <p:sld xmlns:a="http://schemas.openxmlformats.org/drawingml/2006/main" xmlns:r="http://schemas.openxmlformats.org/officeDocument/2006/relationships" xmlns:p="http://schemas.openxmlformats.org/presentationml/2006/main">
   <p:cSld>
     <p:bg>
@@ -8838,7 +11177,7 @@
 </p:sld>
 </file>
 
-<file path=ppt/slides/slide11.xml><?xml version="1.0" encoding="utf-8"?>
+<file path=ppt/slides/slide24.xml><?xml version="1.0" encoding="utf-8"?>
 <p:sld xmlns:a="http://schemas.openxmlformats.org/drawingml/2006/main" xmlns:r="http://schemas.openxmlformats.org/officeDocument/2006/relationships" xmlns:p="http://schemas.openxmlformats.org/presentationml/2006/main">
   <p:cSld>
     <p:bg>
@@ -9019,7 +11358,7 @@
 </p:sld>
 </file>
 
-<file path=ppt/slides/slide12.xml><?xml version="1.0" encoding="utf-8"?>
+<file path=ppt/slides/slide25.xml><?xml version="1.0" encoding="utf-8"?>
 <p:sld xmlns:a="http://schemas.openxmlformats.org/drawingml/2006/main" xmlns:r="http://schemas.openxmlformats.org/officeDocument/2006/relationships" xmlns:p="http://schemas.openxmlformats.org/presentationml/2006/main">
   <p:cSld>
     <p:spTree>
@@ -9182,7 +11521,7 @@
 </p:sld>
 </file>
 
-<file path=ppt/slides/slide13.xml><?xml version="1.0" encoding="utf-8"?>
+<file path=ppt/slides/slide26.xml><?xml version="1.0" encoding="utf-8"?>
 <p:sld xmlns:a="http://schemas.openxmlformats.org/drawingml/2006/main" xmlns:r="http://schemas.openxmlformats.org/officeDocument/2006/relationships" xmlns:p="http://schemas.openxmlformats.org/presentationml/2006/main">
   <p:cSld>
     <p:spTree>
@@ -9383,7 +11722,7 @@
 </p:sld>
 </file>
 
-<file path=ppt/slides/slide14.xml><?xml version="1.0" encoding="utf-8"?>
+<file path=ppt/slides/slide27.xml><?xml version="1.0" encoding="utf-8"?>
 <p:sld xmlns:a="http://schemas.openxmlformats.org/drawingml/2006/main" xmlns:r="http://schemas.openxmlformats.org/officeDocument/2006/relationships" xmlns:p="http://schemas.openxmlformats.org/presentationml/2006/main">
   <p:cSld>
     <p:bg>
@@ -9632,7 +11971,7 @@
 </p:sld>
 </file>
 
-<file path=ppt/slides/slide15.xml><?xml version="1.0" encoding="utf-8"?>
+<file path=ppt/slides/slide28.xml><?xml version="1.0" encoding="utf-8"?>
 <p:sld xmlns:a="http://schemas.openxmlformats.org/drawingml/2006/main" xmlns:r="http://schemas.openxmlformats.org/officeDocument/2006/relationships" xmlns:p="http://schemas.openxmlformats.org/presentationml/2006/main">
   <p:cSld>
     <p:spTree>
@@ -9740,7 +12079,7 @@
 </p:sld>
 </file>
 
-<file path=ppt/slides/slide16.xml><?xml version="1.0" encoding="utf-8"?>
+<file path=ppt/slides/slide29.xml><?xml version="1.0" encoding="utf-8"?>
 <p:sld xmlns:a="http://schemas.openxmlformats.org/drawingml/2006/main" xmlns:r="http://schemas.openxmlformats.org/officeDocument/2006/relationships" xmlns:p="http://schemas.openxmlformats.org/presentationml/2006/main">
   <p:cSld>
     <p:bg>
@@ -9914,7 +12253,188 @@
 </p:sld>
 </file>
 
-<file path=ppt/slides/slide17.xml><?xml version="1.0" encoding="utf-8"?>
+<file path=ppt/slides/slide3.xml><?xml version="1.0" encoding="utf-8"?>
+<p:sld xmlns:a="http://schemas.openxmlformats.org/drawingml/2006/main" xmlns:r="http://schemas.openxmlformats.org/officeDocument/2006/relationships" xmlns:p="http://schemas.openxmlformats.org/presentationml/2006/main">
+  <p:cSld>
+    <p:bg>
+      <p:bgPr>
+        <a:blipFill rotWithShape="1">
+          <a:blip r:embed="rId2">
+            <a:duotone>
+              <a:schemeClr val="bg2">
+                <a:shade val="28000"/>
+                <a:satMod val="94000"/>
+                <a:lumMod val="20000"/>
+              </a:schemeClr>
+              <a:schemeClr val="bg2">
+                <a:tint val="94000"/>
+                <a:shade val="84000"/>
+                <a:satMod val="148000"/>
+                <a:lumMod val="114000"/>
+              </a:schemeClr>
+            </a:duotone>
+          </a:blip>
+          <a:stretch/>
+        </a:blipFill>
+        <a:effectLst/>
+      </p:bgPr>
+    </p:bg>
+    <p:spTree>
+      <p:nvGrpSpPr>
+        <p:cNvPr id="1" name=""/>
+        <p:cNvGrpSpPr/>
+        <p:nvPr/>
+      </p:nvGrpSpPr>
+      <p:grpSpPr>
+        <a:xfrm>
+          <a:off x="0" y="0"/>
+          <a:ext cx="0" cy="0"/>
+          <a:chOff x="0" y="0"/>
+          <a:chExt cx="0" cy="0"/>
+        </a:xfrm>
+      </p:grpSpPr>
+      <p:sp>
+        <p:nvSpPr>
+          <p:cNvPr id="2" name="Title 1">
+            <a:extLst>
+              <a:ext uri="{FF2B5EF4-FFF2-40B4-BE49-F238E27FC236}">
+                <a16:creationId xmlns:a16="http://schemas.microsoft.com/office/drawing/2014/main" id="{B042D6C2-9A7C-904E-A8AD-5B259984DC81}"/>
+              </a:ext>
+            </a:extLst>
+          </p:cNvPr>
+          <p:cNvSpPr>
+            <a:spLocks noGrp="1"/>
+          </p:cNvSpPr>
+          <p:nvPr>
+            <p:ph type="title"/>
+          </p:nvPr>
+        </p:nvSpPr>
+        <p:spPr>
+          <a:xfrm>
+            <a:off x="1751012" y="4363271"/>
+            <a:ext cx="8676222" cy="1066801"/>
+          </a:xfrm>
+        </p:spPr>
+        <p:txBody>
+          <a:bodyPr vert="horz" lIns="91440" tIns="45720" rIns="91440" bIns="45720" rtlCol="0" anchor="b">
+            <a:normAutofit fontScale="90000"/>
+          </a:bodyPr>
+          <a:lstStyle/>
+          <a:p>
+            <a:pPr algn="ctr"/>
+            <a:r>
+              <a:rPr lang="en-US" sz="4800" kern="1200" cap="all" dirty="0">
+                <a:ln w="3175" cmpd="sng">
+                  <a:noFill/>
+                </a:ln>
+                <a:gradFill flip="none" rotWithShape="1">
+                  <a:gsLst>
+                    <a:gs pos="0">
+                      <a:schemeClr val="tx1"/>
+                    </a:gs>
+                    <a:gs pos="100000">
+                      <a:schemeClr val="tx1">
+                        <a:lumMod val="65000"/>
+                      </a:schemeClr>
+                    </a:gs>
+                  </a:gsLst>
+                  <a:lin ang="5580000" scaled="0"/>
+                  <a:tileRect/>
+                </a:gradFill>
+                <a:effectLst>
+                  <a:glow rad="38100">
+                    <a:schemeClr val="bg1">
+                      <a:lumMod val="65000"/>
+                      <a:lumOff val="35000"/>
+                      <a:alpha val="50000"/>
+                    </a:schemeClr>
+                  </a:glow>
+                  <a:outerShdw blurRad="28575" dist="31750" dir="13200000" algn="tl" rotWithShape="0">
+                    <a:srgbClr val="000000">
+                      <a:alpha val="25000"/>
+                    </a:srgbClr>
+                  </a:outerShdw>
+                </a:effectLst>
+                <a:latin typeface="+mj-lt"/>
+                <a:ea typeface="+mj-ea"/>
+                <a:cs typeface="+mj-cs"/>
+              </a:rPr>
+              <a:t>A SIMPLE Web Architecture</a:t>
+            </a:r>
+          </a:p>
+        </p:txBody>
+      </p:sp>
+      <p:pic>
+        <p:nvPicPr>
+          <p:cNvPr id="5" name="Content Placeholder 4">
+            <a:extLst>
+              <a:ext uri="{FF2B5EF4-FFF2-40B4-BE49-F238E27FC236}">
+                <a16:creationId xmlns:a16="http://schemas.microsoft.com/office/drawing/2014/main" id="{0900D912-7ADE-2F46-8A7C-4F94CC014198}"/>
+              </a:ext>
+            </a:extLst>
+          </p:cNvPr>
+          <p:cNvPicPr>
+            <a:picLocks noGrp="1" noChangeAspect="1"/>
+          </p:cNvPicPr>
+          <p:nvPr>
+            <p:ph idx="1"/>
+          </p:nvPr>
+        </p:nvPicPr>
+        <p:blipFill>
+          <a:blip r:embed="rId3"/>
+          <a:stretch>
+            <a:fillRect/>
+          </a:stretch>
+        </p:blipFill>
+        <p:spPr>
+          <a:xfrm>
+            <a:off x="635457" y="694964"/>
+            <a:ext cx="10916463" cy="3547851"/>
+          </a:xfrm>
+          <a:prstGeom prst="roundRect">
+            <a:avLst>
+              <a:gd name="adj" fmla="val 3517"/>
+            </a:avLst>
+          </a:prstGeom>
+          <a:ln w="38100">
+            <a:gradFill flip="none" rotWithShape="1">
+              <a:gsLst>
+                <a:gs pos="0">
+                  <a:srgbClr val="363D46"/>
+                </a:gs>
+                <a:gs pos="100000">
+                  <a:srgbClr val="363D46">
+                    <a:lumMod val="75000"/>
+                  </a:srgbClr>
+                </a:gs>
+              </a:gsLst>
+              <a:lin ang="5400000" scaled="0"/>
+              <a:tileRect/>
+            </a:gradFill>
+          </a:ln>
+          <a:effectLst>
+            <a:innerShdw blurRad="57150" dist="38100" dir="14460000">
+              <a:srgbClr val="000000">
+                <a:alpha val="70000"/>
+              </a:srgbClr>
+            </a:innerShdw>
+          </a:effectLst>
+        </p:spPr>
+      </p:pic>
+    </p:spTree>
+    <p:extLst>
+      <p:ext uri="{BB962C8B-B14F-4D97-AF65-F5344CB8AC3E}">
+        <p14:creationId xmlns:p14="http://schemas.microsoft.com/office/powerpoint/2010/main" val="3377458385"/>
+      </p:ext>
+    </p:extLst>
+  </p:cSld>
+  <p:clrMapOvr>
+    <a:masterClrMapping/>
+  </p:clrMapOvr>
+</p:sld>
+</file>
+
+<file path=ppt/slides/slide30.xml><?xml version="1.0" encoding="utf-8"?>
 <p:sld xmlns:a="http://schemas.openxmlformats.org/drawingml/2006/main" xmlns:r="http://schemas.openxmlformats.org/officeDocument/2006/relationships" xmlns:p="http://schemas.openxmlformats.org/presentationml/2006/main">
   <p:cSld>
     <p:spTree>
@@ -10005,7 +12525,7 @@
 </p:sld>
 </file>
 
-<file path=ppt/slides/slide18.xml><?xml version="1.0" encoding="utf-8"?>
+<file path=ppt/slides/slide31.xml><?xml version="1.0" encoding="utf-8"?>
 <p:sld xmlns:a="http://schemas.openxmlformats.org/drawingml/2006/main" xmlns:r="http://schemas.openxmlformats.org/officeDocument/2006/relationships" xmlns:p="http://schemas.openxmlformats.org/presentationml/2006/main">
   <p:cSld>
     <p:bg>
@@ -10351,7 +12871,7 @@
 </p:sld>
 </file>
 
-<file path=ppt/slides/slide19.xml><?xml version="1.0" encoding="utf-8"?>
+<file path=ppt/slides/slide32.xml><?xml version="1.0" encoding="utf-8"?>
 <p:sld xmlns:a="http://schemas.openxmlformats.org/drawingml/2006/main" xmlns:r="http://schemas.openxmlformats.org/officeDocument/2006/relationships" xmlns:p="http://schemas.openxmlformats.org/presentationml/2006/main">
   <p:cSld>
     <p:spTree>
@@ -10486,295 +13006,7 @@
 </p:sld>
 </file>
 
-<file path=ppt/slides/slide2.xml><?xml version="1.0" encoding="utf-8"?>
-<p:sld xmlns:a="http://schemas.openxmlformats.org/drawingml/2006/main" xmlns:r="http://schemas.openxmlformats.org/officeDocument/2006/relationships" xmlns:p="http://schemas.openxmlformats.org/presentationml/2006/main">
-  <p:cSld>
-    <p:bg>
-      <p:bgPr>
-        <a:solidFill>
-          <a:schemeClr val="bg1"/>
-        </a:solidFill>
-        <a:effectLst/>
-      </p:bgPr>
-    </p:bg>
-    <p:spTree>
-      <p:nvGrpSpPr>
-        <p:cNvPr id="1" name=""/>
-        <p:cNvGrpSpPr/>
-        <p:nvPr/>
-      </p:nvGrpSpPr>
-      <p:grpSpPr>
-        <a:xfrm>
-          <a:off x="0" y="0"/>
-          <a:ext cx="0" cy="0"/>
-          <a:chOff x="0" y="0"/>
-          <a:chExt cx="0" cy="0"/>
-        </a:xfrm>
-      </p:grpSpPr>
-      <p:sp>
-        <p:nvSpPr>
-          <p:cNvPr id="10" name="Rectangle 9">
-            <a:extLst>
-              <a:ext uri="{FF2B5EF4-FFF2-40B4-BE49-F238E27FC236}">
-                <a16:creationId xmlns:a16="http://schemas.microsoft.com/office/drawing/2014/main" id="{806ABAF8-A5F0-4E99-AB6D-67BFBB982B2B}"/>
-              </a:ext>
-              <a:ext uri="{C183D7F6-B498-43B3-948B-1728B52AA6E4}">
-                <adec:decorative xmlns:adec="http://schemas.microsoft.com/office/drawing/2017/decorative" val="1"/>
-              </a:ext>
-            </a:extLst>
-          </p:cNvPr>
-          <p:cNvSpPr>
-            <a:spLocks noGrp="1" noRot="1" noChangeAspect="1" noMove="1" noResize="1" noEditPoints="1" noAdjustHandles="1" noChangeArrowheads="1" noChangeShapeType="1" noTextEdit="1"/>
-          </p:cNvSpPr>
-          <p:nvPr>
-            <p:extLst>
-              <p:ext uri="{386F3935-93C4-4BCD-93E2-E3B085C9AB24}">
-                <p16:designElem xmlns:p16="http://schemas.microsoft.com/office/powerpoint/2015/main" val="1"/>
-              </p:ext>
-            </p:extLst>
-          </p:nvPr>
-        </p:nvSpPr>
-        <p:spPr>
-          <a:xfrm>
-            <a:off x="0" y="0"/>
-            <a:ext cx="12192000" cy="6858000"/>
-          </a:xfrm>
-          <a:prstGeom prst="rect">
-            <a:avLst/>
-          </a:prstGeom>
-          <a:ln>
-            <a:noFill/>
-          </a:ln>
-        </p:spPr>
-        <p:style>
-          <a:lnRef idx="2">
-            <a:schemeClr val="accent1">
-              <a:shade val="50000"/>
-            </a:schemeClr>
-          </a:lnRef>
-          <a:fillRef idx="1003">
-            <a:schemeClr val="dk2"/>
-          </a:fillRef>
-          <a:effectRef idx="0">
-            <a:schemeClr val="accent1"/>
-          </a:effectRef>
-          <a:fontRef idx="minor">
-            <a:schemeClr val="lt1"/>
-          </a:fontRef>
-        </p:style>
-        <p:txBody>
-          <a:bodyPr rtlCol="0" anchor="ctr"/>
-          <a:lstStyle/>
-          <a:p>
-            <a:pPr algn="ctr"/>
-            <a:endParaRPr lang="en-US"/>
-          </a:p>
-        </p:txBody>
-      </p:sp>
-      <p:sp>
-        <p:nvSpPr>
-          <p:cNvPr id="2" name="Title 1">
-            <a:extLst>
-              <a:ext uri="{FF2B5EF4-FFF2-40B4-BE49-F238E27FC236}">
-                <a16:creationId xmlns:a16="http://schemas.microsoft.com/office/drawing/2014/main" id="{BB9B5D8D-EE26-A34E-A161-0A4147003780}"/>
-              </a:ext>
-            </a:extLst>
-          </p:cNvPr>
-          <p:cNvSpPr>
-            <a:spLocks noGrp="1"/>
-          </p:cNvSpPr>
-          <p:nvPr>
-            <p:ph type="title"/>
-          </p:nvPr>
-        </p:nvSpPr>
-        <p:spPr>
-          <a:xfrm>
-            <a:off x="8164106" y="609600"/>
-            <a:ext cx="3369133" cy="3642851"/>
-          </a:xfrm>
-        </p:spPr>
-        <p:txBody>
-          <a:bodyPr vert="horz" lIns="91440" tIns="45720" rIns="91440" bIns="45720" rtlCol="0" anchor="b">
-            <a:normAutofit/>
-          </a:bodyPr>
-          <a:lstStyle/>
-          <a:p>
-            <a:pPr algn="ctr"/>
-            <a:r>
-              <a:rPr lang="en-US" sz="4000" kern="1200" cap="all" dirty="0">
-                <a:ln w="3175" cmpd="sng">
-                  <a:noFill/>
-                </a:ln>
-                <a:gradFill flip="none" rotWithShape="1">
-                  <a:gsLst>
-                    <a:gs pos="0">
-                      <a:sysClr val="window" lastClr="FFFFFF"/>
-                    </a:gs>
-                    <a:gs pos="100000">
-                      <a:sysClr val="window" lastClr="FFFFFF">
-                        <a:lumMod val="65000"/>
-                      </a:sysClr>
-                    </a:gs>
-                  </a:gsLst>
-                  <a:lin ang="5580000" scaled="0"/>
-                  <a:tileRect/>
-                </a:gradFill>
-                <a:effectLst>
-                  <a:glow rad="38100">
-                    <a:schemeClr val="bg1">
-                      <a:lumMod val="65000"/>
-                      <a:lumOff val="35000"/>
-                      <a:alpha val="50000"/>
-                    </a:schemeClr>
-                  </a:glow>
-                  <a:outerShdw blurRad="28575" dist="31750" dir="13200000" algn="tl" rotWithShape="0">
-                    <a:srgbClr val="000000">
-                      <a:alpha val="25000"/>
-                    </a:srgbClr>
-                  </a:outerShdw>
-                </a:effectLst>
-                <a:latin typeface="+mj-lt"/>
-                <a:ea typeface="+mj-ea"/>
-                <a:cs typeface="+mj-cs"/>
-              </a:rPr>
-              <a:t>What is the  web?</a:t>
-            </a:r>
-          </a:p>
-        </p:txBody>
-      </p:sp>
-      <p:sp>
-        <p:nvSpPr>
-          <p:cNvPr id="12" name="Rounded Rectangle 7">
-            <a:extLst>
-              <a:ext uri="{FF2B5EF4-FFF2-40B4-BE49-F238E27FC236}">
-                <a16:creationId xmlns:a16="http://schemas.microsoft.com/office/drawing/2014/main" id="{5F7833E7-6A14-4F78-A2DD-5640A4F6C273}"/>
-              </a:ext>
-              <a:ext uri="{C183D7F6-B498-43B3-948B-1728B52AA6E4}">
-                <adec:decorative xmlns:adec="http://schemas.microsoft.com/office/drawing/2017/decorative" val="1"/>
-              </a:ext>
-            </a:extLst>
-          </p:cNvPr>
-          <p:cNvSpPr>
-            <a:spLocks noGrp="1" noRot="1" noChangeAspect="1" noMove="1" noResize="1" noEditPoints="1" noAdjustHandles="1" noChangeArrowheads="1" noChangeShapeType="1" noTextEdit="1"/>
-          </p:cNvSpPr>
-          <p:nvPr>
-            <p:extLst>
-              <p:ext uri="{386F3935-93C4-4BCD-93E2-E3B085C9AB24}">
-                <p16:designElem xmlns:p16="http://schemas.microsoft.com/office/powerpoint/2015/main" val="1"/>
-              </p:ext>
-            </p:extLst>
-          </p:nvPr>
-        </p:nvSpPr>
-        <p:spPr>
-          <a:xfrm>
-            <a:off x="658290" y="620720"/>
-            <a:ext cx="6884079" cy="5597200"/>
-          </a:xfrm>
-          <a:prstGeom prst="roundRect">
-            <a:avLst>
-              <a:gd name="adj" fmla="val 3812"/>
-            </a:avLst>
-          </a:prstGeom>
-          <a:solidFill>
-            <a:schemeClr val="bg1"/>
-          </a:solidFill>
-          <a:ln w="38100">
-            <a:gradFill flip="none" rotWithShape="1">
-              <a:gsLst>
-                <a:gs pos="0">
-                  <a:srgbClr val="363D46"/>
-                </a:gs>
-                <a:gs pos="100000">
-                  <a:srgbClr val="363D46">
-                    <a:lumMod val="75000"/>
-                  </a:srgbClr>
-                </a:gs>
-              </a:gsLst>
-              <a:lin ang="5400000" scaled="0"/>
-              <a:tileRect/>
-            </a:gradFill>
-          </a:ln>
-          <a:effectLst>
-            <a:innerShdw blurRad="57150" dist="38100" dir="14460000">
-              <a:srgbClr val="000000">
-                <a:alpha val="70000"/>
-              </a:srgbClr>
-            </a:innerShdw>
-          </a:effectLst>
-        </p:spPr>
-        <p:style>
-          <a:lnRef idx="2">
-            <a:schemeClr val="accent1">
-              <a:shade val="50000"/>
-            </a:schemeClr>
-          </a:lnRef>
-          <a:fillRef idx="1">
-            <a:schemeClr val="accent1"/>
-          </a:fillRef>
-          <a:effectRef idx="0">
-            <a:schemeClr val="accent1"/>
-          </a:effectRef>
-          <a:fontRef idx="minor">
-            <a:schemeClr val="lt1"/>
-          </a:fontRef>
-        </p:style>
-        <p:txBody>
-          <a:bodyPr rtlCol="0" anchor="ctr"/>
-          <a:lstStyle/>
-          <a:p>
-            <a:pPr algn="ctr"/>
-            <a:endParaRPr lang="en-US">
-              <a:solidFill>
-                <a:schemeClr val="bg1"/>
-              </a:solidFill>
-            </a:endParaRPr>
-          </a:p>
-        </p:txBody>
-      </p:sp>
-      <p:pic>
-        <p:nvPicPr>
-          <p:cNvPr id="5" name="Picture 4">
-            <a:extLst>
-              <a:ext uri="{FF2B5EF4-FFF2-40B4-BE49-F238E27FC236}">
-                <a16:creationId xmlns:a16="http://schemas.microsoft.com/office/drawing/2014/main" id="{CF9B11A0-42C0-9641-AA61-7B79EAAA2BD1}"/>
-              </a:ext>
-            </a:extLst>
-          </p:cNvPr>
-          <p:cNvPicPr>
-            <a:picLocks noChangeAspect="1"/>
-          </p:cNvPicPr>
-          <p:nvPr/>
-        </p:nvPicPr>
-        <p:blipFill>
-          <a:blip r:embed="rId2"/>
-          <a:stretch>
-            <a:fillRect/>
-          </a:stretch>
-        </p:blipFill>
-        <p:spPr>
-          <a:xfrm>
-            <a:off x="1142544" y="1447463"/>
-            <a:ext cx="5915570" cy="3943713"/>
-          </a:xfrm>
-          <a:prstGeom prst="rect">
-            <a:avLst/>
-          </a:prstGeom>
-        </p:spPr>
-      </p:pic>
-    </p:spTree>
-    <p:extLst>
-      <p:ext uri="{BB962C8B-B14F-4D97-AF65-F5344CB8AC3E}">
-        <p14:creationId xmlns:p14="http://schemas.microsoft.com/office/powerpoint/2010/main" val="564862298"/>
-      </p:ext>
-    </p:extLst>
-  </p:cSld>
-  <p:clrMapOvr>
-    <a:overrideClrMapping bg1="lt1" tx1="dk1" bg2="lt2" tx2="dk2" accent1="accent1" accent2="accent2" accent3="accent3" accent4="accent4" accent5="accent5" accent6="accent6" hlink="hlink" folHlink="folHlink"/>
-  </p:clrMapOvr>
-</p:sld>
-</file>
-
-<file path=ppt/slides/slide20.xml><?xml version="1.0" encoding="utf-8"?>
+<file path=ppt/slides/slide33.xml><?xml version="1.0" encoding="utf-8"?>
 <p:sld xmlns:a="http://schemas.openxmlformats.org/drawingml/2006/main" xmlns:r="http://schemas.openxmlformats.org/officeDocument/2006/relationships" xmlns:p="http://schemas.openxmlformats.org/presentationml/2006/main">
   <p:cSld>
     <p:spTree>
@@ -10851,22 +13083,6 @@
             <a:pPr marL="0" indent="0">
               <a:buNone/>
             </a:pPr>
-            <a:endParaRPr lang="en-US" dirty="0">
-              <a:effectLst/>
-            </a:endParaRPr>
-          </a:p>
-          <a:p>
-            <a:pPr marL="0" indent="0">
-              <a:buNone/>
-            </a:pPr>
-            <a:endParaRPr lang="en-US" dirty="0">
-              <a:effectLst/>
-            </a:endParaRPr>
-          </a:p>
-          <a:p>
-            <a:pPr marL="0" indent="0">
-              <a:buNone/>
-            </a:pPr>
             <a:r>
               <a:rPr lang="en-US" dirty="0">
                 <a:effectLst/>
@@ -10894,7 +13110,19 @@
               <a:rPr lang="en-US" dirty="0">
                 <a:effectLst/>
               </a:rPr>
-              <a:t>/* A JavaScript Comment */ alert ("Hello World!"); </a:t>
+              <a:t>/* a </a:t>
+            </a:r>
+            <a:r>
+              <a:rPr lang="en-US" dirty="0" err="1">
+                <a:effectLst/>
+              </a:rPr>
+              <a:t>javascript</a:t>
+            </a:r>
+            <a:r>
+              <a:rPr lang="en-US" dirty="0">
+                <a:effectLst/>
+              </a:rPr>
+              <a:t> comment */ alert ("hello world!"); </a:t>
             </a:r>
           </a:p>
           <a:p>
@@ -10926,7 +13154,7 @@
 </p:sld>
 </file>
 
-<file path=ppt/slides/slide21.xml><?xml version="1.0" encoding="utf-8"?>
+<file path=ppt/slides/slide34.xml><?xml version="1.0" encoding="utf-8"?>
 <p:sld xmlns:a="http://schemas.openxmlformats.org/drawingml/2006/main" xmlns:r="http://schemas.openxmlformats.org/officeDocument/2006/relationships" xmlns:p="http://schemas.openxmlformats.org/presentationml/2006/main">
   <p:cSld>
     <p:spTree>
@@ -11048,7 +13276,7 @@
 </p:sld>
 </file>
 
-<file path=ppt/slides/slide22.xml><?xml version="1.0" encoding="utf-8"?>
+<file path=ppt/slides/slide35.xml><?xml version="1.0" encoding="utf-8"?>
 <p:sld xmlns:a="http://schemas.openxmlformats.org/drawingml/2006/main" xmlns:r="http://schemas.openxmlformats.org/officeDocument/2006/relationships" xmlns:p="http://schemas.openxmlformats.org/presentationml/2006/main">
   <p:cSld>
     <p:bg>
@@ -11317,7 +13545,7 @@
 </p:sld>
 </file>
 
-<file path=ppt/slides/slide23.xml><?xml version="1.0" encoding="utf-8"?>
+<file path=ppt/slides/slide36.xml><?xml version="1.0" encoding="utf-8"?>
 <p:sld xmlns:a="http://schemas.openxmlformats.org/drawingml/2006/main" xmlns:r="http://schemas.openxmlformats.org/officeDocument/2006/relationships" xmlns:p="http://schemas.openxmlformats.org/presentationml/2006/main">
   <p:cSld>
     <p:spTree>
@@ -11428,7 +13656,7 @@
 </p:sld>
 </file>
 
-<file path=ppt/slides/slide24.xml><?xml version="1.0" encoding="utf-8"?>
+<file path=ppt/slides/slide37.xml><?xml version="1.0" encoding="utf-8"?>
 <p:sld xmlns:a="http://schemas.openxmlformats.org/drawingml/2006/main" xmlns:r="http://schemas.openxmlformats.org/officeDocument/2006/relationships" xmlns:p="http://schemas.openxmlformats.org/presentationml/2006/main">
   <p:cSld>
     <p:spTree>
@@ -11494,6 +13722,9 @@
           <a:bodyPr/>
           <a:lstStyle/>
           <a:p>
+            <a:pPr marL="0" indent="0">
+              <a:buNone/>
+            </a:pPr>
             <a:r>
               <a:rPr lang="en-US" dirty="0">
                 <a:effectLst/>
@@ -11540,7 +13771,7 @@
 </p:sld>
 </file>
 
-<file path=ppt/slides/slide25.xml><?xml version="1.0" encoding="utf-8"?>
+<file path=ppt/slides/slide38.xml><?xml version="1.0" encoding="utf-8"?>
 <p:sld xmlns:a="http://schemas.openxmlformats.org/drawingml/2006/main" xmlns:r="http://schemas.openxmlformats.org/officeDocument/2006/relationships" xmlns:p="http://schemas.openxmlformats.org/presentationml/2006/main">
   <p:cSld>
     <p:bg>
@@ -11712,187 +13943,6 @@
     <p:extLst>
       <p:ext uri="{BB962C8B-B14F-4D97-AF65-F5344CB8AC3E}">
         <p14:creationId xmlns:p14="http://schemas.microsoft.com/office/powerpoint/2010/main" val="2883390183"/>
-      </p:ext>
-    </p:extLst>
-  </p:cSld>
-  <p:clrMapOvr>
-    <a:masterClrMapping/>
-  </p:clrMapOvr>
-</p:sld>
-</file>
-
-<file path=ppt/slides/slide3.xml><?xml version="1.0" encoding="utf-8"?>
-<p:sld xmlns:a="http://schemas.openxmlformats.org/drawingml/2006/main" xmlns:r="http://schemas.openxmlformats.org/officeDocument/2006/relationships" xmlns:p="http://schemas.openxmlformats.org/presentationml/2006/main">
-  <p:cSld>
-    <p:bg>
-      <p:bgPr>
-        <a:blipFill rotWithShape="1">
-          <a:blip r:embed="rId2">
-            <a:duotone>
-              <a:schemeClr val="bg2">
-                <a:shade val="28000"/>
-                <a:satMod val="94000"/>
-                <a:lumMod val="20000"/>
-              </a:schemeClr>
-              <a:schemeClr val="bg2">
-                <a:tint val="94000"/>
-                <a:shade val="84000"/>
-                <a:satMod val="148000"/>
-                <a:lumMod val="114000"/>
-              </a:schemeClr>
-            </a:duotone>
-          </a:blip>
-          <a:stretch/>
-        </a:blipFill>
-        <a:effectLst/>
-      </p:bgPr>
-    </p:bg>
-    <p:spTree>
-      <p:nvGrpSpPr>
-        <p:cNvPr id="1" name=""/>
-        <p:cNvGrpSpPr/>
-        <p:nvPr/>
-      </p:nvGrpSpPr>
-      <p:grpSpPr>
-        <a:xfrm>
-          <a:off x="0" y="0"/>
-          <a:ext cx="0" cy="0"/>
-          <a:chOff x="0" y="0"/>
-          <a:chExt cx="0" cy="0"/>
-        </a:xfrm>
-      </p:grpSpPr>
-      <p:sp>
-        <p:nvSpPr>
-          <p:cNvPr id="2" name="Title 1">
-            <a:extLst>
-              <a:ext uri="{FF2B5EF4-FFF2-40B4-BE49-F238E27FC236}">
-                <a16:creationId xmlns:a16="http://schemas.microsoft.com/office/drawing/2014/main" id="{B042D6C2-9A7C-904E-A8AD-5B259984DC81}"/>
-              </a:ext>
-            </a:extLst>
-          </p:cNvPr>
-          <p:cNvSpPr>
-            <a:spLocks noGrp="1"/>
-          </p:cNvSpPr>
-          <p:nvPr>
-            <p:ph type="title"/>
-          </p:nvPr>
-        </p:nvSpPr>
-        <p:spPr>
-          <a:xfrm>
-            <a:off x="1751012" y="4363271"/>
-            <a:ext cx="8676222" cy="1066801"/>
-          </a:xfrm>
-        </p:spPr>
-        <p:txBody>
-          <a:bodyPr vert="horz" lIns="91440" tIns="45720" rIns="91440" bIns="45720" rtlCol="0" anchor="b">
-            <a:normAutofit fontScale="90000"/>
-          </a:bodyPr>
-          <a:lstStyle/>
-          <a:p>
-            <a:pPr algn="ctr"/>
-            <a:r>
-              <a:rPr lang="en-US" sz="4800" kern="1200" cap="all" dirty="0">
-                <a:ln w="3175" cmpd="sng">
-                  <a:noFill/>
-                </a:ln>
-                <a:gradFill flip="none" rotWithShape="1">
-                  <a:gsLst>
-                    <a:gs pos="0">
-                      <a:schemeClr val="tx1"/>
-                    </a:gs>
-                    <a:gs pos="100000">
-                      <a:schemeClr val="tx1">
-                        <a:lumMod val="65000"/>
-                      </a:schemeClr>
-                    </a:gs>
-                  </a:gsLst>
-                  <a:lin ang="5580000" scaled="0"/>
-                  <a:tileRect/>
-                </a:gradFill>
-                <a:effectLst>
-                  <a:glow rad="38100">
-                    <a:schemeClr val="bg1">
-                      <a:lumMod val="65000"/>
-                      <a:lumOff val="35000"/>
-                      <a:alpha val="50000"/>
-                    </a:schemeClr>
-                  </a:glow>
-                  <a:outerShdw blurRad="28575" dist="31750" dir="13200000" algn="tl" rotWithShape="0">
-                    <a:srgbClr val="000000">
-                      <a:alpha val="25000"/>
-                    </a:srgbClr>
-                  </a:outerShdw>
-                </a:effectLst>
-                <a:latin typeface="+mj-lt"/>
-                <a:ea typeface="+mj-ea"/>
-                <a:cs typeface="+mj-cs"/>
-              </a:rPr>
-              <a:t>A SIMPLE Web Architecture</a:t>
-            </a:r>
-          </a:p>
-        </p:txBody>
-      </p:sp>
-      <p:pic>
-        <p:nvPicPr>
-          <p:cNvPr id="5" name="Content Placeholder 4">
-            <a:extLst>
-              <a:ext uri="{FF2B5EF4-FFF2-40B4-BE49-F238E27FC236}">
-                <a16:creationId xmlns:a16="http://schemas.microsoft.com/office/drawing/2014/main" id="{0900D912-7ADE-2F46-8A7C-4F94CC014198}"/>
-              </a:ext>
-            </a:extLst>
-          </p:cNvPr>
-          <p:cNvPicPr>
-            <a:picLocks noGrp="1" noChangeAspect="1"/>
-          </p:cNvPicPr>
-          <p:nvPr>
-            <p:ph idx="1"/>
-          </p:nvPr>
-        </p:nvPicPr>
-        <p:blipFill>
-          <a:blip r:embed="rId3"/>
-          <a:stretch>
-            <a:fillRect/>
-          </a:stretch>
-        </p:blipFill>
-        <p:spPr>
-          <a:xfrm>
-            <a:off x="635457" y="694964"/>
-            <a:ext cx="10916463" cy="3547851"/>
-          </a:xfrm>
-          <a:prstGeom prst="roundRect">
-            <a:avLst>
-              <a:gd name="adj" fmla="val 3517"/>
-            </a:avLst>
-          </a:prstGeom>
-          <a:ln w="38100">
-            <a:gradFill flip="none" rotWithShape="1">
-              <a:gsLst>
-                <a:gs pos="0">
-                  <a:srgbClr val="363D46"/>
-                </a:gs>
-                <a:gs pos="100000">
-                  <a:srgbClr val="363D46">
-                    <a:lumMod val="75000"/>
-                  </a:srgbClr>
-                </a:gs>
-              </a:gsLst>
-              <a:lin ang="5400000" scaled="0"/>
-              <a:tileRect/>
-            </a:gradFill>
-          </a:ln>
-          <a:effectLst>
-            <a:innerShdw blurRad="57150" dist="38100" dir="14460000">
-              <a:srgbClr val="000000">
-                <a:alpha val="70000"/>
-              </a:srgbClr>
-            </a:innerShdw>
-          </a:effectLst>
-        </p:spPr>
-      </p:pic>
-    </p:spTree>
-    <p:extLst>
-      <p:ext uri="{BB962C8B-B14F-4D97-AF65-F5344CB8AC3E}">
-        <p14:creationId xmlns:p14="http://schemas.microsoft.com/office/powerpoint/2010/main" val="3377458385"/>
       </p:ext>
     </p:extLst>
   </p:cSld>
@@ -12128,6 +14178,167 @@
           <p:cNvPr id="2" name="Title 1">
             <a:extLst>
               <a:ext uri="{FF2B5EF4-FFF2-40B4-BE49-F238E27FC236}">
+                <a16:creationId xmlns:a16="http://schemas.microsoft.com/office/drawing/2014/main" id="{F6505F11-EB46-7449-95ED-9E25751E96A4}"/>
+              </a:ext>
+            </a:extLst>
+          </p:cNvPr>
+          <p:cNvSpPr>
+            <a:spLocks noGrp="1"/>
+          </p:cNvSpPr>
+          <p:nvPr>
+            <p:ph type="title"/>
+          </p:nvPr>
+        </p:nvSpPr>
+        <p:spPr>
+          <a:xfrm>
+            <a:off x="8164106" y="609600"/>
+            <a:ext cx="3369133" cy="3642851"/>
+          </a:xfrm>
+        </p:spPr>
+        <p:txBody>
+          <a:bodyPr vert="horz" lIns="91440" tIns="45720" rIns="91440" bIns="45720" rtlCol="0" anchor="b">
+            <a:normAutofit/>
+          </a:bodyPr>
+          <a:lstStyle/>
+          <a:p>
+            <a:pPr algn="ctr"/>
+            <a:r>
+              <a:rPr lang="en-US" sz="4000">
+                <a:effectLst>
+                  <a:glow rad="38100">
+                    <a:schemeClr val="bg1">
+                      <a:lumMod val="65000"/>
+                      <a:lumOff val="35000"/>
+                      <a:alpha val="50000"/>
+                    </a:schemeClr>
+                  </a:glow>
+                  <a:outerShdw blurRad="28575" dist="31750" dir="13200000" algn="tl" rotWithShape="0">
+                    <a:srgbClr val="000000">
+                      <a:alpha val="25000"/>
+                    </a:srgbClr>
+                  </a:outerShdw>
+                </a:effectLst>
+              </a:rPr>
+              <a:t>Types of servers </a:t>
+            </a:r>
+          </a:p>
+        </p:txBody>
+      </p:sp>
+      <p:pic>
+        <p:nvPicPr>
+          <p:cNvPr id="5" name="Content Placeholder 4" descr="A picture containing indoor, small, sitting, group&#10;&#10;Description automatically generated">
+            <a:extLst>
+              <a:ext uri="{FF2B5EF4-FFF2-40B4-BE49-F238E27FC236}">
+                <a16:creationId xmlns:a16="http://schemas.microsoft.com/office/drawing/2014/main" id="{1042A03D-98AF-1546-922F-60F8D3F78F95}"/>
+              </a:ext>
+            </a:extLst>
+          </p:cNvPr>
+          <p:cNvPicPr>
+            <a:picLocks noGrp="1" noChangeAspect="1"/>
+          </p:cNvPicPr>
+          <p:nvPr>
+            <p:ph idx="1"/>
+          </p:nvPr>
+        </p:nvPicPr>
+        <p:blipFill>
+          <a:blip r:embed="rId3"/>
+          <a:stretch>
+            <a:fillRect/>
+          </a:stretch>
+        </p:blipFill>
+        <p:spPr>
+          <a:xfrm>
+            <a:off x="128916" y="1427080"/>
+            <a:ext cx="8270018" cy="5024520"/>
+          </a:xfrm>
+          <a:prstGeom prst="roundRect">
+            <a:avLst>
+              <a:gd name="adj" fmla="val 3517"/>
+            </a:avLst>
+          </a:prstGeom>
+          <a:ln w="38100">
+            <a:gradFill flip="none" rotWithShape="1">
+              <a:gsLst>
+                <a:gs pos="0">
+                  <a:srgbClr val="363D46"/>
+                </a:gs>
+                <a:gs pos="100000">
+                  <a:srgbClr val="363D46">
+                    <a:lumMod val="75000"/>
+                  </a:srgbClr>
+                </a:gs>
+              </a:gsLst>
+              <a:lin ang="5400000" scaled="0"/>
+              <a:tileRect/>
+            </a:gradFill>
+          </a:ln>
+          <a:effectLst>
+            <a:innerShdw blurRad="57150" dist="38100" dir="14460000">
+              <a:srgbClr val="000000">
+                <a:alpha val="70000"/>
+              </a:srgbClr>
+            </a:innerShdw>
+          </a:effectLst>
+        </p:spPr>
+      </p:pic>
+    </p:spTree>
+    <p:extLst>
+      <p:ext uri="{BB962C8B-B14F-4D97-AF65-F5344CB8AC3E}">
+        <p14:creationId xmlns:p14="http://schemas.microsoft.com/office/powerpoint/2010/main" val="1993250556"/>
+      </p:ext>
+    </p:extLst>
+  </p:cSld>
+  <p:clrMapOvr>
+    <a:masterClrMapping/>
+  </p:clrMapOvr>
+</p:sld>
+</file>
+
+<file path=ppt/slides/slide6.xml><?xml version="1.0" encoding="utf-8"?>
+<p:sld xmlns:a="http://schemas.openxmlformats.org/drawingml/2006/main" xmlns:r="http://schemas.openxmlformats.org/officeDocument/2006/relationships" xmlns:p="http://schemas.openxmlformats.org/presentationml/2006/main">
+  <p:cSld>
+    <p:bg>
+      <p:bgPr>
+        <a:blipFill rotWithShape="1">
+          <a:blip r:embed="rId2">
+            <a:duotone>
+              <a:schemeClr val="bg2">
+                <a:shade val="28000"/>
+                <a:satMod val="94000"/>
+                <a:lumMod val="20000"/>
+              </a:schemeClr>
+              <a:schemeClr val="bg2">
+                <a:tint val="94000"/>
+                <a:shade val="84000"/>
+                <a:satMod val="148000"/>
+                <a:lumMod val="114000"/>
+              </a:schemeClr>
+            </a:duotone>
+          </a:blip>
+          <a:stretch/>
+        </a:blipFill>
+        <a:effectLst/>
+      </p:bgPr>
+    </p:bg>
+    <p:spTree>
+      <p:nvGrpSpPr>
+        <p:cNvPr id="1" name=""/>
+        <p:cNvGrpSpPr/>
+        <p:nvPr/>
+      </p:nvGrpSpPr>
+      <p:grpSpPr>
+        <a:xfrm>
+          <a:off x="0" y="0"/>
+          <a:ext cx="0" cy="0"/>
+          <a:chOff x="0" y="0"/>
+          <a:chExt cx="0" cy="0"/>
+        </a:xfrm>
+      </p:grpSpPr>
+      <p:sp>
+        <p:nvSpPr>
+          <p:cNvPr id="2" name="Title 1">
+            <a:extLst>
+              <a:ext uri="{FF2B5EF4-FFF2-40B4-BE49-F238E27FC236}">
                 <a16:creationId xmlns:a16="http://schemas.microsoft.com/office/drawing/2014/main" id="{872E71CC-B215-8E47-8AEA-3C45FF934242}"/>
               </a:ext>
             </a:extLst>
@@ -12141,8 +14352,8 @@
         </p:nvSpPr>
         <p:spPr>
           <a:xfrm>
-            <a:off x="1751012" y="4363271"/>
-            <a:ext cx="8676222" cy="1066801"/>
+            <a:off x="988630" y="4363271"/>
+            <a:ext cx="10200986" cy="1066801"/>
           </a:xfrm>
         </p:spPr>
         <p:txBody>
@@ -12194,12 +14405,75 @@
           </a:p>
         </p:txBody>
       </p:sp>
+      <p:sp>
+        <p:nvSpPr>
+          <p:cNvPr id="16" name="Rectangle 15">
+            <a:extLst>
+              <a:ext uri="{FF2B5EF4-FFF2-40B4-BE49-F238E27FC236}">
+                <a16:creationId xmlns:a16="http://schemas.microsoft.com/office/drawing/2014/main" id="{2C069419-B83B-4E10-A3EF-91A86B5D3570}"/>
+              </a:ext>
+              <a:ext uri="{C183D7F6-B498-43B3-948B-1728B52AA6E4}">
+                <adec:decorative xmlns:adec="http://schemas.microsoft.com/office/drawing/2017/decorative" val="1"/>
+              </a:ext>
+            </a:extLst>
+          </p:cNvPr>
+          <p:cNvSpPr>
+            <a:spLocks noGrp="1" noRot="1" noChangeAspect="1" noMove="1" noResize="1" noEditPoints="1" noAdjustHandles="1" noChangeArrowheads="1" noChangeShapeType="1" noTextEdit="1"/>
+          </p:cNvSpPr>
+          <p:nvPr>
+            <p:extLst>
+              <p:ext uri="{386F3935-93C4-4BCD-93E2-E3B085C9AB24}">
+                <p16:designElem xmlns:p16="http://schemas.microsoft.com/office/powerpoint/2015/main" val="1"/>
+              </p:ext>
+            </p:extLst>
+          </p:nvPr>
+        </p:nvSpPr>
+        <p:spPr>
+          <a:xfrm>
+            <a:off x="0" y="0"/>
+            <a:ext cx="12192000" cy="4273826"/>
+          </a:xfrm>
+          <a:prstGeom prst="rect">
+            <a:avLst/>
+          </a:prstGeom>
+          <a:solidFill>
+            <a:srgbClr val="FFFFFF"/>
+          </a:solidFill>
+          <a:ln>
+            <a:noFill/>
+          </a:ln>
+        </p:spPr>
+        <p:style>
+          <a:lnRef idx="2">
+            <a:schemeClr val="accent1">
+              <a:shade val="50000"/>
+            </a:schemeClr>
+          </a:lnRef>
+          <a:fillRef idx="1">
+            <a:schemeClr val="accent1"/>
+          </a:fillRef>
+          <a:effectRef idx="0">
+            <a:schemeClr val="accent1"/>
+          </a:effectRef>
+          <a:fontRef idx="minor">
+            <a:schemeClr val="lt1"/>
+          </a:fontRef>
+        </p:style>
+        <p:txBody>
+          <a:bodyPr rtlCol="0" anchor="ctr"/>
+          <a:lstStyle/>
+          <a:p>
+            <a:pPr algn="ctr"/>
+            <a:endParaRPr lang="en-US"/>
+          </a:p>
+        </p:txBody>
+      </p:sp>
       <p:pic>
         <p:nvPicPr>
-          <p:cNvPr id="7" name="Picture 6">
+          <p:cNvPr id="11" name="Picture 10">
             <a:extLst>
               <a:ext uri="{FF2B5EF4-FFF2-40B4-BE49-F238E27FC236}">
-                <a16:creationId xmlns:a16="http://schemas.microsoft.com/office/drawing/2014/main" id="{92AD2D7F-D70C-4549-AC95-8276E340730A}"/>
+                <a16:creationId xmlns:a16="http://schemas.microsoft.com/office/drawing/2014/main" id="{2D73B677-D2FD-4D46-9CBA-2012B4E95A4C}"/>
               </a:ext>
             </a:extLst>
           </p:cNvPr>
@@ -12208,15 +14482,16 @@
           </p:cNvPicPr>
           <p:nvPr/>
         </p:nvPicPr>
-        <p:blipFill rotWithShape="1">
+        <p:blipFill>
           <a:blip r:embed="rId3"/>
-          <a:srcRect r="-2" b="24767"/>
-          <a:stretch/>
+          <a:stretch>
+            <a:fillRect/>
+          </a:stretch>
         </p:blipFill>
         <p:spPr>
           <a:xfrm>
-            <a:off x="20" y="10"/>
-            <a:ext cx="7574515" cy="4273816"/>
+            <a:off x="1114589" y="640079"/>
+            <a:ext cx="4264585" cy="3155793"/>
           </a:xfrm>
           <a:prstGeom prst="rect">
             <a:avLst/>
@@ -12225,10 +14500,10 @@
       </p:pic>
       <p:pic>
         <p:nvPicPr>
-          <p:cNvPr id="5" name="Content Placeholder 4">
+          <p:cNvPr id="9" name="Content Placeholder 8">
             <a:extLst>
               <a:ext uri="{FF2B5EF4-FFF2-40B4-BE49-F238E27FC236}">
-                <a16:creationId xmlns:a16="http://schemas.microsoft.com/office/drawing/2014/main" id="{E718E52F-D748-774D-AA78-C908A7C9B7A6}"/>
+                <a16:creationId xmlns:a16="http://schemas.microsoft.com/office/drawing/2014/main" id="{E45FEE8F-2E5A-0244-B1B5-4FC759A5AB00}"/>
               </a:ext>
             </a:extLst>
           </p:cNvPr>
@@ -12239,15 +14514,16 @@
             <p:ph idx="1"/>
           </p:nvPr>
         </p:nvPicPr>
-        <p:blipFill rotWithShape="1">
+        <p:blipFill>
           <a:blip r:embed="rId4"/>
-          <a:srcRect r="22749" b="-3"/>
-          <a:stretch/>
+          <a:stretch>
+            <a:fillRect/>
+          </a:stretch>
         </p:blipFill>
         <p:spPr>
           <a:xfrm>
-            <a:off x="7574535" y="10"/>
-            <a:ext cx="4617465" cy="4273816"/>
+            <a:off x="6603770" y="640080"/>
+            <a:ext cx="4682697" cy="3149114"/>
           </a:xfrm>
           <a:prstGeom prst="rect">
             <a:avLst/>
@@ -12267,7 +14543,168 @@
 </p:sld>
 </file>
 
-<file path=ppt/slides/slide6.xml><?xml version="1.0" encoding="utf-8"?>
+<file path=ppt/slides/slide7.xml><?xml version="1.0" encoding="utf-8"?>
+<p:sld xmlns:a="http://schemas.openxmlformats.org/drawingml/2006/main" xmlns:r="http://schemas.openxmlformats.org/officeDocument/2006/relationships" xmlns:p="http://schemas.openxmlformats.org/presentationml/2006/main">
+  <p:cSld>
+    <p:bg>
+      <p:bgPr>
+        <a:blipFill rotWithShape="1">
+          <a:blip r:embed="rId2">
+            <a:duotone>
+              <a:schemeClr val="bg2">
+                <a:shade val="28000"/>
+                <a:satMod val="94000"/>
+                <a:lumMod val="20000"/>
+              </a:schemeClr>
+              <a:schemeClr val="bg2">
+                <a:tint val="94000"/>
+                <a:shade val="84000"/>
+                <a:satMod val="148000"/>
+                <a:lumMod val="114000"/>
+              </a:schemeClr>
+            </a:duotone>
+          </a:blip>
+          <a:stretch/>
+        </a:blipFill>
+        <a:effectLst/>
+      </p:bgPr>
+    </p:bg>
+    <p:spTree>
+      <p:nvGrpSpPr>
+        <p:cNvPr id="1" name=""/>
+        <p:cNvGrpSpPr/>
+        <p:nvPr/>
+      </p:nvGrpSpPr>
+      <p:grpSpPr>
+        <a:xfrm>
+          <a:off x="0" y="0"/>
+          <a:ext cx="0" cy="0"/>
+          <a:chOff x="0" y="0"/>
+          <a:chExt cx="0" cy="0"/>
+        </a:xfrm>
+      </p:grpSpPr>
+      <p:sp>
+        <p:nvSpPr>
+          <p:cNvPr id="2" name="Title 1">
+            <a:extLst>
+              <a:ext uri="{FF2B5EF4-FFF2-40B4-BE49-F238E27FC236}">
+                <a16:creationId xmlns:a16="http://schemas.microsoft.com/office/drawing/2014/main" id="{B795E3A7-34D2-2F40-BBF3-7FBBAE98B268}"/>
+              </a:ext>
+            </a:extLst>
+          </p:cNvPr>
+          <p:cNvSpPr>
+            <a:spLocks noGrp="1"/>
+          </p:cNvSpPr>
+          <p:nvPr>
+            <p:ph type="title"/>
+          </p:nvPr>
+        </p:nvSpPr>
+        <p:spPr>
+          <a:xfrm>
+            <a:off x="8164106" y="609600"/>
+            <a:ext cx="3369133" cy="3642851"/>
+          </a:xfrm>
+        </p:spPr>
+        <p:txBody>
+          <a:bodyPr vert="horz" lIns="91440" tIns="45720" rIns="91440" bIns="45720" rtlCol="0" anchor="b">
+            <a:normAutofit/>
+          </a:bodyPr>
+          <a:lstStyle/>
+          <a:p>
+            <a:pPr algn="ctr"/>
+            <a:r>
+              <a:rPr lang="en-US" sz="4000">
+                <a:effectLst>
+                  <a:glow rad="38100">
+                    <a:schemeClr val="bg1">
+                      <a:lumMod val="65000"/>
+                      <a:lumOff val="35000"/>
+                      <a:alpha val="50000"/>
+                    </a:schemeClr>
+                  </a:glow>
+                  <a:outerShdw blurRad="28575" dist="31750" dir="13200000" algn="tl" rotWithShape="0">
+                    <a:srgbClr val="000000">
+                      <a:alpha val="25000"/>
+                    </a:srgbClr>
+                  </a:outerShdw>
+                </a:effectLst>
+              </a:rPr>
+              <a:t>DNS</a:t>
+            </a:r>
+          </a:p>
+        </p:txBody>
+      </p:sp>
+      <p:pic>
+        <p:nvPicPr>
+          <p:cNvPr id="5" name="Content Placeholder 4" descr="A picture containing text&#10;&#10;Description automatically generated">
+            <a:extLst>
+              <a:ext uri="{FF2B5EF4-FFF2-40B4-BE49-F238E27FC236}">
+                <a16:creationId xmlns:a16="http://schemas.microsoft.com/office/drawing/2014/main" id="{F8CB6466-1F73-884F-A363-A7608D671D3C}"/>
+              </a:ext>
+            </a:extLst>
+          </p:cNvPr>
+          <p:cNvPicPr>
+            <a:picLocks noGrp="1" noChangeAspect="1"/>
+          </p:cNvPicPr>
+          <p:nvPr>
+            <p:ph idx="1"/>
+          </p:nvPr>
+        </p:nvPicPr>
+        <p:blipFill>
+          <a:blip r:embed="rId3"/>
+          <a:stretch>
+            <a:fillRect/>
+          </a:stretch>
+        </p:blipFill>
+        <p:spPr>
+          <a:xfrm>
+            <a:off x="113102" y="982133"/>
+            <a:ext cx="8563037" cy="5266267"/>
+          </a:xfrm>
+          <a:prstGeom prst="roundRect">
+            <a:avLst>
+              <a:gd name="adj" fmla="val 3517"/>
+            </a:avLst>
+          </a:prstGeom>
+          <a:ln w="38100">
+            <a:gradFill flip="none" rotWithShape="1">
+              <a:gsLst>
+                <a:gs pos="0">
+                  <a:srgbClr val="363D46"/>
+                </a:gs>
+                <a:gs pos="100000">
+                  <a:srgbClr val="363D46">
+                    <a:lumMod val="75000"/>
+                  </a:srgbClr>
+                </a:gs>
+              </a:gsLst>
+              <a:lin ang="5400000" scaled="0"/>
+              <a:tileRect/>
+            </a:gradFill>
+          </a:ln>
+          <a:effectLst>
+            <a:innerShdw blurRad="57150" dist="38100" dir="14460000">
+              <a:srgbClr val="000000">
+                <a:alpha val="70000"/>
+              </a:srgbClr>
+            </a:innerShdw>
+          </a:effectLst>
+        </p:spPr>
+      </p:pic>
+    </p:spTree>
+    <p:extLst>
+      <p:ext uri="{BB962C8B-B14F-4D97-AF65-F5344CB8AC3E}">
+        <p14:creationId xmlns:p14="http://schemas.microsoft.com/office/powerpoint/2010/main" val="2888691232"/>
+      </p:ext>
+    </p:extLst>
+  </p:cSld>
+  <p:clrMapOvr>
+    <a:masterClrMapping/>
+  </p:clrMapOvr>
+</p:sld>
+</file>
+
+<file path=ppt/slides/slide8.xml><?xml version="1.0" encoding="utf-8"?>
 <p:sld xmlns:a="http://schemas.openxmlformats.org/drawingml/2006/main" xmlns:r="http://schemas.openxmlformats.org/officeDocument/2006/relationships" xmlns:p="http://schemas.openxmlformats.org/presentationml/2006/main">
   <p:cSld>
     <p:bg>
@@ -12448,250 +14885,6 @@
 </p:sld>
 </file>
 
-<file path=ppt/slides/slide7.xml><?xml version="1.0" encoding="utf-8"?>
-<p:sld xmlns:a="http://schemas.openxmlformats.org/drawingml/2006/main" xmlns:r="http://schemas.openxmlformats.org/officeDocument/2006/relationships" xmlns:p="http://schemas.openxmlformats.org/presentationml/2006/main">
-  <p:cSld>
-    <p:spTree>
-      <p:nvGrpSpPr>
-        <p:cNvPr id="1" name=""/>
-        <p:cNvGrpSpPr/>
-        <p:nvPr/>
-      </p:nvGrpSpPr>
-      <p:grpSpPr>
-        <a:xfrm>
-          <a:off x="0" y="0"/>
-          <a:ext cx="0" cy="0"/>
-          <a:chOff x="0" y="0"/>
-          <a:chExt cx="0" cy="0"/>
-        </a:xfrm>
-      </p:grpSpPr>
-      <p:sp>
-        <p:nvSpPr>
-          <p:cNvPr id="2" name="Title 1">
-            <a:extLst>
-              <a:ext uri="{FF2B5EF4-FFF2-40B4-BE49-F238E27FC236}">
-                <a16:creationId xmlns:a16="http://schemas.microsoft.com/office/drawing/2014/main" id="{C62E186C-1DBC-0A48-8160-2115F1935E45}"/>
-              </a:ext>
-            </a:extLst>
-          </p:cNvPr>
-          <p:cNvSpPr>
-            <a:spLocks noGrp="1"/>
-          </p:cNvSpPr>
-          <p:nvPr>
-            <p:ph type="title"/>
-          </p:nvPr>
-        </p:nvSpPr>
-        <p:spPr/>
-        <p:txBody>
-          <a:bodyPr/>
-          <a:lstStyle/>
-          <a:p>
-            <a:r>
-              <a:rPr lang="en-US" dirty="0"/>
-              <a:t>Html </a:t>
-            </a:r>
-          </a:p>
-        </p:txBody>
-      </p:sp>
-      <p:sp>
-        <p:nvSpPr>
-          <p:cNvPr id="3" name="Content Placeholder 2">
-            <a:extLst>
-              <a:ext uri="{FF2B5EF4-FFF2-40B4-BE49-F238E27FC236}">
-                <a16:creationId xmlns:a16="http://schemas.microsoft.com/office/drawing/2014/main" id="{7F419FF1-83FC-414D-8594-BA1FFA9B40C1}"/>
-              </a:ext>
-            </a:extLst>
-          </p:cNvPr>
-          <p:cNvSpPr>
-            <a:spLocks noGrp="1"/>
-          </p:cNvSpPr>
-          <p:nvPr>
-            <p:ph idx="1"/>
-          </p:nvPr>
-        </p:nvSpPr>
-        <p:spPr/>
-        <p:txBody>
-          <a:bodyPr/>
-          <a:lstStyle/>
-          <a:p>
-            <a:r>
-              <a:rPr lang="en-US" dirty="0">
-                <a:effectLst/>
-              </a:rPr>
-              <a:t>HTML is defined as a </a:t>
-            </a:r>
-            <a:r>
-              <a:rPr lang="en-US" b="1" dirty="0">
-                <a:effectLst/>
-              </a:rPr>
-              <a:t>markup language</a:t>
-            </a:r>
-            <a:r>
-              <a:rPr lang="en-US" dirty="0">
-                <a:effectLst/>
-              </a:rPr>
-              <a:t>. </a:t>
-            </a:r>
-            <a:endParaRPr lang="en-US" dirty="0"/>
-          </a:p>
-          <a:p>
-            <a:r>
-              <a:rPr lang="en-US" dirty="0">
-                <a:effectLst/>
-              </a:rPr>
-              <a:t>A markup language is simply a way of annotating a document in such a way as to make the annotations distinct from the text being annotated </a:t>
-            </a:r>
-            <a:endParaRPr lang="en-US" dirty="0"/>
-          </a:p>
-          <a:p>
-            <a:r>
-              <a:rPr lang="en-US" dirty="0">
-                <a:effectLst/>
-              </a:rPr>
-              <a:t>Markup languages such as HTML, </a:t>
-            </a:r>
-            <a:r>
-              <a:rPr lang="en-US" dirty="0" err="1">
-                <a:effectLst/>
-              </a:rPr>
-              <a:t>Tex</a:t>
-            </a:r>
-            <a:r>
-              <a:rPr lang="en-US" dirty="0">
-                <a:effectLst/>
-              </a:rPr>
-              <a:t>, XML, and XHTML allow users to control how text and visual elements will be laid out and displayed. </a:t>
-            </a:r>
-            <a:endParaRPr lang="en-US" dirty="0"/>
-          </a:p>
-          <a:p>
-            <a:endParaRPr lang="en-US" dirty="0"/>
-          </a:p>
-          <a:p>
-            <a:r>
-              <a:rPr lang="en-US" dirty="0"/>
-              <a:t>WHY DO WE NEED A STANDARD ?</a:t>
-            </a:r>
-          </a:p>
-        </p:txBody>
-      </p:sp>
-    </p:spTree>
-    <p:extLst>
-      <p:ext uri="{BB962C8B-B14F-4D97-AF65-F5344CB8AC3E}">
-        <p14:creationId xmlns:p14="http://schemas.microsoft.com/office/powerpoint/2010/main" val="2912481725"/>
-      </p:ext>
-    </p:extLst>
-  </p:cSld>
-  <p:clrMapOvr>
-    <a:masterClrMapping/>
-  </p:clrMapOvr>
-</p:sld>
-</file>
-
-<file path=ppt/slides/slide8.xml><?xml version="1.0" encoding="utf-8"?>
-<p:sld xmlns:a="http://schemas.openxmlformats.org/drawingml/2006/main" xmlns:r="http://schemas.openxmlformats.org/officeDocument/2006/relationships" xmlns:p="http://schemas.openxmlformats.org/presentationml/2006/main">
-  <p:cSld>
-    <p:spTree>
-      <p:nvGrpSpPr>
-        <p:cNvPr id="1" name=""/>
-        <p:cNvGrpSpPr/>
-        <p:nvPr/>
-      </p:nvGrpSpPr>
-      <p:grpSpPr>
-        <a:xfrm>
-          <a:off x="0" y="0"/>
-          <a:ext cx="0" cy="0"/>
-          <a:chOff x="0" y="0"/>
-          <a:chExt cx="0" cy="0"/>
-        </a:xfrm>
-      </p:grpSpPr>
-      <p:sp>
-        <p:nvSpPr>
-          <p:cNvPr id="2" name="Title 1">
-            <a:extLst>
-              <a:ext uri="{FF2B5EF4-FFF2-40B4-BE49-F238E27FC236}">
-                <a16:creationId xmlns:a16="http://schemas.microsoft.com/office/drawing/2014/main" id="{731391A1-B75C-CC4E-AFB0-E5C12E2BFF2B}"/>
-              </a:ext>
-            </a:extLst>
-          </p:cNvPr>
-          <p:cNvSpPr>
-            <a:spLocks noGrp="1"/>
-          </p:cNvSpPr>
-          <p:nvPr>
-            <p:ph type="title"/>
-          </p:nvPr>
-        </p:nvSpPr>
-        <p:spPr/>
-        <p:txBody>
-          <a:bodyPr/>
-          <a:lstStyle/>
-          <a:p>
-            <a:r>
-              <a:rPr lang="en-US" dirty="0"/>
-              <a:t>XHTML</a:t>
-            </a:r>
-          </a:p>
-        </p:txBody>
-      </p:sp>
-      <p:sp>
-        <p:nvSpPr>
-          <p:cNvPr id="3" name="Content Placeholder 2">
-            <a:extLst>
-              <a:ext uri="{FF2B5EF4-FFF2-40B4-BE49-F238E27FC236}">
-                <a16:creationId xmlns:a16="http://schemas.microsoft.com/office/drawing/2014/main" id="{6BE077EA-A0C2-CF4B-9A7B-2639ADDC2547}"/>
-              </a:ext>
-            </a:extLst>
-          </p:cNvPr>
-          <p:cNvSpPr>
-            <a:spLocks noGrp="1"/>
-          </p:cNvSpPr>
-          <p:nvPr>
-            <p:ph idx="1"/>
-          </p:nvPr>
-        </p:nvSpPr>
-        <p:spPr/>
-        <p:txBody>
-          <a:bodyPr/>
-          <a:lstStyle/>
-          <a:p>
-            <a:r>
-              <a:rPr lang="en-US" dirty="0">
-                <a:effectLst/>
-              </a:rPr>
-              <a:t>XHTML 1.0 - a version of HTML that used stricter </a:t>
-            </a:r>
-            <a:r>
-              <a:rPr lang="en-US" b="1" dirty="0">
-                <a:effectLst/>
-              </a:rPr>
-              <a:t>XML </a:t>
-            </a:r>
-            <a:r>
-              <a:rPr lang="en-US" dirty="0">
-                <a:effectLst/>
-              </a:rPr>
-              <a:t>(extensible markup language) syntax rules . </a:t>
-            </a:r>
-            <a:endParaRPr lang="en-US" dirty="0"/>
-          </a:p>
-          <a:p>
-            <a:endParaRPr lang="en-US" dirty="0"/>
-          </a:p>
-        </p:txBody>
-      </p:sp>
-    </p:spTree>
-    <p:extLst>
-      <p:ext uri="{BB962C8B-B14F-4D97-AF65-F5344CB8AC3E}">
-        <p14:creationId xmlns:p14="http://schemas.microsoft.com/office/powerpoint/2010/main" val="1742689622"/>
-      </p:ext>
-    </p:extLst>
-  </p:cSld>
-  <p:clrMapOvr>
-    <a:masterClrMapping/>
-  </p:clrMapOvr>
-</p:sld>
-</file>
-
 <file path=ppt/slides/slide9.xml><?xml version="1.0" encoding="utf-8"?>
 <p:sld xmlns:a="http://schemas.openxmlformats.org/drawingml/2006/main" xmlns:r="http://schemas.openxmlformats.org/officeDocument/2006/relationships" xmlns:p="http://schemas.openxmlformats.org/presentationml/2006/main">
   <p:cSld>
@@ -12737,7 +14930,7 @@
           <p:cNvPr id="2" name="Title 1">
             <a:extLst>
               <a:ext uri="{FF2B5EF4-FFF2-40B4-BE49-F238E27FC236}">
-                <a16:creationId xmlns:a16="http://schemas.microsoft.com/office/drawing/2014/main" id="{03235C3A-590C-0B45-A5B4-E8488065C78B}"/>
+                <a16:creationId xmlns:a16="http://schemas.microsoft.com/office/drawing/2014/main" id="{9AEB4002-00B3-8346-A3F3-955569A0D6A9}"/>
               </a:ext>
             </a:extLst>
           </p:cNvPr>
@@ -12750,176 +14943,74 @@
         </p:nvSpPr>
         <p:spPr>
           <a:xfrm>
-            <a:off x="6420465" y="609600"/>
-            <a:ext cx="5122606" cy="1905000"/>
+            <a:off x="1751012" y="4363271"/>
+            <a:ext cx="8676222" cy="1066801"/>
           </a:xfrm>
         </p:spPr>
         <p:txBody>
-          <a:bodyPr>
+          <a:bodyPr vert="horz" lIns="91440" tIns="45720" rIns="91440" bIns="45720" rtlCol="0" anchor="b">
             <a:normAutofit/>
           </a:bodyPr>
           <a:lstStyle/>
           <a:p>
-            <a:r>
-              <a:rPr lang="en-US" sz="3200"/>
-              <a:t>HTML5</a:t>
-            </a:r>
-          </a:p>
-        </p:txBody>
-      </p:sp>
-      <p:sp>
-        <p:nvSpPr>
-          <p:cNvPr id="3" name="Content Placeholder 2">
+            <a:pPr algn="ctr"/>
+            <a:r>
+              <a:rPr lang="en-US" sz="4800">
+                <a:effectLst>
+                  <a:glow rad="38100">
+                    <a:schemeClr val="bg1">
+                      <a:lumMod val="65000"/>
+                      <a:lumOff val="35000"/>
+                      <a:alpha val="50000"/>
+                    </a:schemeClr>
+                  </a:glow>
+                  <a:outerShdw blurRad="28575" dist="31750" dir="13200000" algn="tl" rotWithShape="0">
+                    <a:srgbClr val="000000">
+                      <a:alpha val="25000"/>
+                    </a:srgbClr>
+                  </a:outerShdw>
+                </a:effectLst>
+              </a:rPr>
+              <a:t>soa</a:t>
+            </a:r>
+          </a:p>
+        </p:txBody>
+      </p:sp>
+      <p:pic>
+        <p:nvPicPr>
+          <p:cNvPr id="5" name="Content Placeholder 4" descr="A screenshot of a cell phone&#10;&#10;Description automatically generated">
             <a:extLst>
               <a:ext uri="{FF2B5EF4-FFF2-40B4-BE49-F238E27FC236}">
-                <a16:creationId xmlns:a16="http://schemas.microsoft.com/office/drawing/2014/main" id="{C7396632-9923-0547-ACB5-498A8E25085B}"/>
-              </a:ext>
-            </a:extLst>
-          </p:cNvPr>
-          <p:cNvSpPr>
-            <a:spLocks noGrp="1"/>
-          </p:cNvSpPr>
-          <p:nvPr>
-            <p:ph idx="1"/>
-          </p:nvPr>
-        </p:nvSpPr>
-        <p:spPr>
-          <a:xfrm>
-            <a:off x="6420465" y="2666999"/>
-            <a:ext cx="5122606" cy="3216276"/>
-          </a:xfrm>
-        </p:spPr>
-        <p:txBody>
-          <a:bodyPr anchor="t">
-            <a:normAutofit/>
-          </a:bodyPr>
-          <a:lstStyle/>
-          <a:p>
-            <a:pPr marL="0" indent="0">
-              <a:lnSpc>
-                <a:spcPct val="90000"/>
-              </a:lnSpc>
-              <a:buNone/>
-            </a:pPr>
-            <a:r>
-              <a:rPr lang="en-US" sz="2000">
-                <a:effectLst/>
-              </a:rPr>
-              <a:t>There are three main aims to HTML5: </a:t>
-            </a:r>
-            <a:endParaRPr lang="en-US" sz="2000"/>
-          </a:p>
-          <a:p>
-            <a:pPr>
-              <a:lnSpc>
-                <a:spcPct val="90000"/>
-              </a:lnSpc>
-            </a:pPr>
-            <a:r>
-              <a:rPr lang="en-US" sz="2000">
-                <a:effectLst/>
-              </a:rPr>
-              <a:t>1. Specify unambiguously how browsers should deal with invalid markup. </a:t>
-            </a:r>
-            <a:endParaRPr lang="en-US" sz="2000"/>
-          </a:p>
-          <a:p>
-            <a:pPr>
-              <a:lnSpc>
-                <a:spcPct val="90000"/>
-              </a:lnSpc>
-            </a:pPr>
-            <a:r>
-              <a:rPr lang="en-US" sz="2000">
-                <a:effectLst/>
-              </a:rPr>
-              <a:t>2. Provide an open, nonproprietary programming framework (via JavaScript) for creating rich web applications. </a:t>
-            </a:r>
-            <a:endParaRPr lang="en-US" sz="2000"/>
-          </a:p>
-          <a:p>
-            <a:pPr>
-              <a:lnSpc>
-                <a:spcPct val="90000"/>
-              </a:lnSpc>
-            </a:pPr>
-            <a:r>
-              <a:rPr lang="en-US" sz="2000">
-                <a:effectLst/>
-              </a:rPr>
-              <a:t>3. Be backwards compatible with the existing web. </a:t>
-            </a:r>
-            <a:endParaRPr lang="en-US" sz="2000"/>
-          </a:p>
-          <a:p>
-            <a:pPr>
-              <a:lnSpc>
-                <a:spcPct val="90000"/>
-              </a:lnSpc>
-            </a:pPr>
-            <a:endParaRPr lang="en-US" sz="2000"/>
-          </a:p>
-        </p:txBody>
-      </p:sp>
-      <p:pic>
-        <p:nvPicPr>
-          <p:cNvPr id="5" name="Picture 4">
-            <a:extLst>
-              <a:ext uri="{FF2B5EF4-FFF2-40B4-BE49-F238E27FC236}">
-                <a16:creationId xmlns:a16="http://schemas.microsoft.com/office/drawing/2014/main" id="{7549A635-5481-B244-9958-C30D97FED9E0}"/>
+                <a16:creationId xmlns:a16="http://schemas.microsoft.com/office/drawing/2014/main" id="{DE9D6F79-573C-AA40-A978-33769A845374}"/>
               </a:ext>
             </a:extLst>
           </p:cNvPr>
           <p:cNvPicPr>
-            <a:picLocks noChangeAspect="1"/>
+            <a:picLocks noGrp="1" noChangeAspect="1"/>
           </p:cNvPicPr>
-          <p:nvPr/>
+          <p:nvPr>
+            <p:ph idx="1"/>
+          </p:nvPr>
         </p:nvPicPr>
-        <p:blipFill>
+        <p:blipFill rotWithShape="1">
           <a:blip r:embed="rId3"/>
-          <a:stretch>
-            <a:fillRect/>
-          </a:stretch>
+          <a:srcRect t="15470" b="7488"/>
+          <a:stretch/>
         </p:blipFill>
         <p:spPr>
           <a:xfrm>
-            <a:off x="863859" y="645106"/>
-            <a:ext cx="5010292" cy="5247747"/>
+            <a:off x="20" y="10"/>
+            <a:ext cx="12191980" cy="4273816"/>
           </a:xfrm>
-          <a:prstGeom prst="roundRect">
-            <a:avLst>
-              <a:gd name="adj" fmla="val 3517"/>
-            </a:avLst>
+          <a:prstGeom prst="rect">
+            <a:avLst/>
           </a:prstGeom>
-          <a:ln w="38100">
-            <a:gradFill flip="none" rotWithShape="1">
-              <a:gsLst>
-                <a:gs pos="0">
-                  <a:srgbClr val="363D46"/>
-                </a:gs>
-                <a:gs pos="100000">
-                  <a:srgbClr val="363D46">
-                    <a:lumMod val="75000"/>
-                  </a:srgbClr>
-                </a:gs>
-              </a:gsLst>
-              <a:lin ang="5400000" scaled="0"/>
-              <a:tileRect/>
-            </a:gradFill>
-          </a:ln>
-          <a:effectLst>
-            <a:innerShdw blurRad="57150" dist="38100" dir="14460000">
-              <a:srgbClr val="000000">
-                <a:alpha val="70000"/>
-              </a:srgbClr>
-            </a:innerShdw>
-          </a:effectLst>
         </p:spPr>
       </p:pic>
     </p:spTree>
     <p:extLst>
       <p:ext uri="{BB962C8B-B14F-4D97-AF65-F5344CB8AC3E}">
-        <p14:creationId xmlns:p14="http://schemas.microsoft.com/office/powerpoint/2010/main" val="3541901097"/>
+        <p14:creationId xmlns:p14="http://schemas.microsoft.com/office/powerpoint/2010/main" val="2749253338"/>
       </p:ext>
     </p:extLst>
   </p:cSld>

--- a/web_application_programming.pptx
+++ b/web_application_programming.pptx
@@ -5,7 +5,7 @@
     <p:sldMasterId id="2147483648" r:id="rId1"/>
   </p:sldMasterIdLst>
   <p:notesMasterIdLst>
-    <p:notesMasterId r:id="rId40"/>
+    <p:notesMasterId r:id="rId43"/>
   </p:notesMasterIdLst>
   <p:sldIdLst>
     <p:sldId id="256" r:id="rId2"/>
@@ -45,7 +45,10 @@
     <p:sldId id="277" r:id="rId36"/>
     <p:sldId id="278" r:id="rId37"/>
     <p:sldId id="279" r:id="rId38"/>
-    <p:sldId id="280" r:id="rId39"/>
+    <p:sldId id="294" r:id="rId39"/>
+    <p:sldId id="295" r:id="rId40"/>
+    <p:sldId id="296" r:id="rId41"/>
+    <p:sldId id="280" r:id="rId42"/>
   </p:sldIdLst>
   <p:sldSz cx="12192000" cy="6858000"/>
   <p:notesSz cx="6858000" cy="9144000"/>
@@ -2696,7 +2699,7 @@
           <a:p>
             <a:fld id="{C4D37A8C-27B3-B94C-ABCD-F85CE449723F}" type="datetimeFigureOut">
               <a:rPr lang="en-US" smtClean="0"/>
-              <a:t>11/25/19</a:t>
+              <a:t>11/27/19</a:t>
             </a:fld>
             <a:endParaRPr lang="en-US"/>
           </a:p>
@@ -3262,7 +3265,7 @@
             <a:fld id="{B61BEF0D-F0BB-DE4B-95CE-6DB70DBA9567}" type="datetimeFigureOut">
               <a:rPr lang="en-US" dirty="0"/>
               <a:pPr/>
-              <a:t>11/25/19</a:t>
+              <a:t>11/27/19</a:t>
             </a:fld>
             <a:endParaRPr lang="en-US" dirty="0"/>
           </a:p>
@@ -3550,7 +3553,7 @@
             <a:fld id="{B61BEF0D-F0BB-DE4B-95CE-6DB70DBA9567}" type="datetimeFigureOut">
               <a:rPr lang="en-US" dirty="0"/>
               <a:pPr/>
-              <a:t>11/25/19</a:t>
+              <a:t>11/27/19</a:t>
             </a:fld>
             <a:endParaRPr lang="en-US" dirty="0"/>
           </a:p>
@@ -3806,7 +3809,7 @@
             <a:fld id="{B61BEF0D-F0BB-DE4B-95CE-6DB70DBA9567}" type="datetimeFigureOut">
               <a:rPr lang="en-US" dirty="0"/>
               <a:pPr/>
-              <a:t>11/25/19</a:t>
+              <a:t>11/27/19</a:t>
             </a:fld>
             <a:endParaRPr lang="en-US" dirty="0"/>
           </a:p>
@@ -4272,7 +4275,7 @@
             <a:fld id="{B61BEF0D-F0BB-DE4B-95CE-6DB70DBA9567}" type="datetimeFigureOut">
               <a:rPr lang="en-US" dirty="0"/>
               <a:pPr/>
-              <a:t>11/25/19</a:t>
+              <a:t>11/27/19</a:t>
             </a:fld>
             <a:endParaRPr lang="en-US" dirty="0"/>
           </a:p>
@@ -4449,7 +4452,7 @@
             <a:fld id="{B61BEF0D-F0BB-DE4B-95CE-6DB70DBA9567}" type="datetimeFigureOut">
               <a:rPr lang="en-US" dirty="0"/>
               <a:pPr/>
-              <a:t>11/25/19</a:t>
+              <a:t>11/27/19</a:t>
             </a:fld>
             <a:endParaRPr lang="en-US" dirty="0"/>
           </a:p>
@@ -5022,7 +5025,7 @@
             <a:fld id="{B61BEF0D-F0BB-DE4B-95CE-6DB70DBA9567}" type="datetimeFigureOut">
               <a:rPr lang="en-US" dirty="0"/>
               <a:pPr/>
-              <a:t>11/25/19</a:t>
+              <a:t>11/27/19</a:t>
             </a:fld>
             <a:endParaRPr lang="en-US" dirty="0"/>
           </a:p>
@@ -5351,7 +5354,7 @@
             <a:fld id="{B61BEF0D-F0BB-DE4B-95CE-6DB70DBA9567}" type="datetimeFigureOut">
               <a:rPr lang="en-US" dirty="0"/>
               <a:pPr/>
-              <a:t>11/25/19</a:t>
+              <a:t>11/27/19</a:t>
             </a:fld>
             <a:endParaRPr lang="en-US" dirty="0"/>
           </a:p>
@@ -5523,7 +5526,7 @@
             <a:fld id="{B61BEF0D-F0BB-DE4B-95CE-6DB70DBA9567}" type="datetimeFigureOut">
               <a:rPr lang="en-US" dirty="0"/>
               <a:pPr/>
-              <a:t>11/25/19</a:t>
+              <a:t>11/27/19</a:t>
             </a:fld>
             <a:endParaRPr lang="en-US" dirty="0"/>
           </a:p>
@@ -5700,7 +5703,7 @@
             <a:fld id="{B61BEF0D-F0BB-DE4B-95CE-6DB70DBA9567}" type="datetimeFigureOut">
               <a:rPr lang="en-US" dirty="0"/>
               <a:pPr/>
-              <a:t>11/25/19</a:t>
+              <a:t>11/27/19</a:t>
             </a:fld>
             <a:endParaRPr lang="en-US" dirty="0"/>
           </a:p>
@@ -5867,7 +5870,7 @@
             <a:fld id="{B61BEF0D-F0BB-DE4B-95CE-6DB70DBA9567}" type="datetimeFigureOut">
               <a:rPr lang="en-US" dirty="0"/>
               <a:pPr/>
-              <a:t>11/25/19</a:t>
+              <a:t>11/27/19</a:t>
             </a:fld>
             <a:endParaRPr lang="en-US" dirty="0"/>
           </a:p>
@@ -6121,7 +6124,7 @@
             <a:fld id="{B61BEF0D-F0BB-DE4B-95CE-6DB70DBA9567}" type="datetimeFigureOut">
               <a:rPr lang="en-US" dirty="0"/>
               <a:pPr/>
-              <a:t>11/25/19</a:t>
+              <a:t>11/27/19</a:t>
             </a:fld>
             <a:endParaRPr lang="en-US" dirty="0"/>
           </a:p>
@@ -6410,7 +6413,7 @@
             <a:fld id="{B61BEF0D-F0BB-DE4B-95CE-6DB70DBA9567}" type="datetimeFigureOut">
               <a:rPr lang="en-US" dirty="0"/>
               <a:pPr/>
-              <a:t>11/25/19</a:t>
+              <a:t>11/27/19</a:t>
             </a:fld>
             <a:endParaRPr lang="en-US" dirty="0"/>
           </a:p>
@@ -6837,7 +6840,7 @@
             <a:fld id="{B61BEF0D-F0BB-DE4B-95CE-6DB70DBA9567}" type="datetimeFigureOut">
               <a:rPr lang="en-US" dirty="0"/>
               <a:pPr/>
-              <a:t>11/25/19</a:t>
+              <a:t>11/27/19</a:t>
             </a:fld>
             <a:endParaRPr lang="en-US" dirty="0"/>
           </a:p>
@@ -6952,7 +6955,7 @@
             <a:fld id="{B61BEF0D-F0BB-DE4B-95CE-6DB70DBA9567}" type="datetimeFigureOut">
               <a:rPr lang="en-US" dirty="0"/>
               <a:pPr/>
-              <a:t>11/25/19</a:t>
+              <a:t>11/27/19</a:t>
             </a:fld>
             <a:endParaRPr lang="en-US" dirty="0"/>
           </a:p>
@@ -7044,7 +7047,7 @@
             <a:fld id="{B61BEF0D-F0BB-DE4B-95CE-6DB70DBA9567}" type="datetimeFigureOut">
               <a:rPr lang="en-US" dirty="0"/>
               <a:pPr/>
-              <a:t>11/25/19</a:t>
+              <a:t>11/27/19</a:t>
             </a:fld>
             <a:endParaRPr lang="en-US" dirty="0"/>
           </a:p>
@@ -7324,7 +7327,7 @@
             <a:fld id="{B61BEF0D-F0BB-DE4B-95CE-6DB70DBA9567}" type="datetimeFigureOut">
               <a:rPr lang="en-US" dirty="0"/>
               <a:pPr/>
-              <a:t>11/25/19</a:t>
+              <a:t>11/27/19</a:t>
             </a:fld>
             <a:endParaRPr lang="en-US" dirty="0"/>
           </a:p>
@@ -7612,7 +7615,7 @@
             <a:fld id="{B61BEF0D-F0BB-DE4B-95CE-6DB70DBA9567}" type="datetimeFigureOut">
               <a:rPr lang="en-US" dirty="0"/>
               <a:pPr/>
-              <a:t>11/25/19</a:t>
+              <a:t>11/27/19</a:t>
             </a:fld>
             <a:endParaRPr lang="en-US" dirty="0"/>
           </a:p>
@@ -7840,7 +7843,7 @@
             <a:fld id="{B61BEF0D-F0BB-DE4B-95CE-6DB70DBA9567}" type="datetimeFigureOut">
               <a:rPr lang="en-US" dirty="0"/>
               <a:pPr/>
-              <a:t>11/25/19</a:t>
+              <a:t>11/27/19</a:t>
             </a:fld>
             <a:endParaRPr lang="en-US" dirty="0"/>
           </a:p>
@@ -13774,29 +13777,6 @@
 <file path=ppt/slides/slide38.xml><?xml version="1.0" encoding="utf-8"?>
 <p:sld xmlns:a="http://schemas.openxmlformats.org/drawingml/2006/main" xmlns:r="http://schemas.openxmlformats.org/officeDocument/2006/relationships" xmlns:p="http://schemas.openxmlformats.org/presentationml/2006/main">
   <p:cSld>
-    <p:bg>
-      <p:bgPr>
-        <a:blipFill rotWithShape="1">
-          <a:blip r:embed="rId2">
-            <a:duotone>
-              <a:schemeClr val="bg2">
-                <a:shade val="28000"/>
-                <a:satMod val="94000"/>
-                <a:lumMod val="20000"/>
-              </a:schemeClr>
-              <a:schemeClr val="bg2">
-                <a:tint val="94000"/>
-                <a:shade val="84000"/>
-                <a:satMod val="148000"/>
-                <a:lumMod val="114000"/>
-              </a:schemeClr>
-            </a:duotone>
-          </a:blip>
-          <a:stretch/>
-        </a:blipFill>
-        <a:effectLst/>
-      </p:bgPr>
-    </p:bg>
     <p:spTree>
       <p:nvGrpSpPr>
         <p:cNvPr id="1" name=""/>
@@ -13816,7 +13796,7 @@
           <p:cNvPr id="2" name="Title 1">
             <a:extLst>
               <a:ext uri="{FF2B5EF4-FFF2-40B4-BE49-F238E27FC236}">
-                <a16:creationId xmlns:a16="http://schemas.microsoft.com/office/drawing/2014/main" id="{35CBFE72-D681-0D4B-A015-41BD7A652089}"/>
+                <a16:creationId xmlns:a16="http://schemas.microsoft.com/office/drawing/2014/main" id="{2A4560A0-F7BB-C342-8173-240C91C1AD45}"/>
               </a:ext>
             </a:extLst>
           </p:cNvPr>
@@ -13827,122 +13807,170 @@
             <p:ph type="title"/>
           </p:nvPr>
         </p:nvSpPr>
-        <p:spPr>
-          <a:xfrm>
-            <a:off x="1751012" y="4363271"/>
-            <a:ext cx="8676222" cy="1066801"/>
-          </a:xfrm>
-        </p:spPr>
-        <p:txBody>
-          <a:bodyPr vert="horz" lIns="91440" tIns="45720" rIns="91440" bIns="45720" rtlCol="0" anchor="b">
-            <a:normAutofit/>
-          </a:bodyPr>
+        <p:spPr/>
+        <p:txBody>
+          <a:bodyPr/>
           <a:lstStyle/>
           <a:p>
-            <a:pPr algn="ctr"/>
-            <a:r>
-              <a:rPr lang="en-US" sz="4800" kern="1200" cap="all">
-                <a:ln w="3175" cmpd="sng">
-                  <a:noFill/>
-                </a:ln>
-                <a:gradFill flip="none" rotWithShape="1">
-                  <a:gsLst>
-                    <a:gs pos="0">
-                      <a:schemeClr val="tx1"/>
-                    </a:gs>
-                    <a:gs pos="100000">
-                      <a:schemeClr val="tx1">
-                        <a:lumMod val="65000"/>
-                      </a:schemeClr>
-                    </a:gs>
-                  </a:gsLst>
-                  <a:lin ang="5580000" scaled="0"/>
-                  <a:tileRect/>
-                </a:gradFill>
-                <a:effectLst>
-                  <a:glow rad="38100">
-                    <a:schemeClr val="bg1">
-                      <a:lumMod val="65000"/>
-                      <a:lumOff val="35000"/>
-                      <a:alpha val="50000"/>
-                    </a:schemeClr>
-                  </a:glow>
-                  <a:outerShdw blurRad="28575" dist="31750" dir="13200000" algn="tl" rotWithShape="0">
-                    <a:srgbClr val="000000">
-                      <a:alpha val="25000"/>
-                    </a:srgbClr>
-                  </a:outerShdw>
-                </a:effectLst>
-                <a:latin typeface="+mj-lt"/>
-                <a:ea typeface="+mj-ea"/>
-                <a:cs typeface="+mj-cs"/>
-              </a:rPr>
-              <a:t>Frameworks </a:t>
-            </a:r>
-          </a:p>
-        </p:txBody>
-      </p:sp>
-      <p:pic>
-        <p:nvPicPr>
-          <p:cNvPr id="5" name="Content Placeholder 4">
+            <a:r>
+              <a:rPr lang="en-US" dirty="0"/>
+              <a:t>php</a:t>
+            </a:r>
+          </a:p>
+        </p:txBody>
+      </p:sp>
+      <p:sp>
+        <p:nvSpPr>
+          <p:cNvPr id="3" name="Content Placeholder 2">
             <a:extLst>
               <a:ext uri="{FF2B5EF4-FFF2-40B4-BE49-F238E27FC236}">
-                <a16:creationId xmlns:a16="http://schemas.microsoft.com/office/drawing/2014/main" id="{AB561092-6BA8-4A43-ABAA-8E6FD96FBAD8}"/>
+                <a16:creationId xmlns:a16="http://schemas.microsoft.com/office/drawing/2014/main" id="{1900B18E-42AC-9649-892A-350BDA4E52D4}"/>
               </a:ext>
             </a:extLst>
           </p:cNvPr>
-          <p:cNvPicPr>
-            <a:picLocks noGrp="1" noChangeAspect="1"/>
-          </p:cNvPicPr>
+          <p:cNvSpPr>
+            <a:spLocks noGrp="1"/>
+          </p:cNvSpPr>
           <p:nvPr>
             <p:ph idx="1"/>
           </p:nvPr>
-        </p:nvPicPr>
-        <p:blipFill>
-          <a:blip r:embed="rId3"/>
-          <a:stretch>
-            <a:fillRect/>
-          </a:stretch>
-        </p:blipFill>
-        <p:spPr>
-          <a:xfrm>
-            <a:off x="2578825" y="640080"/>
-            <a:ext cx="7029727" cy="3602736"/>
-          </a:xfrm>
-          <a:prstGeom prst="roundRect">
-            <a:avLst>
-              <a:gd name="adj" fmla="val 3517"/>
-            </a:avLst>
-          </a:prstGeom>
-          <a:ln w="38100">
-            <a:gradFill flip="none" rotWithShape="1">
-              <a:gsLst>
-                <a:gs pos="0">
-                  <a:srgbClr val="363D46"/>
-                </a:gs>
-                <a:gs pos="100000">
-                  <a:srgbClr val="363D46">
-                    <a:lumMod val="75000"/>
-                  </a:srgbClr>
-                </a:gs>
-              </a:gsLst>
-              <a:lin ang="5400000" scaled="0"/>
-              <a:tileRect/>
-            </a:gradFill>
-          </a:ln>
-          <a:effectLst>
-            <a:innerShdw blurRad="57150" dist="38100" dir="14460000">
-              <a:srgbClr val="000000">
-                <a:alpha val="70000"/>
-              </a:srgbClr>
-            </a:innerShdw>
-          </a:effectLst>
-        </p:spPr>
-      </p:pic>
+        </p:nvSpPr>
+        <p:spPr/>
+        <p:txBody>
+          <a:bodyPr/>
+          <a:lstStyle/>
+          <a:p>
+            <a:r>
+              <a:rPr lang="en-US" dirty="0"/>
+              <a:t>It is just like any other programming language.</a:t>
+            </a:r>
+          </a:p>
+          <a:p>
+            <a:r>
+              <a:rPr lang="en-US" dirty="0"/>
+              <a:t>It binds really well with </a:t>
+            </a:r>
+            <a:r>
+              <a:rPr lang="en-US" dirty="0" err="1"/>
+              <a:t>html,css</a:t>
+            </a:r>
+            <a:r>
+              <a:rPr lang="en-US" dirty="0"/>
+              <a:t> and </a:t>
+            </a:r>
+            <a:r>
+              <a:rPr lang="en-US" dirty="0" err="1"/>
+              <a:t>js</a:t>
+            </a:r>
+            <a:r>
+              <a:rPr lang="en-US" dirty="0"/>
+              <a:t>.</a:t>
+            </a:r>
+          </a:p>
+          <a:p>
+            <a:r>
+              <a:rPr lang="en-US" dirty="0"/>
+              <a:t>There is a downfall of php as there are better programming languages.</a:t>
+            </a:r>
+          </a:p>
+        </p:txBody>
+      </p:sp>
     </p:spTree>
     <p:extLst>
       <p:ext uri="{BB962C8B-B14F-4D97-AF65-F5344CB8AC3E}">
-        <p14:creationId xmlns:p14="http://schemas.microsoft.com/office/powerpoint/2010/main" val="2883390183"/>
+        <p14:creationId xmlns:p14="http://schemas.microsoft.com/office/powerpoint/2010/main" val="1256204513"/>
+      </p:ext>
+    </p:extLst>
+  </p:cSld>
+  <p:clrMapOvr>
+    <a:masterClrMapping/>
+  </p:clrMapOvr>
+</p:sld>
+</file>
+
+<file path=ppt/slides/slide39.xml><?xml version="1.0" encoding="utf-8"?>
+<p:sld xmlns:a="http://schemas.openxmlformats.org/drawingml/2006/main" xmlns:r="http://schemas.openxmlformats.org/officeDocument/2006/relationships" xmlns:p="http://schemas.openxmlformats.org/presentationml/2006/main">
+  <p:cSld>
+    <p:spTree>
+      <p:nvGrpSpPr>
+        <p:cNvPr id="1" name=""/>
+        <p:cNvGrpSpPr/>
+        <p:nvPr/>
+      </p:nvGrpSpPr>
+      <p:grpSpPr>
+        <a:xfrm>
+          <a:off x="0" y="0"/>
+          <a:ext cx="0" cy="0"/>
+          <a:chOff x="0" y="0"/>
+          <a:chExt cx="0" cy="0"/>
+        </a:xfrm>
+      </p:grpSpPr>
+      <p:sp>
+        <p:nvSpPr>
+          <p:cNvPr id="2" name="Title 1">
+            <a:extLst>
+              <a:ext uri="{FF2B5EF4-FFF2-40B4-BE49-F238E27FC236}">
+                <a16:creationId xmlns:a16="http://schemas.microsoft.com/office/drawing/2014/main" id="{D67FDD87-8CB6-E048-938C-79EB2044A6E9}"/>
+              </a:ext>
+            </a:extLst>
+          </p:cNvPr>
+          <p:cNvSpPr>
+            <a:spLocks noGrp="1"/>
+          </p:cNvSpPr>
+          <p:nvPr>
+            <p:ph type="title"/>
+          </p:nvPr>
+        </p:nvSpPr>
+        <p:spPr/>
+        <p:txBody>
+          <a:bodyPr/>
+          <a:lstStyle/>
+          <a:p>
+            <a:r>
+              <a:rPr lang="en-US" dirty="0"/>
+              <a:t>Xml/json</a:t>
+            </a:r>
+          </a:p>
+        </p:txBody>
+      </p:sp>
+      <p:sp>
+        <p:nvSpPr>
+          <p:cNvPr id="3" name="Content Placeholder 2">
+            <a:extLst>
+              <a:ext uri="{FF2B5EF4-FFF2-40B4-BE49-F238E27FC236}">
+                <a16:creationId xmlns:a16="http://schemas.microsoft.com/office/drawing/2014/main" id="{B7F29505-4742-4445-8B6B-63305114863D}"/>
+              </a:ext>
+            </a:extLst>
+          </p:cNvPr>
+          <p:cNvSpPr>
+            <a:spLocks noGrp="1"/>
+          </p:cNvSpPr>
+          <p:nvPr>
+            <p:ph idx="1"/>
+          </p:nvPr>
+        </p:nvSpPr>
+        <p:spPr/>
+        <p:txBody>
+          <a:bodyPr/>
+          <a:lstStyle/>
+          <a:p>
+            <a:r>
+              <a:rPr lang="en-US" dirty="0"/>
+              <a:t>It’s a form of encapsulating and wrapping data.</a:t>
+            </a:r>
+          </a:p>
+          <a:p>
+            <a:r>
+              <a:rPr lang="en-US" dirty="0"/>
+              <a:t>It is also used to transfer data between clients and servers.</a:t>
+            </a:r>
+          </a:p>
+        </p:txBody>
+      </p:sp>
+    </p:spTree>
+    <p:extLst>
+      <p:ext uri="{BB962C8B-B14F-4D97-AF65-F5344CB8AC3E}">
+        <p14:creationId xmlns:p14="http://schemas.microsoft.com/office/powerpoint/2010/main" val="2242259479"/>
       </p:ext>
     </p:extLst>
   </p:cSld>
@@ -14124,6 +14152,333 @@
     <p:extLst>
       <p:ext uri="{BB962C8B-B14F-4D97-AF65-F5344CB8AC3E}">
         <p14:creationId xmlns:p14="http://schemas.microsoft.com/office/powerpoint/2010/main" val="1754249790"/>
+      </p:ext>
+    </p:extLst>
+  </p:cSld>
+  <p:clrMapOvr>
+    <a:masterClrMapping/>
+  </p:clrMapOvr>
+</p:sld>
+</file>
+
+<file path=ppt/slides/slide40.xml><?xml version="1.0" encoding="utf-8"?>
+<p:sld xmlns:a="http://schemas.openxmlformats.org/drawingml/2006/main" xmlns:r="http://schemas.openxmlformats.org/officeDocument/2006/relationships" xmlns:p="http://schemas.openxmlformats.org/presentationml/2006/main">
+  <p:cSld>
+    <p:spTree>
+      <p:nvGrpSpPr>
+        <p:cNvPr id="1" name=""/>
+        <p:cNvGrpSpPr/>
+        <p:nvPr/>
+      </p:nvGrpSpPr>
+      <p:grpSpPr>
+        <a:xfrm>
+          <a:off x="0" y="0"/>
+          <a:ext cx="0" cy="0"/>
+          <a:chOff x="0" y="0"/>
+          <a:chExt cx="0" cy="0"/>
+        </a:xfrm>
+      </p:grpSpPr>
+      <p:sp>
+        <p:nvSpPr>
+          <p:cNvPr id="2" name="Title 1">
+            <a:extLst>
+              <a:ext uri="{FF2B5EF4-FFF2-40B4-BE49-F238E27FC236}">
+                <a16:creationId xmlns:a16="http://schemas.microsoft.com/office/drawing/2014/main" id="{2EA5D4A1-31D8-9C45-A2F4-C93AD1EE635D}"/>
+              </a:ext>
+            </a:extLst>
+          </p:cNvPr>
+          <p:cNvSpPr>
+            <a:spLocks noGrp="1"/>
+          </p:cNvSpPr>
+          <p:nvPr>
+            <p:ph type="title"/>
+          </p:nvPr>
+        </p:nvSpPr>
+        <p:spPr/>
+        <p:txBody>
+          <a:bodyPr/>
+          <a:lstStyle/>
+          <a:p>
+            <a:r>
+              <a:rPr lang="en-US" dirty="0"/>
+              <a:t>What are the keywords to search for ?</a:t>
+            </a:r>
+            <a:br>
+              <a:rPr lang="en-US" dirty="0"/>
+            </a:br>
+            <a:r>
+              <a:rPr lang="en-US" dirty="0"/>
+              <a:t>(to make better projects)</a:t>
+            </a:r>
+          </a:p>
+        </p:txBody>
+      </p:sp>
+      <p:sp>
+        <p:nvSpPr>
+          <p:cNvPr id="3" name="Content Placeholder 2">
+            <a:extLst>
+              <a:ext uri="{FF2B5EF4-FFF2-40B4-BE49-F238E27FC236}">
+                <a16:creationId xmlns:a16="http://schemas.microsoft.com/office/drawing/2014/main" id="{BE46EECF-F83B-454B-B1ED-CAA89D5E7970}"/>
+              </a:ext>
+            </a:extLst>
+          </p:cNvPr>
+          <p:cNvSpPr>
+            <a:spLocks noGrp="1"/>
+          </p:cNvSpPr>
+          <p:nvPr>
+            <p:ph idx="1"/>
+          </p:nvPr>
+        </p:nvSpPr>
+        <p:spPr/>
+        <p:txBody>
+          <a:bodyPr/>
+          <a:lstStyle/>
+          <a:p>
+            <a:r>
+              <a:rPr lang="en-US" dirty="0"/>
+              <a:t>Client side: Angular 4,react,viewjs,ajax,jquery,bootstrap,html5,crud.</a:t>
+            </a:r>
+          </a:p>
+          <a:p>
+            <a:r>
+              <a:rPr lang="en-US" dirty="0"/>
+              <a:t>Client side storage: local/session storage, caching.</a:t>
+            </a:r>
+          </a:p>
+          <a:p>
+            <a:r>
+              <a:rPr lang="en-US" dirty="0" err="1"/>
+              <a:t>Serverside</a:t>
+            </a:r>
+            <a:r>
+              <a:rPr lang="en-US" dirty="0"/>
+              <a:t> : </a:t>
+            </a:r>
+            <a:r>
+              <a:rPr lang="en-US" dirty="0" err="1"/>
+              <a:t>Django,Springboot,JSP,servlets,php,asp.net</a:t>
+            </a:r>
+            <a:r>
+              <a:rPr lang="en-US" dirty="0"/>
+              <a:t>.</a:t>
+            </a:r>
+          </a:p>
+          <a:p>
+            <a:r>
+              <a:rPr lang="en-US" dirty="0"/>
+              <a:t>Databases: </a:t>
+            </a:r>
+            <a:r>
+              <a:rPr lang="en-US" dirty="0" err="1"/>
+              <a:t>Mongodb,firebase,sql,mysql</a:t>
+            </a:r>
+            <a:r>
+              <a:rPr lang="en-US" dirty="0"/>
+              <a:t>.</a:t>
+            </a:r>
+          </a:p>
+          <a:p>
+            <a:r>
+              <a:rPr lang="en-US" dirty="0"/>
+              <a:t>Additional </a:t>
+            </a:r>
+            <a:r>
+              <a:rPr lang="en-US" dirty="0" err="1"/>
+              <a:t>functionalities:Oauth,sso,sessions,cookies,svg</a:t>
+            </a:r>
+            <a:r>
+              <a:rPr lang="en-US"/>
+              <a:t>.</a:t>
+            </a:r>
+            <a:endParaRPr lang="en-US" dirty="0"/>
+          </a:p>
+        </p:txBody>
+      </p:sp>
+    </p:spTree>
+    <p:extLst>
+      <p:ext uri="{BB962C8B-B14F-4D97-AF65-F5344CB8AC3E}">
+        <p14:creationId xmlns:p14="http://schemas.microsoft.com/office/powerpoint/2010/main" val="3211174986"/>
+      </p:ext>
+    </p:extLst>
+  </p:cSld>
+  <p:clrMapOvr>
+    <a:masterClrMapping/>
+  </p:clrMapOvr>
+</p:sld>
+</file>
+
+<file path=ppt/slides/slide41.xml><?xml version="1.0" encoding="utf-8"?>
+<p:sld xmlns:a="http://schemas.openxmlformats.org/drawingml/2006/main" xmlns:r="http://schemas.openxmlformats.org/officeDocument/2006/relationships" xmlns:p="http://schemas.openxmlformats.org/presentationml/2006/main">
+  <p:cSld>
+    <p:bg>
+      <p:bgPr>
+        <a:blipFill rotWithShape="1">
+          <a:blip r:embed="rId2">
+            <a:duotone>
+              <a:schemeClr val="bg2">
+                <a:shade val="28000"/>
+                <a:satMod val="94000"/>
+                <a:lumMod val="20000"/>
+              </a:schemeClr>
+              <a:schemeClr val="bg2">
+                <a:tint val="94000"/>
+                <a:shade val="84000"/>
+                <a:satMod val="148000"/>
+                <a:lumMod val="114000"/>
+              </a:schemeClr>
+            </a:duotone>
+          </a:blip>
+          <a:stretch/>
+        </a:blipFill>
+        <a:effectLst/>
+      </p:bgPr>
+    </p:bg>
+    <p:spTree>
+      <p:nvGrpSpPr>
+        <p:cNvPr id="1" name=""/>
+        <p:cNvGrpSpPr/>
+        <p:nvPr/>
+      </p:nvGrpSpPr>
+      <p:grpSpPr>
+        <a:xfrm>
+          <a:off x="0" y="0"/>
+          <a:ext cx="0" cy="0"/>
+          <a:chOff x="0" y="0"/>
+          <a:chExt cx="0" cy="0"/>
+        </a:xfrm>
+      </p:grpSpPr>
+      <p:sp>
+        <p:nvSpPr>
+          <p:cNvPr id="2" name="Title 1">
+            <a:extLst>
+              <a:ext uri="{FF2B5EF4-FFF2-40B4-BE49-F238E27FC236}">
+                <a16:creationId xmlns:a16="http://schemas.microsoft.com/office/drawing/2014/main" id="{35CBFE72-D681-0D4B-A015-41BD7A652089}"/>
+              </a:ext>
+            </a:extLst>
+          </p:cNvPr>
+          <p:cNvSpPr>
+            <a:spLocks noGrp="1"/>
+          </p:cNvSpPr>
+          <p:nvPr>
+            <p:ph type="title"/>
+          </p:nvPr>
+        </p:nvSpPr>
+        <p:spPr>
+          <a:xfrm>
+            <a:off x="1751012" y="4363271"/>
+            <a:ext cx="8676222" cy="1066801"/>
+          </a:xfrm>
+        </p:spPr>
+        <p:txBody>
+          <a:bodyPr vert="horz" lIns="91440" tIns="45720" rIns="91440" bIns="45720" rtlCol="0" anchor="b">
+            <a:normAutofit/>
+          </a:bodyPr>
+          <a:lstStyle/>
+          <a:p>
+            <a:pPr algn="ctr"/>
+            <a:r>
+              <a:rPr lang="en-US" sz="4800" kern="1200" cap="all">
+                <a:ln w="3175" cmpd="sng">
+                  <a:noFill/>
+                </a:ln>
+                <a:gradFill flip="none" rotWithShape="1">
+                  <a:gsLst>
+                    <a:gs pos="0">
+                      <a:schemeClr val="tx1"/>
+                    </a:gs>
+                    <a:gs pos="100000">
+                      <a:schemeClr val="tx1">
+                        <a:lumMod val="65000"/>
+                      </a:schemeClr>
+                    </a:gs>
+                  </a:gsLst>
+                  <a:lin ang="5580000" scaled="0"/>
+                  <a:tileRect/>
+                </a:gradFill>
+                <a:effectLst>
+                  <a:glow rad="38100">
+                    <a:schemeClr val="bg1">
+                      <a:lumMod val="65000"/>
+                      <a:lumOff val="35000"/>
+                      <a:alpha val="50000"/>
+                    </a:schemeClr>
+                  </a:glow>
+                  <a:outerShdw blurRad="28575" dist="31750" dir="13200000" algn="tl" rotWithShape="0">
+                    <a:srgbClr val="000000">
+                      <a:alpha val="25000"/>
+                    </a:srgbClr>
+                  </a:outerShdw>
+                </a:effectLst>
+                <a:latin typeface="+mj-lt"/>
+                <a:ea typeface="+mj-ea"/>
+                <a:cs typeface="+mj-cs"/>
+              </a:rPr>
+              <a:t>Frameworks </a:t>
+            </a:r>
+          </a:p>
+        </p:txBody>
+      </p:sp>
+      <p:pic>
+        <p:nvPicPr>
+          <p:cNvPr id="5" name="Content Placeholder 4">
+            <a:extLst>
+              <a:ext uri="{FF2B5EF4-FFF2-40B4-BE49-F238E27FC236}">
+                <a16:creationId xmlns:a16="http://schemas.microsoft.com/office/drawing/2014/main" id="{AB561092-6BA8-4A43-ABAA-8E6FD96FBAD8}"/>
+              </a:ext>
+            </a:extLst>
+          </p:cNvPr>
+          <p:cNvPicPr>
+            <a:picLocks noGrp="1" noChangeAspect="1"/>
+          </p:cNvPicPr>
+          <p:nvPr>
+            <p:ph idx="1"/>
+          </p:nvPr>
+        </p:nvPicPr>
+        <p:blipFill>
+          <a:blip r:embed="rId3"/>
+          <a:stretch>
+            <a:fillRect/>
+          </a:stretch>
+        </p:blipFill>
+        <p:spPr>
+          <a:xfrm>
+            <a:off x="2578825" y="640080"/>
+            <a:ext cx="7029727" cy="3602736"/>
+          </a:xfrm>
+          <a:prstGeom prst="roundRect">
+            <a:avLst>
+              <a:gd name="adj" fmla="val 3517"/>
+            </a:avLst>
+          </a:prstGeom>
+          <a:ln w="38100">
+            <a:gradFill flip="none" rotWithShape="1">
+              <a:gsLst>
+                <a:gs pos="0">
+                  <a:srgbClr val="363D46"/>
+                </a:gs>
+                <a:gs pos="100000">
+                  <a:srgbClr val="363D46">
+                    <a:lumMod val="75000"/>
+                  </a:srgbClr>
+                </a:gs>
+              </a:gsLst>
+              <a:lin ang="5400000" scaled="0"/>
+              <a:tileRect/>
+            </a:gradFill>
+          </a:ln>
+          <a:effectLst>
+            <a:innerShdw blurRad="57150" dist="38100" dir="14460000">
+              <a:srgbClr val="000000">
+                <a:alpha val="70000"/>
+              </a:srgbClr>
+            </a:innerShdw>
+          </a:effectLst>
+        </p:spPr>
+      </p:pic>
+    </p:spTree>
+    <p:extLst>
+      <p:ext uri="{BB962C8B-B14F-4D97-AF65-F5344CB8AC3E}">
+        <p14:creationId xmlns:p14="http://schemas.microsoft.com/office/powerpoint/2010/main" val="2883390183"/>
       </p:ext>
     </p:extLst>
   </p:cSld>

--- a/web_application_programming.pptx
+++ b/web_application_programming.pptx
@@ -14236,7 +14236,7 @@
           <a:p>
             <a:r>
               <a:rPr lang="en-US" dirty="0"/>
-              <a:t>Client side: Angular 4,react,viewjs,ajax,jquery,bootstrap,html5,crud.</a:t>
+              <a:t>Client side: Angular 4,react,vuejs,ajax,jquery,bootstrap,html5,crud.</a:t>
             </a:r>
           </a:p>
           <a:p>
@@ -14252,11 +14252,22 @@
             </a:r>
             <a:r>
               <a:rPr lang="en-US" dirty="0"/>
-              <a:t> : </a:t>
+              <a:t> : Django,Springboot,JSP,servlets,php,asp.net.,</a:t>
             </a:r>
             <a:r>
               <a:rPr lang="en-US" dirty="0" err="1"/>
-              <a:t>Django,Springboot,JSP,servlets,php,asp.net</a:t>
+              <a:t>nodejs</a:t>
+            </a:r>
+            <a:endParaRPr lang="en-US" dirty="0"/>
+          </a:p>
+          <a:p>
+            <a:r>
+              <a:rPr lang="en-US" dirty="0"/>
+              <a:t>Databases: </a:t>
+            </a:r>
+            <a:r>
+              <a:rPr lang="en-US" dirty="0" err="1"/>
+              <a:t>Mongodb,firebase,sql,mysql</a:t>
             </a:r>
             <a:r>
               <a:rPr lang="en-US" dirty="0"/>
@@ -14266,29 +14277,19 @@
           <a:p>
             <a:r>
               <a:rPr lang="en-US" dirty="0"/>
-              <a:t>Databases: </a:t>
+              <a:t>Additional </a:t>
             </a:r>
             <a:r>
               <a:rPr lang="en-US" dirty="0" err="1"/>
-              <a:t>Mongodb,firebase,sql,mysql</a:t>
-            </a:r>
-            <a:r>
-              <a:rPr lang="en-US" dirty="0"/>
-              <a:t>.</a:t>
-            </a:r>
-          </a:p>
-          <a:p>
-            <a:r>
-              <a:rPr lang="en-US" dirty="0"/>
-              <a:t>Additional </a:t>
-            </a:r>
-            <a:r>
-              <a:rPr lang="en-US" dirty="0" err="1"/>
-              <a:t>functionalities:Oauth,sso,sessions,cookies,svg</a:t>
+              <a:t>functionalities:Oauth,sso,sessions,cookies,</a:t>
+            </a:r>
+            <a:r>
+              <a:rPr lang="en-US" err="1"/>
+              <a:t>svg</a:t>
             </a:r>
             <a:r>
               <a:rPr lang="en-US"/>
-              <a:t>.</a:t>
+              <a:t>.Bootstrap</a:t>
             </a:r>
             <a:endParaRPr lang="en-US" dirty="0"/>
           </a:p>
